--- a/3. Back-end/1. JavaCore/3.Biến trong Java.pptx
+++ b/3. Back-end/1. JavaCore/3.Biến trong Java.pptx
@@ -9,16 +9,19 @@
     <p:sldId id="257" r:id="rId3"/>
     <p:sldId id="258" r:id="rId4"/>
     <p:sldId id="259" r:id="rId5"/>
-    <p:sldId id="260" r:id="rId6"/>
-    <p:sldId id="267" r:id="rId7"/>
-    <p:sldId id="264" r:id="rId8"/>
-    <p:sldId id="263" r:id="rId9"/>
-    <p:sldId id="265" r:id="rId10"/>
-    <p:sldId id="261" r:id="rId11"/>
-    <p:sldId id="262" r:id="rId12"/>
-    <p:sldId id="266" r:id="rId13"/>
-    <p:sldId id="269" r:id="rId14"/>
-    <p:sldId id="268" r:id="rId15"/>
+    <p:sldId id="271" r:id="rId6"/>
+    <p:sldId id="272" r:id="rId7"/>
+    <p:sldId id="260" r:id="rId8"/>
+    <p:sldId id="267" r:id="rId9"/>
+    <p:sldId id="264" r:id="rId10"/>
+    <p:sldId id="263" r:id="rId11"/>
+    <p:sldId id="265" r:id="rId12"/>
+    <p:sldId id="261" r:id="rId13"/>
+    <p:sldId id="262" r:id="rId14"/>
+    <p:sldId id="266" r:id="rId15"/>
+    <p:sldId id="270" r:id="rId16"/>
+    <p:sldId id="269" r:id="rId17"/>
+    <p:sldId id="268" r:id="rId18"/>
   </p:sldIdLst>
   <p:sldSz cx="9144000" cy="6858000" type="screen4x3"/>
   <p:notesSz cx="6858000" cy="9144000"/>
@@ -3188,2496 +3191,6 @@
         </p:nvSpPr>
         <p:spPr/>
         <p:txBody>
-          <a:bodyPr>
-            <a:normAutofit/>
-          </a:bodyPr>
-          <a:lstStyle/>
-          <a:p>
-            <a:r>
-              <a:rPr lang="en-GB" dirty="0" err="1"/>
-              <a:t>Biến</a:t>
-            </a:r>
-            <a:r>
-              <a:rPr lang="en-GB" dirty="0"/>
-              <a:t> </a:t>
-            </a:r>
-            <a:r>
-              <a:rPr lang="en-GB" dirty="0" smtClean="0"/>
-              <a:t>Local</a:t>
-            </a:r>
-            <a:endParaRPr lang="en-GB" dirty="0"/>
-          </a:p>
-        </p:txBody>
-      </p:sp>
-      <p:sp>
-        <p:nvSpPr>
-          <p:cNvPr id="3" name="Content Placeholder 2"/>
-          <p:cNvSpPr>
-            <a:spLocks noGrp="1"/>
-          </p:cNvSpPr>
-          <p:nvPr>
-            <p:ph idx="1"/>
-          </p:nvPr>
-        </p:nvSpPr>
-        <p:spPr/>
-        <p:txBody>
-          <a:bodyPr/>
-          <a:lstStyle/>
-          <a:p>
-            <a:r>
-              <a:rPr lang="en-US" dirty="0" err="1" smtClean="0"/>
-              <a:t>Biến</a:t>
-            </a:r>
-            <a:r>
-              <a:rPr lang="en-US" dirty="0" smtClean="0"/>
-              <a:t> </a:t>
-            </a:r>
-            <a:r>
-              <a:rPr lang="en-US" dirty="0" err="1" smtClean="0"/>
-              <a:t>trong</a:t>
-            </a:r>
-            <a:r>
-              <a:rPr lang="en-US" dirty="0" smtClean="0"/>
-              <a:t> Constructor, </a:t>
-            </a:r>
-            <a:r>
-              <a:rPr lang="en-US" dirty="0" err="1" smtClean="0"/>
-              <a:t>khối</a:t>
-            </a:r>
-            <a:r>
-              <a:rPr lang="en-US" dirty="0" smtClean="0"/>
-              <a:t>, </a:t>
-            </a:r>
-            <a:r>
-              <a:rPr lang="en-US" dirty="0" err="1" smtClean="0"/>
-              <a:t>phương</a:t>
-            </a:r>
-            <a:r>
-              <a:rPr lang="en-US" dirty="0" smtClean="0"/>
-              <a:t> </a:t>
-            </a:r>
-            <a:r>
-              <a:rPr lang="en-US" dirty="0" err="1" smtClean="0"/>
-              <a:t>thức</a:t>
-            </a:r>
-            <a:endParaRPr lang="en-US" dirty="0" smtClean="0"/>
-          </a:p>
-          <a:p>
-            <a:r>
-              <a:rPr lang="en-US" dirty="0" err="1" smtClean="0"/>
-              <a:t>Biến</a:t>
-            </a:r>
-            <a:r>
-              <a:rPr lang="en-US" dirty="0" smtClean="0"/>
-              <a:t> </a:t>
-            </a:r>
-            <a:r>
-              <a:rPr lang="en-US" dirty="0" err="1" smtClean="0"/>
-              <a:t>hủy</a:t>
-            </a:r>
-            <a:r>
-              <a:rPr lang="en-US" dirty="0" smtClean="0"/>
-              <a:t> </a:t>
-            </a:r>
-            <a:r>
-              <a:rPr lang="en-US" dirty="0" err="1" smtClean="0"/>
-              <a:t>khi</a:t>
-            </a:r>
-            <a:r>
-              <a:rPr lang="en-US" dirty="0" smtClean="0"/>
-              <a:t> </a:t>
-            </a:r>
-            <a:r>
-              <a:rPr lang="en-US" dirty="0" err="1" smtClean="0"/>
-              <a:t>khối</a:t>
-            </a:r>
-            <a:r>
-              <a:rPr lang="en-US" dirty="0" smtClean="0"/>
-              <a:t> </a:t>
-            </a:r>
-            <a:r>
-              <a:rPr lang="en-US" dirty="0" err="1" smtClean="0"/>
-              <a:t>kết</a:t>
-            </a:r>
-            <a:r>
-              <a:rPr lang="en-US" dirty="0" smtClean="0"/>
-              <a:t> </a:t>
-            </a:r>
-            <a:r>
-              <a:rPr lang="en-US" dirty="0" err="1" smtClean="0"/>
-              <a:t>thúc</a:t>
-            </a:r>
-            <a:endParaRPr lang="en-US" dirty="0" smtClean="0"/>
-          </a:p>
-          <a:p>
-            <a:r>
-              <a:rPr lang="en-US" dirty="0" err="1" smtClean="0"/>
-              <a:t>Có</a:t>
-            </a:r>
-            <a:r>
-              <a:rPr lang="en-US" dirty="0" smtClean="0"/>
-              <a:t> </a:t>
-            </a:r>
-            <a:r>
-              <a:rPr lang="en-US" dirty="0" err="1" smtClean="0"/>
-              <a:t>thể</a:t>
-            </a:r>
-            <a:r>
-              <a:rPr lang="en-US" dirty="0" smtClean="0"/>
-              <a:t> </a:t>
-            </a:r>
-            <a:r>
-              <a:rPr lang="en-US" dirty="0" err="1" smtClean="0"/>
-              <a:t>không</a:t>
-            </a:r>
-            <a:r>
-              <a:rPr lang="en-US" dirty="0" smtClean="0"/>
-              <a:t> </a:t>
-            </a:r>
-            <a:r>
-              <a:rPr lang="en-US" dirty="0" err="1" smtClean="0"/>
-              <a:t>có</a:t>
-            </a:r>
-            <a:r>
-              <a:rPr lang="en-US" dirty="0" smtClean="0"/>
-              <a:t> </a:t>
-            </a:r>
-            <a:r>
-              <a:rPr lang="en-US" dirty="0" err="1" smtClean="0"/>
-              <a:t>hoặc</a:t>
-            </a:r>
-            <a:r>
-              <a:rPr lang="en-US" dirty="0" smtClean="0"/>
-              <a:t> </a:t>
-            </a:r>
-            <a:r>
-              <a:rPr lang="en-US" dirty="0" err="1" smtClean="0"/>
-              <a:t>có</a:t>
-            </a:r>
-            <a:r>
-              <a:rPr lang="en-US" dirty="0" smtClean="0"/>
-              <a:t> access modifier</a:t>
-            </a:r>
-          </a:p>
-          <a:p>
-            <a:r>
-              <a:rPr lang="en-US" dirty="0" err="1" smtClean="0"/>
-              <a:t>Biến</a:t>
-            </a:r>
-            <a:r>
-              <a:rPr lang="en-US" dirty="0" smtClean="0"/>
-              <a:t> </a:t>
-            </a:r>
-            <a:r>
-              <a:rPr lang="en-US" dirty="0" err="1" smtClean="0"/>
-              <a:t>thực</a:t>
-            </a:r>
-            <a:r>
-              <a:rPr lang="en-US" dirty="0" smtClean="0"/>
-              <a:t> </a:t>
-            </a:r>
-            <a:r>
-              <a:rPr lang="en-US" dirty="0" err="1" smtClean="0"/>
-              <a:t>thi</a:t>
-            </a:r>
-            <a:r>
-              <a:rPr lang="en-US" dirty="0" smtClean="0"/>
-              <a:t> </a:t>
-            </a:r>
-            <a:r>
-              <a:rPr lang="en-US" dirty="0" err="1" smtClean="0"/>
-              <a:t>nội</a:t>
-            </a:r>
-            <a:r>
-              <a:rPr lang="en-US" dirty="0" smtClean="0"/>
-              <a:t> </a:t>
-            </a:r>
-            <a:r>
-              <a:rPr lang="en-US" dirty="0" err="1" smtClean="0"/>
-              <a:t>bộ</a:t>
-            </a:r>
-            <a:endParaRPr lang="en-US" dirty="0" smtClean="0"/>
-          </a:p>
-          <a:p>
-            <a:r>
-              <a:rPr lang="en-US" dirty="0" err="1" smtClean="0"/>
-              <a:t>Không</a:t>
-            </a:r>
-            <a:r>
-              <a:rPr lang="en-US" dirty="0" smtClean="0"/>
-              <a:t> </a:t>
-            </a:r>
-            <a:r>
-              <a:rPr lang="en-US" dirty="0" err="1" smtClean="0"/>
-              <a:t>có</a:t>
-            </a:r>
-            <a:r>
-              <a:rPr lang="en-US" dirty="0" smtClean="0"/>
-              <a:t> </a:t>
-            </a:r>
-            <a:r>
-              <a:rPr lang="en-US" dirty="0" err="1" smtClean="0"/>
-              <a:t>giá</a:t>
-            </a:r>
-            <a:r>
-              <a:rPr lang="en-US" dirty="0" smtClean="0"/>
-              <a:t> </a:t>
-            </a:r>
-            <a:r>
-              <a:rPr lang="en-US" dirty="0" err="1" smtClean="0"/>
-              <a:t>trị</a:t>
-            </a:r>
-            <a:r>
-              <a:rPr lang="en-US" dirty="0" smtClean="0"/>
-              <a:t> </a:t>
-            </a:r>
-            <a:r>
-              <a:rPr lang="en-US" dirty="0" err="1" smtClean="0"/>
-              <a:t>mặc</a:t>
-            </a:r>
-            <a:r>
-              <a:rPr lang="en-US" dirty="0" smtClean="0"/>
-              <a:t> </a:t>
-            </a:r>
-            <a:r>
-              <a:rPr lang="en-US" dirty="0" err="1" smtClean="0"/>
-              <a:t>định</a:t>
-            </a:r>
-            <a:endParaRPr lang="en-GB" dirty="0"/>
-          </a:p>
-        </p:txBody>
-      </p:sp>
-    </p:spTree>
-    <p:extLst>
-      <p:ext uri="{BB962C8B-B14F-4D97-AF65-F5344CB8AC3E}">
-        <p14:creationId xmlns:p14="http://schemas.microsoft.com/office/powerpoint/2010/main" val="1315229012"/>
-      </p:ext>
-    </p:extLst>
-  </p:cSld>
-  <p:clrMapOvr>
-    <a:masterClrMapping/>
-  </p:clrMapOvr>
-</p:sld>
-</file>
-
-<file path=ppt/slides/slide11.xml><?xml version="1.0" encoding="utf-8"?>
-<p:sld xmlns:a="http://schemas.openxmlformats.org/drawingml/2006/main" xmlns:r="http://schemas.openxmlformats.org/officeDocument/2006/relationships" xmlns:p="http://schemas.openxmlformats.org/presentationml/2006/main">
-  <p:cSld>
-    <p:spTree>
-      <p:nvGrpSpPr>
-        <p:cNvPr id="1" name=""/>
-        <p:cNvGrpSpPr/>
-        <p:nvPr/>
-      </p:nvGrpSpPr>
-      <p:grpSpPr>
-        <a:xfrm>
-          <a:off x="0" y="0"/>
-          <a:ext cx="0" cy="0"/>
-          <a:chOff x="0" y="0"/>
-          <a:chExt cx="0" cy="0"/>
-        </a:xfrm>
-      </p:grpSpPr>
-      <p:sp>
-        <p:nvSpPr>
-          <p:cNvPr id="2" name="Title 1"/>
-          <p:cNvSpPr>
-            <a:spLocks noGrp="1"/>
-          </p:cNvSpPr>
-          <p:nvPr>
-            <p:ph type="title"/>
-          </p:nvPr>
-        </p:nvSpPr>
-        <p:spPr/>
-        <p:txBody>
-          <a:bodyPr/>
-          <a:lstStyle/>
-          <a:p>
-            <a:r>
-              <a:rPr lang="en-US" dirty="0" err="1" smtClean="0"/>
-              <a:t>Eg</a:t>
-            </a:r>
-            <a:r>
-              <a:rPr lang="en-US" dirty="0" smtClean="0"/>
-              <a:t>: Local Variable</a:t>
-            </a:r>
-            <a:endParaRPr lang="en-GB" dirty="0"/>
-          </a:p>
-        </p:txBody>
-      </p:sp>
-      <p:sp>
-        <p:nvSpPr>
-          <p:cNvPr id="3" name="Content Placeholder 2"/>
-          <p:cNvSpPr>
-            <a:spLocks noGrp="1"/>
-          </p:cNvSpPr>
-          <p:nvPr>
-            <p:ph idx="1"/>
-          </p:nvPr>
-        </p:nvSpPr>
-        <p:spPr/>
-        <p:txBody>
-          <a:bodyPr/>
-          <a:lstStyle/>
-          <a:p>
-            <a:endParaRPr lang="en-GB" dirty="0"/>
-          </a:p>
-        </p:txBody>
-      </p:sp>
-      <p:pic>
-        <p:nvPicPr>
-          <p:cNvPr id="1026" name="Picture 2"/>
-          <p:cNvPicPr>
-            <a:picLocks noChangeAspect="1" noChangeArrowheads="1"/>
-          </p:cNvPicPr>
-          <p:nvPr/>
-        </p:nvPicPr>
-        <p:blipFill>
-          <a:blip r:embed="rId2">
-            <a:extLst>
-              <a:ext uri="{28A0092B-C50C-407E-A947-70E740481C1C}">
-                <a14:useLocalDpi xmlns:a14="http://schemas.microsoft.com/office/drawing/2010/main" val="0"/>
-              </a:ext>
-            </a:extLst>
-          </a:blip>
-          <a:srcRect/>
-          <a:stretch>
-            <a:fillRect/>
-          </a:stretch>
-        </p:blipFill>
-        <p:spPr bwMode="auto">
-          <a:xfrm>
-            <a:off x="585788" y="1614488"/>
-            <a:ext cx="7972425" cy="3629025"/>
-          </a:xfrm>
-          <a:prstGeom prst="rect">
-            <a:avLst/>
-          </a:prstGeom>
-          <a:noFill/>
-          <a:ln>
-            <a:noFill/>
-          </a:ln>
-          <a:effectLst/>
-          <a:extLst>
-            <a:ext uri="{909E8E84-426E-40DD-AFC4-6F175D3DCCD1}">
-              <a14:hiddenFill xmlns:a14="http://schemas.microsoft.com/office/drawing/2010/main">
-                <a:solidFill>
-                  <a:schemeClr val="accent1"/>
-                </a:solidFill>
-              </a14:hiddenFill>
-            </a:ext>
-            <a:ext uri="{91240B29-F687-4F45-9708-019B960494DF}">
-              <a14:hiddenLine xmlns:a14="http://schemas.microsoft.com/office/drawing/2010/main" w="9525">
-                <a:solidFill>
-                  <a:schemeClr val="tx1"/>
-                </a:solidFill>
-                <a:miter lim="800000"/>
-                <a:headEnd/>
-                <a:tailEnd/>
-              </a14:hiddenLine>
-            </a:ext>
-            <a:ext uri="{AF507438-7753-43E0-B8FC-AC1667EBCBE1}">
-              <a14:hiddenEffects xmlns:a14="http://schemas.microsoft.com/office/drawing/2010/main">
-                <a:effectLst>
-                  <a:outerShdw dist="35921" dir="2700000" algn="ctr" rotWithShape="0">
-                    <a:schemeClr val="bg2"/>
-                  </a:outerShdw>
-                </a:effectLst>
-              </a14:hiddenEffects>
-            </a:ext>
-          </a:extLst>
-        </p:spPr>
-      </p:pic>
-    </p:spTree>
-    <p:extLst>
-      <p:ext uri="{BB962C8B-B14F-4D97-AF65-F5344CB8AC3E}">
-        <p14:creationId xmlns:p14="http://schemas.microsoft.com/office/powerpoint/2010/main" val="2537402977"/>
-      </p:ext>
-    </p:extLst>
-  </p:cSld>
-  <p:clrMapOvr>
-    <a:masterClrMapping/>
-  </p:clrMapOvr>
-</p:sld>
-</file>
-
-<file path=ppt/slides/slide12.xml><?xml version="1.0" encoding="utf-8"?>
-<p:sld xmlns:a="http://schemas.openxmlformats.org/drawingml/2006/main" xmlns:r="http://schemas.openxmlformats.org/officeDocument/2006/relationships" xmlns:p="http://schemas.openxmlformats.org/presentationml/2006/main">
-  <p:cSld>
-    <p:spTree>
-      <p:nvGrpSpPr>
-        <p:cNvPr id="1" name=""/>
-        <p:cNvGrpSpPr/>
-        <p:nvPr/>
-      </p:nvGrpSpPr>
-      <p:grpSpPr>
-        <a:xfrm>
-          <a:off x="0" y="0"/>
-          <a:ext cx="0" cy="0"/>
-          <a:chOff x="0" y="0"/>
-          <a:chExt cx="0" cy="0"/>
-        </a:xfrm>
-      </p:grpSpPr>
-      <p:sp>
-        <p:nvSpPr>
-          <p:cNvPr id="2" name="Title 1"/>
-          <p:cNvSpPr>
-            <a:spLocks noGrp="1"/>
-          </p:cNvSpPr>
-          <p:nvPr>
-            <p:ph type="title"/>
-          </p:nvPr>
-        </p:nvSpPr>
-        <p:spPr/>
-        <p:txBody>
-          <a:bodyPr/>
-          <a:lstStyle/>
-          <a:p>
-            <a:r>
-              <a:rPr lang="en-GB" smtClean="0"/>
-              <a:t>Parameters</a:t>
-            </a:r>
-            <a:endParaRPr lang="en-GB" dirty="0"/>
-          </a:p>
-        </p:txBody>
-      </p:sp>
-      <p:sp>
-        <p:nvSpPr>
-          <p:cNvPr id="12" name="Content Placeholder 11"/>
-          <p:cNvSpPr>
-            <a:spLocks noGrp="1"/>
-          </p:cNvSpPr>
-          <p:nvPr>
-            <p:ph idx="1"/>
-          </p:nvPr>
-        </p:nvSpPr>
-        <p:spPr>
-          <a:xfrm>
-            <a:off x="457200" y="1600201"/>
-            <a:ext cx="8229600" cy="1371600"/>
-          </a:xfrm>
-        </p:spPr>
-        <p:txBody>
-          <a:bodyPr/>
-          <a:lstStyle/>
-          <a:p>
-            <a:r>
-              <a:rPr lang="en-US" dirty="0" err="1" smtClean="0"/>
-              <a:t>Là</a:t>
-            </a:r>
-            <a:r>
-              <a:rPr lang="en-US" dirty="0" smtClean="0"/>
-              <a:t> </a:t>
-            </a:r>
-            <a:r>
-              <a:rPr lang="en-US" dirty="0" err="1" smtClean="0"/>
-              <a:t>tham</a:t>
-            </a:r>
-            <a:r>
-              <a:rPr lang="en-US" dirty="0" smtClean="0"/>
-              <a:t> </a:t>
-            </a:r>
-            <a:r>
-              <a:rPr lang="en-US" dirty="0" err="1" smtClean="0"/>
-              <a:t>số</a:t>
-            </a:r>
-            <a:r>
-              <a:rPr lang="en-US" dirty="0" smtClean="0"/>
-              <a:t> </a:t>
-            </a:r>
-            <a:r>
-              <a:rPr lang="en-US" dirty="0" err="1" smtClean="0"/>
-              <a:t>trong</a:t>
-            </a:r>
-            <a:r>
-              <a:rPr lang="en-US" dirty="0" smtClean="0"/>
-              <a:t> </a:t>
-            </a:r>
-            <a:r>
-              <a:rPr lang="en-US" dirty="0" err="1" smtClean="0"/>
-              <a:t>một</a:t>
-            </a:r>
-            <a:r>
-              <a:rPr lang="en-US" dirty="0" smtClean="0"/>
-              <a:t> </a:t>
-            </a:r>
-            <a:r>
-              <a:rPr lang="en-US" dirty="0" err="1" smtClean="0"/>
-              <a:t>phương</a:t>
-            </a:r>
-            <a:r>
-              <a:rPr lang="en-US" dirty="0" smtClean="0"/>
-              <a:t> </a:t>
-            </a:r>
-            <a:r>
-              <a:rPr lang="en-US" dirty="0" err="1" smtClean="0"/>
-              <a:t>thức</a:t>
-            </a:r>
-            <a:endParaRPr lang="en-US" dirty="0" smtClean="0"/>
-          </a:p>
-          <a:p>
-            <a:r>
-              <a:rPr lang="en-US" dirty="0" err="1" smtClean="0"/>
-              <a:t>Chỉ</a:t>
-            </a:r>
-            <a:r>
-              <a:rPr lang="en-US" dirty="0" smtClean="0"/>
-              <a:t> </a:t>
-            </a:r>
-            <a:r>
-              <a:rPr lang="en-US" dirty="0" err="1" smtClean="0"/>
-              <a:t>có</a:t>
-            </a:r>
-            <a:r>
-              <a:rPr lang="en-US" dirty="0" smtClean="0"/>
-              <a:t> </a:t>
-            </a:r>
-            <a:r>
-              <a:rPr lang="en-US" dirty="0" err="1" smtClean="0"/>
-              <a:t>giá</a:t>
-            </a:r>
-            <a:r>
-              <a:rPr lang="en-US" dirty="0" smtClean="0"/>
-              <a:t> </a:t>
-            </a:r>
-            <a:r>
-              <a:rPr lang="en-US" dirty="0" err="1" smtClean="0"/>
-              <a:t>trị</a:t>
-            </a:r>
-            <a:r>
-              <a:rPr lang="en-US" dirty="0" smtClean="0"/>
-              <a:t> </a:t>
-            </a:r>
-            <a:r>
-              <a:rPr lang="en-US" dirty="0" err="1" smtClean="0"/>
-              <a:t>trong</a:t>
-            </a:r>
-            <a:r>
-              <a:rPr lang="en-US" dirty="0" smtClean="0"/>
-              <a:t> </a:t>
-            </a:r>
-            <a:r>
-              <a:rPr lang="en-US" dirty="0" err="1" smtClean="0"/>
-              <a:t>phương</a:t>
-            </a:r>
-            <a:r>
-              <a:rPr lang="en-US" dirty="0" smtClean="0"/>
-              <a:t> </a:t>
-            </a:r>
-            <a:r>
-              <a:rPr lang="en-US" dirty="0" err="1" smtClean="0"/>
-              <a:t>thức</a:t>
-            </a:r>
-            <a:r>
-              <a:rPr lang="en-US" dirty="0" smtClean="0"/>
-              <a:t> </a:t>
-            </a:r>
-            <a:r>
-              <a:rPr lang="en-US" dirty="0" err="1" smtClean="0"/>
-              <a:t>đó</a:t>
-            </a:r>
-            <a:r>
-              <a:rPr lang="en-US" dirty="0" smtClean="0"/>
-              <a:t> </a:t>
-            </a:r>
-            <a:r>
-              <a:rPr lang="en-US" dirty="0" err="1" smtClean="0"/>
-              <a:t>khi</a:t>
-            </a:r>
-            <a:r>
-              <a:rPr lang="en-US" dirty="0" smtClean="0"/>
-              <a:t> </a:t>
-            </a:r>
-            <a:r>
-              <a:rPr lang="en-US" dirty="0" err="1" smtClean="0"/>
-              <a:t>gọi</a:t>
-            </a:r>
-            <a:r>
-              <a:rPr lang="en-US" dirty="0" smtClean="0"/>
-              <a:t> </a:t>
-            </a:r>
-            <a:r>
-              <a:rPr lang="en-US" dirty="0" err="1" smtClean="0"/>
-              <a:t>tới</a:t>
-            </a:r>
-            <a:endParaRPr lang="en-US" dirty="0" smtClean="0"/>
-          </a:p>
-          <a:p>
-            <a:endParaRPr lang="en-GB" dirty="0"/>
-          </a:p>
-        </p:txBody>
-      </p:sp>
-      <p:pic>
-        <p:nvPicPr>
-          <p:cNvPr id="13" name="Picture 2"/>
-          <p:cNvPicPr>
-            <a:picLocks noChangeAspect="1" noChangeArrowheads="1"/>
-          </p:cNvPicPr>
-          <p:nvPr/>
-        </p:nvPicPr>
-        <p:blipFill>
-          <a:blip r:embed="rId2">
-            <a:extLst>
-              <a:ext uri="{28A0092B-C50C-407E-A947-70E740481C1C}">
-                <a14:useLocalDpi xmlns:a14="http://schemas.microsoft.com/office/drawing/2010/main" val="0"/>
-              </a:ext>
-            </a:extLst>
-          </a:blip>
-          <a:srcRect/>
-          <a:stretch>
-            <a:fillRect/>
-          </a:stretch>
-        </p:blipFill>
-        <p:spPr bwMode="auto">
-          <a:xfrm>
-            <a:off x="1109661" y="3429000"/>
-            <a:ext cx="6924675" cy="1714500"/>
-          </a:xfrm>
-          <a:prstGeom prst="rect">
-            <a:avLst/>
-          </a:prstGeom>
-          <a:ln/>
-        </p:spPr>
-        <p:style>
-          <a:lnRef idx="2">
-            <a:schemeClr val="accent3"/>
-          </a:lnRef>
-          <a:fillRef idx="1">
-            <a:schemeClr val="lt1"/>
-          </a:fillRef>
-          <a:effectRef idx="0">
-            <a:schemeClr val="accent3"/>
-          </a:effectRef>
-          <a:fontRef idx="minor">
-            <a:schemeClr val="dk1"/>
-          </a:fontRef>
-        </p:style>
-      </p:pic>
-      <p:sp>
-        <p:nvSpPr>
-          <p:cNvPr id="14" name="TextBox 13"/>
-          <p:cNvSpPr txBox="1"/>
-          <p:nvPr/>
-        </p:nvSpPr>
-        <p:spPr>
-          <a:xfrm>
-            <a:off x="2514600" y="5715000"/>
-            <a:ext cx="3831113" cy="369332"/>
-          </a:xfrm>
-          <a:prstGeom prst="rect">
-            <a:avLst/>
-          </a:prstGeom>
-          <a:noFill/>
-        </p:spPr>
-        <p:txBody>
-          <a:bodyPr wrap="none" rtlCol="0">
-            <a:spAutoFit/>
-          </a:bodyPr>
-          <a:lstStyle/>
-          <a:p>
-            <a:r>
-              <a:rPr lang="en-US" dirty="0" smtClean="0"/>
-              <a:t>“</a:t>
-            </a:r>
-            <a:r>
-              <a:rPr lang="en-US" dirty="0" err="1" smtClean="0"/>
-              <a:t>args</a:t>
-            </a:r>
-            <a:r>
-              <a:rPr lang="en-US" dirty="0" smtClean="0"/>
-              <a:t>” </a:t>
-            </a:r>
-            <a:r>
-              <a:rPr lang="en-US" dirty="0" err="1" smtClean="0"/>
-              <a:t>là</a:t>
-            </a:r>
-            <a:r>
-              <a:rPr lang="en-US" dirty="0" smtClean="0"/>
-              <a:t> </a:t>
-            </a:r>
-            <a:r>
-              <a:rPr lang="en-US" dirty="0" err="1" smtClean="0"/>
-              <a:t>tham</a:t>
-            </a:r>
-            <a:r>
-              <a:rPr lang="en-US" dirty="0" smtClean="0"/>
-              <a:t> </a:t>
-            </a:r>
-            <a:r>
-              <a:rPr lang="en-US" dirty="0" err="1" smtClean="0"/>
-              <a:t>số</a:t>
-            </a:r>
-            <a:r>
-              <a:rPr lang="en-US" dirty="0" smtClean="0"/>
-              <a:t> </a:t>
-            </a:r>
-            <a:r>
-              <a:rPr lang="en-US" dirty="0" err="1" smtClean="0"/>
-              <a:t>truyền</a:t>
-            </a:r>
-            <a:r>
-              <a:rPr lang="en-US" dirty="0" smtClean="0"/>
-              <a:t> </a:t>
-            </a:r>
-            <a:r>
-              <a:rPr lang="en-US" dirty="0" err="1" smtClean="0"/>
-              <a:t>của</a:t>
-            </a:r>
-            <a:r>
-              <a:rPr lang="en-US" dirty="0" smtClean="0"/>
-              <a:t> </a:t>
-            </a:r>
-            <a:r>
-              <a:rPr lang="en-US" dirty="0" err="1" smtClean="0"/>
-              <a:t>hàm</a:t>
-            </a:r>
-            <a:r>
-              <a:rPr lang="en-US" dirty="0" smtClean="0"/>
-              <a:t> main</a:t>
-            </a:r>
-            <a:endParaRPr lang="en-GB" dirty="0"/>
-          </a:p>
-        </p:txBody>
-      </p:sp>
-    </p:spTree>
-    <p:extLst>
-      <p:ext uri="{BB962C8B-B14F-4D97-AF65-F5344CB8AC3E}">
-        <p14:creationId xmlns:p14="http://schemas.microsoft.com/office/powerpoint/2010/main" val="4160700224"/>
-      </p:ext>
-    </p:extLst>
-  </p:cSld>
-  <p:clrMapOvr>
-    <a:masterClrMapping/>
-  </p:clrMapOvr>
-</p:sld>
-</file>
-
-<file path=ppt/slides/slide13.xml><?xml version="1.0" encoding="utf-8"?>
-<p:sld xmlns:a="http://schemas.openxmlformats.org/drawingml/2006/main" xmlns:r="http://schemas.openxmlformats.org/officeDocument/2006/relationships" xmlns:p="http://schemas.openxmlformats.org/presentationml/2006/main">
-  <p:cSld>
-    <p:spTree>
-      <p:nvGrpSpPr>
-        <p:cNvPr id="1" name=""/>
-        <p:cNvGrpSpPr/>
-        <p:nvPr/>
-      </p:nvGrpSpPr>
-      <p:grpSpPr>
-        <a:xfrm>
-          <a:off x="0" y="0"/>
-          <a:ext cx="0" cy="0"/>
-          <a:chOff x="0" y="0"/>
-          <a:chExt cx="0" cy="0"/>
-        </a:xfrm>
-      </p:grpSpPr>
-      <p:sp>
-        <p:nvSpPr>
-          <p:cNvPr id="2" name="Title 1"/>
-          <p:cNvSpPr>
-            <a:spLocks noGrp="1"/>
-          </p:cNvSpPr>
-          <p:nvPr>
-            <p:ph type="title"/>
-          </p:nvPr>
-        </p:nvSpPr>
-        <p:spPr/>
-        <p:txBody>
-          <a:bodyPr/>
-          <a:lstStyle/>
-          <a:p>
-            <a:r>
-              <a:rPr lang="en-US" dirty="0" err="1" smtClean="0"/>
-              <a:t>Tóm</a:t>
-            </a:r>
-            <a:r>
-              <a:rPr lang="en-US" dirty="0" smtClean="0"/>
-              <a:t> </a:t>
-            </a:r>
-            <a:r>
-              <a:rPr lang="en-US" dirty="0" err="1" smtClean="0"/>
-              <a:t>tắt</a:t>
-            </a:r>
-            <a:r>
-              <a:rPr lang="en-US" dirty="0" smtClean="0"/>
-              <a:t> </a:t>
-            </a:r>
-            <a:endParaRPr lang="en-GB" dirty="0"/>
-          </a:p>
-        </p:txBody>
-      </p:sp>
-      <p:sp>
-        <p:nvSpPr>
-          <p:cNvPr id="3" name="Content Placeholder 2"/>
-          <p:cNvSpPr>
-            <a:spLocks noGrp="1"/>
-          </p:cNvSpPr>
-          <p:nvPr>
-            <p:ph idx="1"/>
-          </p:nvPr>
-        </p:nvSpPr>
-        <p:spPr/>
-        <p:txBody>
-          <a:bodyPr/>
-          <a:lstStyle/>
-          <a:p>
-            <a:r>
-              <a:rPr lang="en-US" dirty="0" err="1" smtClean="0"/>
-              <a:t>Khái</a:t>
-            </a:r>
-            <a:r>
-              <a:rPr lang="en-US" dirty="0" smtClean="0"/>
-              <a:t> </a:t>
-            </a:r>
-            <a:r>
-              <a:rPr lang="en-US" dirty="0" err="1" smtClean="0"/>
-              <a:t>niệm</a:t>
-            </a:r>
-            <a:r>
-              <a:rPr lang="en-US" dirty="0" smtClean="0"/>
-              <a:t> </a:t>
-            </a:r>
-            <a:r>
-              <a:rPr lang="en-US" dirty="0" err="1" smtClean="0"/>
-              <a:t>biến</a:t>
-            </a:r>
-            <a:r>
-              <a:rPr lang="en-US" dirty="0" smtClean="0"/>
-              <a:t> </a:t>
-            </a:r>
-            <a:r>
-              <a:rPr lang="en-US" dirty="0" err="1" smtClean="0"/>
-              <a:t>trong</a:t>
-            </a:r>
-            <a:r>
-              <a:rPr lang="en-US" dirty="0" smtClean="0"/>
-              <a:t> java</a:t>
-            </a:r>
-          </a:p>
-          <a:p>
-            <a:r>
-              <a:rPr lang="en-US" dirty="0" err="1" smtClean="0"/>
-              <a:t>Biết</a:t>
-            </a:r>
-            <a:r>
-              <a:rPr lang="en-US" dirty="0" smtClean="0"/>
-              <a:t> </a:t>
-            </a:r>
-            <a:r>
-              <a:rPr lang="en-US" dirty="0" err="1" smtClean="0"/>
-              <a:t>được</a:t>
-            </a:r>
-            <a:r>
-              <a:rPr lang="en-US" dirty="0" smtClean="0"/>
-              <a:t> 4 </a:t>
-            </a:r>
-            <a:r>
-              <a:rPr lang="en-US" dirty="0" err="1" smtClean="0"/>
-              <a:t>loại</a:t>
-            </a:r>
-            <a:r>
-              <a:rPr lang="en-US" dirty="0" smtClean="0"/>
-              <a:t> </a:t>
-            </a:r>
-            <a:r>
-              <a:rPr lang="en-US" dirty="0" err="1" smtClean="0"/>
-              <a:t>biến</a:t>
-            </a:r>
-            <a:r>
-              <a:rPr lang="en-US" dirty="0" smtClean="0"/>
-              <a:t> </a:t>
-            </a:r>
-            <a:r>
-              <a:rPr lang="en-US" dirty="0" err="1" smtClean="0"/>
-              <a:t>trong</a:t>
-            </a:r>
-            <a:r>
-              <a:rPr lang="en-US" dirty="0" smtClean="0"/>
-              <a:t> java</a:t>
-            </a:r>
-            <a:endParaRPr lang="en-GB" dirty="0"/>
-          </a:p>
-        </p:txBody>
-      </p:sp>
-    </p:spTree>
-    <p:extLst>
-      <p:ext uri="{BB962C8B-B14F-4D97-AF65-F5344CB8AC3E}">
-        <p14:creationId xmlns:p14="http://schemas.microsoft.com/office/powerpoint/2010/main" val="1034343296"/>
-      </p:ext>
-    </p:extLst>
-  </p:cSld>
-  <p:clrMapOvr>
-    <a:masterClrMapping/>
-  </p:clrMapOvr>
-</p:sld>
-</file>
-
-<file path=ppt/slides/slide14.xml><?xml version="1.0" encoding="utf-8"?>
-<p:sld xmlns:a="http://schemas.openxmlformats.org/drawingml/2006/main" xmlns:r="http://schemas.openxmlformats.org/officeDocument/2006/relationships" xmlns:p="http://schemas.openxmlformats.org/presentationml/2006/main">
-  <p:cSld>
-    <p:spTree>
-      <p:nvGrpSpPr>
-        <p:cNvPr id="1" name=""/>
-        <p:cNvGrpSpPr/>
-        <p:nvPr/>
-      </p:nvGrpSpPr>
-      <p:grpSpPr>
-        <a:xfrm>
-          <a:off x="0" y="0"/>
-          <a:ext cx="0" cy="0"/>
-          <a:chOff x="0" y="0"/>
-          <a:chExt cx="0" cy="0"/>
-        </a:xfrm>
-      </p:grpSpPr>
-      <p:sp>
-        <p:nvSpPr>
-          <p:cNvPr id="2" name="Title 1"/>
-          <p:cNvSpPr>
-            <a:spLocks noGrp="1"/>
-          </p:cNvSpPr>
-          <p:nvPr>
-            <p:ph type="title"/>
-          </p:nvPr>
-        </p:nvSpPr>
-        <p:spPr>
-          <a:xfrm>
-            <a:off x="533400" y="3124200"/>
-            <a:ext cx="8229600" cy="1143000"/>
-          </a:xfrm>
-        </p:spPr>
-        <p:txBody>
-          <a:bodyPr/>
-          <a:lstStyle/>
-          <a:p>
-            <a:r>
-              <a:rPr lang="en-US" dirty="0" smtClean="0"/>
-              <a:t>Thank you</a:t>
-            </a:r>
-            <a:endParaRPr lang="en-GB" dirty="0"/>
-          </a:p>
-        </p:txBody>
-      </p:sp>
-    </p:spTree>
-    <p:extLst>
-      <p:ext uri="{BB962C8B-B14F-4D97-AF65-F5344CB8AC3E}">
-        <p14:creationId xmlns:p14="http://schemas.microsoft.com/office/powerpoint/2010/main" val="2628990039"/>
-      </p:ext>
-    </p:extLst>
-  </p:cSld>
-  <p:clrMapOvr>
-    <a:masterClrMapping/>
-  </p:clrMapOvr>
-</p:sld>
-</file>
-
-<file path=ppt/slides/slide2.xml><?xml version="1.0" encoding="utf-8"?>
-<p:sld xmlns:a="http://schemas.openxmlformats.org/drawingml/2006/main" xmlns:r="http://schemas.openxmlformats.org/officeDocument/2006/relationships" xmlns:p="http://schemas.openxmlformats.org/presentationml/2006/main">
-  <p:cSld>
-    <p:spTree>
-      <p:nvGrpSpPr>
-        <p:cNvPr id="1" name=""/>
-        <p:cNvGrpSpPr/>
-        <p:nvPr/>
-      </p:nvGrpSpPr>
-      <p:grpSpPr>
-        <a:xfrm>
-          <a:off x="0" y="0"/>
-          <a:ext cx="0" cy="0"/>
-          <a:chOff x="0" y="0"/>
-          <a:chExt cx="0" cy="0"/>
-        </a:xfrm>
-      </p:grpSpPr>
-      <p:sp>
-        <p:nvSpPr>
-          <p:cNvPr id="2" name="Title 1"/>
-          <p:cNvSpPr>
-            <a:spLocks noGrp="1"/>
-          </p:cNvSpPr>
-          <p:nvPr>
-            <p:ph type="title"/>
-          </p:nvPr>
-        </p:nvSpPr>
-        <p:spPr/>
-        <p:txBody>
-          <a:bodyPr/>
-          <a:lstStyle/>
-          <a:p>
-            <a:r>
-              <a:rPr lang="en-US" dirty="0" err="1" smtClean="0"/>
-              <a:t>Mục</a:t>
-            </a:r>
-            <a:r>
-              <a:rPr lang="en-US" dirty="0" smtClean="0"/>
-              <a:t> </a:t>
-            </a:r>
-            <a:r>
-              <a:rPr lang="en-US" dirty="0" err="1" smtClean="0"/>
-              <a:t>tiêu</a:t>
-            </a:r>
-            <a:r>
-              <a:rPr lang="en-US" dirty="0" smtClean="0"/>
-              <a:t> </a:t>
-            </a:r>
-            <a:endParaRPr lang="en-GB" dirty="0"/>
-          </a:p>
-        </p:txBody>
-      </p:sp>
-      <p:sp>
-        <p:nvSpPr>
-          <p:cNvPr id="3" name="Content Placeholder 2"/>
-          <p:cNvSpPr>
-            <a:spLocks noGrp="1"/>
-          </p:cNvSpPr>
-          <p:nvPr>
-            <p:ph idx="1"/>
-          </p:nvPr>
-        </p:nvSpPr>
-        <p:spPr/>
-        <p:txBody>
-          <a:bodyPr/>
-          <a:lstStyle/>
-          <a:p>
-            <a:r>
-              <a:rPr lang="en-US" dirty="0" err="1" smtClean="0"/>
-              <a:t>Sử</a:t>
-            </a:r>
-            <a:r>
-              <a:rPr lang="en-US" dirty="0" smtClean="0"/>
-              <a:t> </a:t>
-            </a:r>
-            <a:r>
-              <a:rPr lang="en-US" dirty="0" err="1" smtClean="0"/>
-              <a:t>dụng</a:t>
-            </a:r>
-            <a:r>
-              <a:rPr lang="en-US" dirty="0" smtClean="0"/>
-              <a:t> </a:t>
-            </a:r>
-            <a:r>
-              <a:rPr lang="en-US" dirty="0" err="1" smtClean="0"/>
-              <a:t>thành</a:t>
-            </a:r>
-            <a:r>
-              <a:rPr lang="en-US" dirty="0" smtClean="0"/>
-              <a:t> </a:t>
-            </a:r>
-            <a:r>
-              <a:rPr lang="en-US" dirty="0" err="1" smtClean="0"/>
-              <a:t>thạo</a:t>
-            </a:r>
-            <a:r>
-              <a:rPr lang="en-US" dirty="0" smtClean="0"/>
-              <a:t> </a:t>
-            </a:r>
-          </a:p>
-          <a:p>
-            <a:pPr lvl="1"/>
-            <a:r>
-              <a:rPr lang="en-US" dirty="0" err="1" smtClean="0"/>
-              <a:t>Biến</a:t>
-            </a:r>
-            <a:endParaRPr lang="en-US" dirty="0" smtClean="0"/>
-          </a:p>
-          <a:p>
-            <a:pPr lvl="1"/>
-            <a:r>
-              <a:rPr lang="en-US" dirty="0" err="1" smtClean="0"/>
-              <a:t>Các</a:t>
-            </a:r>
-            <a:r>
-              <a:rPr lang="en-US" dirty="0" smtClean="0"/>
-              <a:t> </a:t>
-            </a:r>
-            <a:r>
-              <a:rPr lang="en-US" dirty="0" err="1" smtClean="0"/>
-              <a:t>loại</a:t>
-            </a:r>
-            <a:r>
-              <a:rPr lang="en-US" dirty="0" smtClean="0"/>
-              <a:t> </a:t>
-            </a:r>
-            <a:r>
-              <a:rPr lang="en-US" dirty="0" err="1" smtClean="0"/>
-              <a:t>biến</a:t>
-            </a:r>
-            <a:r>
-              <a:rPr lang="en-US" dirty="0" smtClean="0"/>
-              <a:t> </a:t>
-            </a:r>
-            <a:r>
-              <a:rPr lang="en-US" dirty="0" err="1" smtClean="0"/>
-              <a:t>trong</a:t>
-            </a:r>
-            <a:r>
-              <a:rPr lang="en-US" dirty="0" smtClean="0"/>
-              <a:t> Java</a:t>
-            </a:r>
-            <a:endParaRPr lang="en-US" dirty="0" smtClean="0"/>
-          </a:p>
-          <a:p>
-            <a:r>
-              <a:rPr lang="en-US" dirty="0" err="1" smtClean="0"/>
-              <a:t>Áp</a:t>
-            </a:r>
-            <a:r>
-              <a:rPr lang="en-US" dirty="0" smtClean="0"/>
-              <a:t> </a:t>
-            </a:r>
-            <a:r>
-              <a:rPr lang="en-US" dirty="0" err="1" smtClean="0"/>
-              <a:t>dụng</a:t>
-            </a:r>
-            <a:r>
-              <a:rPr lang="en-US" dirty="0" smtClean="0"/>
-              <a:t> </a:t>
-            </a:r>
-            <a:r>
-              <a:rPr lang="en-US" dirty="0" err="1" smtClean="0"/>
-              <a:t>vào</a:t>
-            </a:r>
-            <a:r>
-              <a:rPr lang="en-US" dirty="0" smtClean="0"/>
-              <a:t> </a:t>
-            </a:r>
-            <a:r>
-              <a:rPr lang="en-US" dirty="0" err="1" smtClean="0"/>
-              <a:t>bài</a:t>
-            </a:r>
-            <a:r>
-              <a:rPr lang="en-US" dirty="0" smtClean="0"/>
-              <a:t> </a:t>
-            </a:r>
-            <a:r>
-              <a:rPr lang="en-US" dirty="0" err="1" smtClean="0"/>
-              <a:t>toán</a:t>
-            </a:r>
-            <a:endParaRPr lang="en-US" dirty="0"/>
-          </a:p>
-          <a:p>
-            <a:pPr lvl="1"/>
-            <a:r>
-              <a:rPr lang="en-US" dirty="0" err="1" smtClean="0"/>
-              <a:t>Phương</a:t>
-            </a:r>
-            <a:r>
-              <a:rPr lang="en-US" dirty="0" smtClean="0"/>
-              <a:t> </a:t>
-            </a:r>
-            <a:r>
-              <a:rPr lang="en-US" dirty="0" err="1" smtClean="0"/>
-              <a:t>trình</a:t>
-            </a:r>
-            <a:r>
-              <a:rPr lang="en-US" dirty="0" smtClean="0"/>
-              <a:t> </a:t>
-            </a:r>
-            <a:r>
-              <a:rPr lang="en-US" dirty="0" err="1" smtClean="0"/>
-              <a:t>bậc</a:t>
-            </a:r>
-            <a:r>
-              <a:rPr lang="en-US" dirty="0" smtClean="0"/>
-              <a:t> 2</a:t>
-            </a:r>
-            <a:endParaRPr lang="en-GB" dirty="0"/>
-          </a:p>
-        </p:txBody>
-      </p:sp>
-    </p:spTree>
-    <p:extLst>
-      <p:ext uri="{BB962C8B-B14F-4D97-AF65-F5344CB8AC3E}">
-        <p14:creationId xmlns:p14="http://schemas.microsoft.com/office/powerpoint/2010/main" val="662708449"/>
-      </p:ext>
-    </p:extLst>
-  </p:cSld>
-  <p:clrMapOvr>
-    <a:masterClrMapping/>
-  </p:clrMapOvr>
-</p:sld>
-</file>
-
-<file path=ppt/slides/slide3.xml><?xml version="1.0" encoding="utf-8"?>
-<p:sld xmlns:a="http://schemas.openxmlformats.org/drawingml/2006/main" xmlns:r="http://schemas.openxmlformats.org/officeDocument/2006/relationships" xmlns:p="http://schemas.openxmlformats.org/presentationml/2006/main">
-  <p:cSld>
-    <p:spTree>
-      <p:nvGrpSpPr>
-        <p:cNvPr id="1" name=""/>
-        <p:cNvGrpSpPr/>
-        <p:nvPr/>
-      </p:nvGrpSpPr>
-      <p:grpSpPr>
-        <a:xfrm>
-          <a:off x="0" y="0"/>
-          <a:ext cx="0" cy="0"/>
-          <a:chOff x="0" y="0"/>
-          <a:chExt cx="0" cy="0"/>
-        </a:xfrm>
-      </p:grpSpPr>
-      <p:sp>
-        <p:nvSpPr>
-          <p:cNvPr id="2" name="Title 1"/>
-          <p:cNvSpPr>
-            <a:spLocks noGrp="1"/>
-          </p:cNvSpPr>
-          <p:nvPr>
-            <p:ph type="title"/>
-          </p:nvPr>
-        </p:nvSpPr>
-        <p:spPr/>
-        <p:txBody>
-          <a:bodyPr/>
-          <a:lstStyle/>
-          <a:p>
-            <a:r>
-              <a:rPr lang="en-GB" dirty="0" smtClean="0"/>
-              <a:t>Variable</a:t>
-            </a:r>
-            <a:r>
-              <a:rPr lang="en-GB" i="1" dirty="0" smtClean="0"/>
-              <a:t> - </a:t>
-            </a:r>
-            <a:r>
-              <a:rPr lang="en-US" dirty="0" err="1" smtClean="0"/>
-              <a:t>Biến</a:t>
-            </a:r>
-            <a:r>
-              <a:rPr lang="en-US" dirty="0" smtClean="0"/>
-              <a:t> </a:t>
-            </a:r>
-            <a:r>
-              <a:rPr lang="en-US" dirty="0" err="1" smtClean="0"/>
-              <a:t>là</a:t>
-            </a:r>
-            <a:r>
-              <a:rPr lang="en-US" dirty="0" smtClean="0"/>
-              <a:t> </a:t>
-            </a:r>
-            <a:r>
-              <a:rPr lang="en-US" dirty="0" err="1" smtClean="0"/>
-              <a:t>gì</a:t>
-            </a:r>
-            <a:r>
-              <a:rPr lang="en-US" dirty="0" smtClean="0"/>
-              <a:t>? (1)</a:t>
-            </a:r>
-            <a:endParaRPr lang="en-GB" dirty="0"/>
-          </a:p>
-        </p:txBody>
-      </p:sp>
-      <p:sp>
-        <p:nvSpPr>
-          <p:cNvPr id="3" name="Content Placeholder 2"/>
-          <p:cNvSpPr>
-            <a:spLocks noGrp="1"/>
-          </p:cNvSpPr>
-          <p:nvPr>
-            <p:ph idx="1"/>
-          </p:nvPr>
-        </p:nvSpPr>
-        <p:spPr>
-          <a:xfrm>
-            <a:off x="457200" y="1600201"/>
-            <a:ext cx="8229600" cy="685800"/>
-          </a:xfrm>
-        </p:spPr>
-        <p:txBody>
-          <a:bodyPr>
-            <a:normAutofit/>
-          </a:bodyPr>
-          <a:lstStyle/>
-          <a:p>
-            <a:r>
-              <a:rPr lang="en-US" dirty="0" err="1" smtClean="0"/>
-              <a:t>Một</a:t>
-            </a:r>
-            <a:r>
-              <a:rPr lang="en-US" dirty="0" smtClean="0"/>
-              <a:t> </a:t>
-            </a:r>
-            <a:r>
-              <a:rPr lang="en-US" dirty="0" err="1" smtClean="0"/>
-              <a:t>đối</a:t>
-            </a:r>
-            <a:r>
-              <a:rPr lang="en-US" dirty="0" smtClean="0"/>
-              <a:t> </a:t>
-            </a:r>
-            <a:r>
-              <a:rPr lang="en-US" dirty="0" err="1" smtClean="0"/>
-              <a:t>tượng</a:t>
-            </a:r>
-            <a:r>
-              <a:rPr lang="en-US" dirty="0" smtClean="0"/>
-              <a:t> </a:t>
-            </a:r>
-            <a:r>
-              <a:rPr lang="en-US" dirty="0" err="1" smtClean="0"/>
-              <a:t>có</a:t>
-            </a:r>
-            <a:r>
-              <a:rPr lang="en-US" dirty="0" smtClean="0"/>
-              <a:t> </a:t>
-            </a:r>
-            <a:r>
-              <a:rPr lang="en-US" dirty="0" err="1" smtClean="0"/>
-              <a:t>hành</a:t>
-            </a:r>
-            <a:r>
-              <a:rPr lang="en-US" dirty="0" smtClean="0"/>
-              <a:t> vi </a:t>
-            </a:r>
-            <a:r>
-              <a:rPr lang="en-US" dirty="0" err="1" smtClean="0"/>
-              <a:t>và</a:t>
-            </a:r>
-            <a:r>
-              <a:rPr lang="en-US" dirty="0" smtClean="0"/>
-              <a:t> </a:t>
-            </a:r>
-            <a:r>
-              <a:rPr lang="en-US" dirty="0" err="1" smtClean="0"/>
-              <a:t>trạng</a:t>
-            </a:r>
-            <a:r>
-              <a:rPr lang="en-US" dirty="0" smtClean="0"/>
-              <a:t> </a:t>
-            </a:r>
-            <a:r>
-              <a:rPr lang="en-US" dirty="0" err="1" smtClean="0"/>
-              <a:t>thái</a:t>
-            </a:r>
-            <a:endParaRPr lang="en-US" dirty="0" smtClean="0"/>
-          </a:p>
-        </p:txBody>
-      </p:sp>
-      <p:pic>
-        <p:nvPicPr>
-          <p:cNvPr id="1026" name="Picture 2"/>
-          <p:cNvPicPr>
-            <a:picLocks noChangeAspect="1" noChangeArrowheads="1"/>
-          </p:cNvPicPr>
-          <p:nvPr/>
-        </p:nvPicPr>
-        <p:blipFill>
-          <a:blip r:embed="rId2">
-            <a:extLst>
-              <a:ext uri="{28A0092B-C50C-407E-A947-70E740481C1C}">
-                <a14:useLocalDpi xmlns:a14="http://schemas.microsoft.com/office/drawing/2010/main" val="0"/>
-              </a:ext>
-            </a:extLst>
-          </a:blip>
-          <a:srcRect/>
-          <a:stretch>
-            <a:fillRect/>
-          </a:stretch>
-        </p:blipFill>
-        <p:spPr bwMode="auto">
-          <a:xfrm>
-            <a:off x="1628633" y="2819400"/>
-            <a:ext cx="5462962" cy="2371725"/>
-          </a:xfrm>
-          <a:prstGeom prst="rect">
-            <a:avLst/>
-          </a:prstGeom>
-          <a:noFill/>
-          <a:ln>
-            <a:noFill/>
-          </a:ln>
-          <a:effectLst/>
-          <a:extLst>
-            <a:ext uri="{909E8E84-426E-40DD-AFC4-6F175D3DCCD1}">
-              <a14:hiddenFill xmlns:a14="http://schemas.microsoft.com/office/drawing/2010/main">
-                <a:solidFill>
-                  <a:schemeClr val="accent1"/>
-                </a:solidFill>
-              </a14:hiddenFill>
-            </a:ext>
-            <a:ext uri="{91240B29-F687-4F45-9708-019B960494DF}">
-              <a14:hiddenLine xmlns:a14="http://schemas.microsoft.com/office/drawing/2010/main" w="9525">
-                <a:solidFill>
-                  <a:schemeClr val="tx1"/>
-                </a:solidFill>
-                <a:miter lim="800000"/>
-                <a:headEnd/>
-                <a:tailEnd/>
-              </a14:hiddenLine>
-            </a:ext>
-            <a:ext uri="{AF507438-7753-43E0-B8FC-AC1667EBCBE1}">
-              <a14:hiddenEffects xmlns:a14="http://schemas.microsoft.com/office/drawing/2010/main">
-                <a:effectLst>
-                  <a:outerShdw dist="35921" dir="2700000" algn="ctr" rotWithShape="0">
-                    <a:schemeClr val="bg2"/>
-                  </a:outerShdw>
-                </a:effectLst>
-              </a14:hiddenEffects>
-            </a:ext>
-          </a:extLst>
-        </p:spPr>
-      </p:pic>
-      <p:sp>
-        <p:nvSpPr>
-          <p:cNvPr id="4" name="TextBox 3"/>
-          <p:cNvSpPr txBox="1"/>
-          <p:nvPr/>
-        </p:nvSpPr>
-        <p:spPr>
-          <a:xfrm>
-            <a:off x="1905000" y="5562600"/>
-            <a:ext cx="5791200" cy="461665"/>
-          </a:xfrm>
-          <a:prstGeom prst="rect">
-            <a:avLst/>
-          </a:prstGeom>
-          <a:noFill/>
-        </p:spPr>
-        <p:txBody>
-          <a:bodyPr wrap="square" rtlCol="0">
-            <a:spAutoFit/>
-          </a:bodyPr>
-          <a:lstStyle/>
-          <a:p>
-            <a:r>
-              <a:rPr lang="en-US" sz="2400" dirty="0" err="1" smtClean="0"/>
-              <a:t>Trạng</a:t>
-            </a:r>
-            <a:r>
-              <a:rPr lang="en-US" sz="2400" dirty="0" smtClean="0"/>
-              <a:t> </a:t>
-            </a:r>
-            <a:r>
-              <a:rPr lang="en-US" sz="2400" dirty="0" err="1" smtClean="0"/>
-              <a:t>thái</a:t>
-            </a:r>
-            <a:r>
-              <a:rPr lang="en-US" sz="2400" dirty="0" smtClean="0"/>
-              <a:t> </a:t>
-            </a:r>
-            <a:r>
-              <a:rPr lang="en-US" sz="2400" dirty="0" err="1" smtClean="0"/>
-              <a:t>luôn</a:t>
-            </a:r>
-            <a:r>
-              <a:rPr lang="en-US" sz="2400" dirty="0" smtClean="0"/>
-              <a:t> </a:t>
-            </a:r>
-            <a:r>
-              <a:rPr lang="en-US" sz="2400" dirty="0" err="1" smtClean="0"/>
-              <a:t>có</a:t>
-            </a:r>
-            <a:r>
-              <a:rPr lang="en-US" sz="2400" dirty="0" smtClean="0"/>
-              <a:t> </a:t>
-            </a:r>
-            <a:r>
-              <a:rPr lang="en-US" sz="2400" dirty="0" err="1" smtClean="0"/>
-              <a:t>thể</a:t>
-            </a:r>
-            <a:r>
-              <a:rPr lang="en-US" sz="2400" dirty="0" smtClean="0"/>
-              <a:t> </a:t>
-            </a:r>
-            <a:r>
-              <a:rPr lang="en-US" sz="2400" dirty="0" err="1" smtClean="0"/>
-              <a:t>thay</a:t>
-            </a:r>
-            <a:r>
-              <a:rPr lang="en-US" sz="2400" dirty="0" smtClean="0"/>
-              <a:t> </a:t>
-            </a:r>
-            <a:r>
-              <a:rPr lang="en-US" sz="2400" dirty="0" err="1" smtClean="0"/>
-              <a:t>đổi</a:t>
-            </a:r>
-            <a:endParaRPr lang="en-GB" sz="2400" dirty="0"/>
-          </a:p>
-        </p:txBody>
-      </p:sp>
-    </p:spTree>
-    <p:extLst>
-      <p:ext uri="{BB962C8B-B14F-4D97-AF65-F5344CB8AC3E}">
-        <p14:creationId xmlns:p14="http://schemas.microsoft.com/office/powerpoint/2010/main" val="1792065264"/>
-      </p:ext>
-    </p:extLst>
-  </p:cSld>
-  <p:clrMapOvr>
-    <a:masterClrMapping/>
-  </p:clrMapOvr>
-</p:sld>
-</file>
-
-<file path=ppt/slides/slide4.xml><?xml version="1.0" encoding="utf-8"?>
-<p:sld xmlns:a="http://schemas.openxmlformats.org/drawingml/2006/main" xmlns:r="http://schemas.openxmlformats.org/officeDocument/2006/relationships" xmlns:p="http://schemas.openxmlformats.org/presentationml/2006/main">
-  <p:cSld>
-    <p:spTree>
-      <p:nvGrpSpPr>
-        <p:cNvPr id="1" name=""/>
-        <p:cNvGrpSpPr/>
-        <p:nvPr/>
-      </p:nvGrpSpPr>
-      <p:grpSpPr>
-        <a:xfrm>
-          <a:off x="0" y="0"/>
-          <a:ext cx="0" cy="0"/>
-          <a:chOff x="0" y="0"/>
-          <a:chExt cx="0" cy="0"/>
-        </a:xfrm>
-      </p:grpSpPr>
-      <p:sp>
-        <p:nvSpPr>
-          <p:cNvPr id="2" name="Title 1"/>
-          <p:cNvSpPr>
-            <a:spLocks noGrp="1"/>
-          </p:cNvSpPr>
-          <p:nvPr>
-            <p:ph type="title"/>
-          </p:nvPr>
-        </p:nvSpPr>
-        <p:spPr/>
-        <p:txBody>
-          <a:bodyPr/>
-          <a:lstStyle/>
-          <a:p>
-            <a:r>
-              <a:rPr lang="en-GB" dirty="0"/>
-              <a:t>Variable</a:t>
-            </a:r>
-            <a:r>
-              <a:rPr lang="en-GB" i="1" dirty="0"/>
-              <a:t> - </a:t>
-            </a:r>
-            <a:r>
-              <a:rPr lang="en-US" dirty="0" err="1"/>
-              <a:t>Biến</a:t>
-            </a:r>
-            <a:r>
-              <a:rPr lang="en-US" dirty="0"/>
-              <a:t> </a:t>
-            </a:r>
-            <a:r>
-              <a:rPr lang="en-US" dirty="0" err="1"/>
-              <a:t>là</a:t>
-            </a:r>
-            <a:r>
-              <a:rPr lang="en-US" dirty="0"/>
-              <a:t> </a:t>
-            </a:r>
-            <a:r>
-              <a:rPr lang="en-US" dirty="0" err="1"/>
-              <a:t>gì</a:t>
-            </a:r>
-            <a:r>
-              <a:rPr lang="en-US" dirty="0"/>
-              <a:t>? </a:t>
-            </a:r>
-            <a:r>
-              <a:rPr lang="en-US" dirty="0" smtClean="0"/>
-              <a:t>(2)</a:t>
-            </a:r>
-            <a:endParaRPr lang="en-GB" dirty="0"/>
-          </a:p>
-        </p:txBody>
-      </p:sp>
-      <p:sp>
-        <p:nvSpPr>
-          <p:cNvPr id="3" name="Content Placeholder 2"/>
-          <p:cNvSpPr>
-            <a:spLocks noGrp="1"/>
-          </p:cNvSpPr>
-          <p:nvPr>
-            <p:ph idx="1"/>
-          </p:nvPr>
-        </p:nvSpPr>
-        <p:spPr>
-          <a:xfrm>
-            <a:off x="457200" y="3124201"/>
-            <a:ext cx="8229600" cy="1295400"/>
-          </a:xfrm>
-        </p:spPr>
-        <p:txBody>
-          <a:bodyPr/>
-          <a:lstStyle/>
-          <a:p>
-            <a:pPr marL="0" indent="0">
-              <a:buNone/>
-            </a:pPr>
-            <a:r>
-              <a:rPr lang="en-US" dirty="0" err="1" smtClean="0"/>
-              <a:t>Biến</a:t>
-            </a:r>
-            <a:r>
-              <a:rPr lang="en-US" dirty="0" smtClean="0"/>
-              <a:t> </a:t>
-            </a:r>
-            <a:r>
-              <a:rPr lang="en-US" dirty="0" err="1" smtClean="0"/>
-              <a:t>là</a:t>
-            </a:r>
-            <a:r>
-              <a:rPr lang="en-US" dirty="0" smtClean="0"/>
-              <a:t> </a:t>
-            </a:r>
-            <a:r>
-              <a:rPr lang="en-US" dirty="0" err="1" smtClean="0"/>
-              <a:t>những</a:t>
-            </a:r>
-            <a:r>
-              <a:rPr lang="en-US" dirty="0" smtClean="0"/>
-              <a:t> </a:t>
-            </a:r>
-            <a:r>
-              <a:rPr lang="en-US" dirty="0" err="1" smtClean="0"/>
-              <a:t>giá</a:t>
-            </a:r>
-            <a:r>
-              <a:rPr lang="en-US" dirty="0" smtClean="0"/>
-              <a:t> </a:t>
-            </a:r>
-            <a:r>
-              <a:rPr lang="en-US" dirty="0" err="1" smtClean="0"/>
-              <a:t>trị</a:t>
-            </a:r>
-            <a:r>
-              <a:rPr lang="en-US" dirty="0" smtClean="0"/>
-              <a:t> </a:t>
-            </a:r>
-            <a:r>
-              <a:rPr lang="en-US" dirty="0" err="1" smtClean="0"/>
-              <a:t>luôn</a:t>
-            </a:r>
-            <a:r>
-              <a:rPr lang="en-US" dirty="0" smtClean="0"/>
-              <a:t> </a:t>
-            </a:r>
-            <a:r>
-              <a:rPr lang="en-US" dirty="0" err="1" smtClean="0"/>
-              <a:t>thay</a:t>
-            </a:r>
-            <a:r>
-              <a:rPr lang="en-US" dirty="0" smtClean="0"/>
-              <a:t> </a:t>
-            </a:r>
-            <a:r>
-              <a:rPr lang="en-US" dirty="0" err="1" smtClean="0"/>
-              <a:t>đổi</a:t>
-            </a:r>
-            <a:r>
-              <a:rPr lang="en-US" dirty="0" smtClean="0"/>
-              <a:t> </a:t>
-            </a:r>
-            <a:r>
-              <a:rPr lang="en-US" dirty="0" err="1" smtClean="0"/>
-              <a:t>thể</a:t>
-            </a:r>
-            <a:r>
-              <a:rPr lang="en-US" dirty="0" smtClean="0"/>
-              <a:t> </a:t>
-            </a:r>
-            <a:r>
-              <a:rPr lang="en-US" dirty="0" err="1" smtClean="0"/>
-              <a:t>hiện</a:t>
-            </a:r>
-            <a:r>
-              <a:rPr lang="en-US" dirty="0" smtClean="0"/>
-              <a:t> </a:t>
-            </a:r>
-            <a:r>
-              <a:rPr lang="en-US" dirty="0" err="1" smtClean="0"/>
-              <a:t>trạng</a:t>
-            </a:r>
-            <a:r>
-              <a:rPr lang="en-US" dirty="0" smtClean="0"/>
-              <a:t> </a:t>
-            </a:r>
-            <a:r>
-              <a:rPr lang="en-US" dirty="0" err="1" smtClean="0"/>
-              <a:t>thái</a:t>
-            </a:r>
-            <a:r>
-              <a:rPr lang="en-US" dirty="0" smtClean="0"/>
-              <a:t> </a:t>
-            </a:r>
-            <a:r>
-              <a:rPr lang="en-US" dirty="0" err="1" smtClean="0"/>
-              <a:t>của</a:t>
-            </a:r>
-            <a:r>
-              <a:rPr lang="en-US" dirty="0" smtClean="0"/>
-              <a:t> </a:t>
-            </a:r>
-            <a:r>
-              <a:rPr lang="en-US" dirty="0" err="1" smtClean="0"/>
-              <a:t>một</a:t>
-            </a:r>
-            <a:r>
-              <a:rPr lang="en-US" dirty="0" smtClean="0"/>
-              <a:t> </a:t>
-            </a:r>
-            <a:r>
-              <a:rPr lang="en-US" dirty="0" err="1" smtClean="0"/>
-              <a:t>đối</a:t>
-            </a:r>
-            <a:r>
-              <a:rPr lang="en-US" dirty="0" smtClean="0"/>
-              <a:t> </a:t>
-            </a:r>
-            <a:r>
-              <a:rPr lang="en-US" dirty="0" err="1" smtClean="0"/>
-              <a:t>tượng</a:t>
-            </a:r>
-            <a:endParaRPr lang="en-US" dirty="0" smtClean="0"/>
-          </a:p>
-        </p:txBody>
-      </p:sp>
-    </p:spTree>
-    <p:extLst>
-      <p:ext uri="{BB962C8B-B14F-4D97-AF65-F5344CB8AC3E}">
-        <p14:creationId xmlns:p14="http://schemas.microsoft.com/office/powerpoint/2010/main" val="873123817"/>
-      </p:ext>
-    </p:extLst>
-  </p:cSld>
-  <p:clrMapOvr>
-    <a:masterClrMapping/>
-  </p:clrMapOvr>
-</p:sld>
-</file>
-
-<file path=ppt/slides/slide5.xml><?xml version="1.0" encoding="utf-8"?>
-<p:sld xmlns:a="http://schemas.openxmlformats.org/drawingml/2006/main" xmlns:r="http://schemas.openxmlformats.org/officeDocument/2006/relationships" xmlns:p="http://schemas.openxmlformats.org/presentationml/2006/main">
-  <p:cSld>
-    <p:spTree>
-      <p:nvGrpSpPr>
-        <p:cNvPr id="1" name=""/>
-        <p:cNvGrpSpPr/>
-        <p:nvPr/>
-      </p:nvGrpSpPr>
-      <p:grpSpPr>
-        <a:xfrm>
-          <a:off x="0" y="0"/>
-          <a:ext cx="0" cy="0"/>
-          <a:chOff x="0" y="0"/>
-          <a:chExt cx="0" cy="0"/>
-        </a:xfrm>
-      </p:grpSpPr>
-      <p:sp>
-        <p:nvSpPr>
-          <p:cNvPr id="5" name="Title 4"/>
-          <p:cNvSpPr>
-            <a:spLocks noGrp="1"/>
-          </p:cNvSpPr>
-          <p:nvPr>
-            <p:ph type="title"/>
-          </p:nvPr>
-        </p:nvSpPr>
-        <p:spPr/>
-        <p:txBody>
-          <a:bodyPr/>
-          <a:lstStyle/>
-          <a:p>
-            <a:r>
-              <a:rPr lang="vi-VN" dirty="0" smtClean="0">
-                <a:latin typeface="Calibri (Headings)"/>
-                <a:cs typeface="Calibri" pitchFamily="34" charset="0"/>
-              </a:rPr>
-              <a:t>Các loại biến trong Java</a:t>
-            </a:r>
-            <a:endParaRPr lang="en-GB" dirty="0">
-              <a:latin typeface="Calibri (Headings)"/>
-              <a:cs typeface="Calibri" pitchFamily="34" charset="0"/>
-            </a:endParaRPr>
-          </a:p>
-        </p:txBody>
-      </p:sp>
-      <p:sp>
-        <p:nvSpPr>
-          <p:cNvPr id="3" name="Content Placeholder 2"/>
-          <p:cNvSpPr>
-            <a:spLocks noGrp="1"/>
-          </p:cNvSpPr>
-          <p:nvPr>
-            <p:ph idx="1"/>
-          </p:nvPr>
-        </p:nvSpPr>
-        <p:spPr/>
-        <p:txBody>
-          <a:bodyPr/>
-          <a:lstStyle/>
-          <a:p>
-            <a:r>
-              <a:rPr lang="en-US" dirty="0"/>
-              <a:t>Instance Variables (Non-Static Fields</a:t>
-            </a:r>
-            <a:r>
-              <a:rPr lang="en-US" dirty="0" smtClean="0"/>
-              <a:t>)</a:t>
-            </a:r>
-          </a:p>
-          <a:p>
-            <a:r>
-              <a:rPr lang="en-US" dirty="0" smtClean="0"/>
-              <a:t>Class </a:t>
-            </a:r>
-            <a:r>
-              <a:rPr lang="en-US" dirty="0"/>
-              <a:t>Variables (Static Fields</a:t>
-            </a:r>
-            <a:r>
-              <a:rPr lang="en-US" dirty="0" smtClean="0"/>
-              <a:t>)</a:t>
-            </a:r>
-            <a:endParaRPr lang="en-US" dirty="0"/>
-          </a:p>
-          <a:p>
-            <a:r>
-              <a:rPr lang="en-US" dirty="0"/>
-              <a:t>Local </a:t>
-            </a:r>
-            <a:r>
-              <a:rPr lang="en-US" dirty="0" smtClean="0"/>
-              <a:t>Variables</a:t>
-            </a:r>
-            <a:endParaRPr lang="en-US" dirty="0"/>
-          </a:p>
-          <a:p>
-            <a:r>
-              <a:rPr lang="en-US" dirty="0" smtClean="0"/>
-              <a:t>Parameters</a:t>
-            </a:r>
-            <a:endParaRPr lang="en-GB" dirty="0"/>
-          </a:p>
-        </p:txBody>
-      </p:sp>
-    </p:spTree>
-    <p:extLst>
-      <p:ext uri="{BB962C8B-B14F-4D97-AF65-F5344CB8AC3E}">
-        <p14:creationId xmlns:p14="http://schemas.microsoft.com/office/powerpoint/2010/main" val="95617909"/>
-      </p:ext>
-    </p:extLst>
-  </p:cSld>
-  <p:clrMapOvr>
-    <a:masterClrMapping/>
-  </p:clrMapOvr>
-</p:sld>
-</file>
-
-<file path=ppt/slides/slide6.xml><?xml version="1.0" encoding="utf-8"?>
-<p:sld xmlns:a="http://schemas.openxmlformats.org/drawingml/2006/main" xmlns:r="http://schemas.openxmlformats.org/officeDocument/2006/relationships" xmlns:p="http://schemas.openxmlformats.org/presentationml/2006/main">
-  <p:cSld>
-    <p:spTree>
-      <p:nvGrpSpPr>
-        <p:cNvPr id="1" name=""/>
-        <p:cNvGrpSpPr/>
-        <p:nvPr/>
-      </p:nvGrpSpPr>
-      <p:grpSpPr>
-        <a:xfrm>
-          <a:off x="0" y="0"/>
-          <a:ext cx="0" cy="0"/>
-          <a:chOff x="0" y="0"/>
-          <a:chExt cx="0" cy="0"/>
-        </a:xfrm>
-      </p:grpSpPr>
-      <p:sp>
-        <p:nvSpPr>
-          <p:cNvPr id="2" name="Title 1"/>
-          <p:cNvSpPr>
-            <a:spLocks noGrp="1"/>
-          </p:cNvSpPr>
-          <p:nvPr>
-            <p:ph type="title"/>
-          </p:nvPr>
-        </p:nvSpPr>
-        <p:spPr/>
-        <p:txBody>
-          <a:bodyPr/>
-          <a:lstStyle/>
-          <a:p>
-            <a:r>
-              <a:rPr lang="en-US" dirty="0" err="1" smtClean="0"/>
-              <a:t>Từ</a:t>
-            </a:r>
-            <a:r>
-              <a:rPr lang="en-US" dirty="0" smtClean="0"/>
-              <a:t> </a:t>
-            </a:r>
-            <a:r>
-              <a:rPr lang="en-US" dirty="0" err="1" smtClean="0"/>
-              <a:t>khóa</a:t>
-            </a:r>
-            <a:r>
-              <a:rPr lang="en-US" dirty="0" smtClean="0"/>
-              <a:t> </a:t>
-            </a:r>
-            <a:r>
-              <a:rPr lang="en-US" dirty="0" err="1" smtClean="0"/>
-              <a:t>chú</a:t>
-            </a:r>
-            <a:r>
-              <a:rPr lang="en-US" dirty="0" smtClean="0"/>
-              <a:t> ý</a:t>
-            </a:r>
-            <a:endParaRPr lang="en-GB" dirty="0"/>
-          </a:p>
-        </p:txBody>
-      </p:sp>
-      <p:sp>
-        <p:nvSpPr>
-          <p:cNvPr id="3" name="Content Placeholder 2"/>
-          <p:cNvSpPr>
-            <a:spLocks noGrp="1"/>
-          </p:cNvSpPr>
-          <p:nvPr>
-            <p:ph idx="1"/>
-          </p:nvPr>
-        </p:nvSpPr>
-        <p:spPr/>
-        <p:txBody>
-          <a:bodyPr/>
-          <a:lstStyle/>
-          <a:p>
-            <a:r>
-              <a:rPr lang="en-GB" b="1" dirty="0" smtClean="0"/>
-              <a:t>Instance – </a:t>
-            </a:r>
-            <a:r>
-              <a:rPr lang="en-GB" dirty="0" err="1" smtClean="0"/>
-              <a:t>Thể</a:t>
-            </a:r>
-            <a:r>
-              <a:rPr lang="en-GB" dirty="0" smtClean="0"/>
-              <a:t> </a:t>
-            </a:r>
-            <a:r>
-              <a:rPr lang="en-GB" dirty="0" err="1" smtClean="0"/>
-              <a:t>hiện</a:t>
-            </a:r>
-            <a:endParaRPr lang="en-GB" dirty="0" smtClean="0"/>
-          </a:p>
-          <a:p>
-            <a:pPr marL="400050" lvl="1" indent="0">
-              <a:buNone/>
-            </a:pPr>
-            <a:r>
-              <a:rPr lang="en-US" dirty="0" smtClean="0"/>
-              <a:t>Car </a:t>
-            </a:r>
-            <a:r>
-              <a:rPr lang="en-US" dirty="0" err="1" smtClean="0"/>
-              <a:t>car</a:t>
-            </a:r>
-            <a:r>
-              <a:rPr lang="en-US" dirty="0" smtClean="0"/>
-              <a:t> = new Car();</a:t>
-            </a:r>
-          </a:p>
-          <a:p>
-            <a:r>
-              <a:rPr lang="en-US" dirty="0" err="1" smtClean="0"/>
-              <a:t>Khi</a:t>
-            </a:r>
-            <a:r>
-              <a:rPr lang="en-US" dirty="0" smtClean="0"/>
-              <a:t> </a:t>
-            </a:r>
-            <a:r>
-              <a:rPr lang="en-US" dirty="0" err="1" smtClean="0"/>
-              <a:t>khởi</a:t>
-            </a:r>
-            <a:r>
-              <a:rPr lang="en-US" dirty="0" smtClean="0"/>
-              <a:t> </a:t>
-            </a:r>
-            <a:r>
-              <a:rPr lang="en-US" dirty="0" err="1" smtClean="0"/>
-              <a:t>tạo</a:t>
-            </a:r>
-            <a:r>
-              <a:rPr lang="en-US" dirty="0" smtClean="0"/>
-              <a:t> car </a:t>
-            </a:r>
-            <a:r>
-              <a:rPr lang="en-US" dirty="0" err="1" smtClean="0"/>
-              <a:t>là</a:t>
-            </a:r>
-            <a:r>
-              <a:rPr lang="en-US" dirty="0" smtClean="0"/>
-              <a:t> </a:t>
-            </a:r>
-            <a:r>
-              <a:rPr lang="en-US" dirty="0" err="1" smtClean="0"/>
-              <a:t>một</a:t>
-            </a:r>
-            <a:r>
-              <a:rPr lang="en-US" dirty="0" smtClean="0"/>
-              <a:t> </a:t>
-            </a:r>
-            <a:r>
-              <a:rPr lang="en-US" dirty="0" err="1" smtClean="0"/>
-              <a:t>thể</a:t>
-            </a:r>
-            <a:r>
-              <a:rPr lang="en-US" dirty="0" smtClean="0"/>
-              <a:t> </a:t>
-            </a:r>
-            <a:r>
-              <a:rPr lang="en-US" dirty="0" err="1" smtClean="0"/>
-              <a:t>hiện</a:t>
-            </a:r>
-            <a:r>
-              <a:rPr lang="en-US" dirty="0" smtClean="0"/>
-              <a:t> </a:t>
-            </a:r>
-            <a:r>
-              <a:rPr lang="en-US" dirty="0" err="1" smtClean="0"/>
-              <a:t>của</a:t>
-            </a:r>
-            <a:r>
-              <a:rPr lang="en-US" dirty="0" smtClean="0"/>
-              <a:t> Class Car</a:t>
-            </a:r>
-            <a:endParaRPr lang="en-GB" dirty="0" smtClean="0"/>
-          </a:p>
-          <a:p>
-            <a:pPr marL="0" indent="0">
-              <a:buNone/>
-            </a:pPr>
-            <a:r>
-              <a:rPr lang="en-US" dirty="0"/>
-              <a:t>	</a:t>
-            </a:r>
-            <a:endParaRPr lang="en-GB" dirty="0"/>
-          </a:p>
-        </p:txBody>
-      </p:sp>
-    </p:spTree>
-    <p:extLst>
-      <p:ext uri="{BB962C8B-B14F-4D97-AF65-F5344CB8AC3E}">
-        <p14:creationId xmlns:p14="http://schemas.microsoft.com/office/powerpoint/2010/main" val="3308696388"/>
-      </p:ext>
-    </p:extLst>
-  </p:cSld>
-  <p:clrMapOvr>
-    <a:masterClrMapping/>
-  </p:clrMapOvr>
-</p:sld>
-</file>
-
-<file path=ppt/slides/slide7.xml><?xml version="1.0" encoding="utf-8"?>
-<p:sld xmlns:a="http://schemas.openxmlformats.org/drawingml/2006/main" xmlns:r="http://schemas.openxmlformats.org/officeDocument/2006/relationships" xmlns:p="http://schemas.openxmlformats.org/presentationml/2006/main">
-  <p:cSld>
-    <p:spTree>
-      <p:nvGrpSpPr>
-        <p:cNvPr id="1" name=""/>
-        <p:cNvGrpSpPr/>
-        <p:nvPr/>
-      </p:nvGrpSpPr>
-      <p:grpSpPr>
-        <a:xfrm>
-          <a:off x="0" y="0"/>
-          <a:ext cx="0" cy="0"/>
-          <a:chOff x="0" y="0"/>
-          <a:chExt cx="0" cy="0"/>
-        </a:xfrm>
-      </p:grpSpPr>
-      <p:sp>
-        <p:nvSpPr>
-          <p:cNvPr id="2" name="Title 1"/>
-          <p:cNvSpPr>
-            <a:spLocks noGrp="1"/>
-          </p:cNvSpPr>
-          <p:nvPr>
-            <p:ph type="title"/>
-          </p:nvPr>
-        </p:nvSpPr>
-        <p:spPr/>
-        <p:txBody>
-          <a:bodyPr/>
-          <a:lstStyle/>
-          <a:p>
-            <a:r>
-              <a:rPr lang="en-US" dirty="0" err="1" smtClean="0"/>
-              <a:t>Biến</a:t>
-            </a:r>
-            <a:r>
-              <a:rPr lang="en-US" dirty="0" smtClean="0"/>
-              <a:t> Instance</a:t>
-            </a:r>
-            <a:endParaRPr lang="en-GB" dirty="0"/>
-          </a:p>
-        </p:txBody>
-      </p:sp>
-      <p:sp>
-        <p:nvSpPr>
-          <p:cNvPr id="3" name="Content Placeholder 2"/>
-          <p:cNvSpPr>
-            <a:spLocks noGrp="1"/>
-          </p:cNvSpPr>
-          <p:nvPr>
-            <p:ph idx="1"/>
-          </p:nvPr>
-        </p:nvSpPr>
-        <p:spPr/>
-        <p:txBody>
-          <a:bodyPr/>
-          <a:lstStyle/>
-          <a:p>
-            <a:r>
-              <a:rPr lang="en-US" dirty="0" err="1" smtClean="0"/>
-              <a:t>Biến</a:t>
-            </a:r>
-            <a:r>
-              <a:rPr lang="en-US" dirty="0" smtClean="0"/>
-              <a:t> </a:t>
-            </a:r>
-            <a:r>
-              <a:rPr lang="en-US" dirty="0" err="1" smtClean="0"/>
-              <a:t>khai</a:t>
-            </a:r>
-            <a:r>
-              <a:rPr lang="en-US" dirty="0" smtClean="0"/>
-              <a:t> </a:t>
-            </a:r>
-            <a:r>
-              <a:rPr lang="en-US" dirty="0" err="1" smtClean="0"/>
-              <a:t>báo</a:t>
-            </a:r>
-            <a:r>
-              <a:rPr lang="en-US" dirty="0" smtClean="0"/>
-              <a:t> </a:t>
-            </a:r>
-            <a:r>
-              <a:rPr lang="en-US" dirty="0" err="1" smtClean="0"/>
-              <a:t>bên</a:t>
-            </a:r>
-            <a:r>
-              <a:rPr lang="en-US" dirty="0" smtClean="0"/>
-              <a:t> </a:t>
-            </a:r>
-            <a:r>
-              <a:rPr lang="en-US" dirty="0" err="1" smtClean="0"/>
-              <a:t>ngoài</a:t>
-            </a:r>
-            <a:r>
-              <a:rPr lang="en-US" dirty="0" smtClean="0"/>
-              <a:t> Constructor, method, </a:t>
-            </a:r>
-            <a:r>
-              <a:rPr lang="en-US" dirty="0" err="1" smtClean="0"/>
-              <a:t>khối</a:t>
-            </a:r>
-            <a:endParaRPr lang="en-US" dirty="0" smtClean="0"/>
-          </a:p>
-          <a:p>
-            <a:r>
-              <a:rPr lang="en-US" dirty="0" err="1" smtClean="0"/>
-              <a:t>Gía</a:t>
-            </a:r>
-            <a:r>
-              <a:rPr lang="en-US" dirty="0" smtClean="0"/>
-              <a:t> </a:t>
-            </a:r>
-            <a:r>
-              <a:rPr lang="en-US" dirty="0" err="1" smtClean="0"/>
-              <a:t>trị</a:t>
-            </a:r>
-            <a:r>
-              <a:rPr lang="en-US" dirty="0" smtClean="0"/>
-              <a:t> </a:t>
-            </a:r>
-            <a:r>
-              <a:rPr lang="en-US" dirty="0" err="1" smtClean="0"/>
-              <a:t>biến</a:t>
-            </a:r>
-            <a:r>
-              <a:rPr lang="en-US" dirty="0" smtClean="0"/>
-              <a:t> </a:t>
-            </a:r>
-            <a:r>
-              <a:rPr lang="en-US" dirty="0" err="1" smtClean="0"/>
-              <a:t>được</a:t>
-            </a:r>
-            <a:r>
-              <a:rPr lang="en-US" dirty="0" smtClean="0"/>
-              <a:t> </a:t>
-            </a:r>
-            <a:r>
-              <a:rPr lang="en-US" dirty="0" err="1" smtClean="0"/>
-              <a:t>tạo</a:t>
-            </a:r>
-            <a:r>
-              <a:rPr lang="en-US" dirty="0" smtClean="0"/>
-              <a:t> </a:t>
-            </a:r>
-            <a:r>
-              <a:rPr lang="en-US" dirty="0" err="1" smtClean="0"/>
-              <a:t>khi</a:t>
-            </a:r>
-            <a:r>
-              <a:rPr lang="en-US" dirty="0" smtClean="0"/>
-              <a:t> </a:t>
-            </a:r>
-            <a:r>
-              <a:rPr lang="en-US" dirty="0" err="1" smtClean="0"/>
-              <a:t>khởi</a:t>
-            </a:r>
-            <a:r>
-              <a:rPr lang="en-US" dirty="0" smtClean="0"/>
-              <a:t> </a:t>
-            </a:r>
-            <a:r>
-              <a:rPr lang="en-US" dirty="0" err="1" smtClean="0"/>
-              <a:t>tạo</a:t>
-            </a:r>
-            <a:r>
-              <a:rPr lang="en-US" dirty="0" smtClean="0"/>
-              <a:t> new Constructor</a:t>
-            </a:r>
-          </a:p>
-          <a:p>
-            <a:r>
-              <a:rPr lang="en-US" dirty="0" err="1" smtClean="0"/>
-              <a:t>Bị</a:t>
-            </a:r>
-            <a:r>
-              <a:rPr lang="en-US" dirty="0" smtClean="0"/>
-              <a:t> </a:t>
-            </a:r>
-            <a:r>
-              <a:rPr lang="en-US" dirty="0" err="1" smtClean="0"/>
-              <a:t>hủy</a:t>
-            </a:r>
-            <a:r>
-              <a:rPr lang="en-US" dirty="0" smtClean="0"/>
-              <a:t> </a:t>
-            </a:r>
-            <a:r>
-              <a:rPr lang="en-US" dirty="0" err="1" smtClean="0"/>
-              <a:t>khi</a:t>
-            </a:r>
-            <a:r>
-              <a:rPr lang="en-US" dirty="0" smtClean="0"/>
-              <a:t> </a:t>
-            </a:r>
-            <a:r>
-              <a:rPr lang="en-US" dirty="0" err="1" smtClean="0"/>
-              <a:t>đối</a:t>
-            </a:r>
-            <a:r>
-              <a:rPr lang="en-US" dirty="0" smtClean="0"/>
-              <a:t> </a:t>
-            </a:r>
-            <a:r>
-              <a:rPr lang="en-US" dirty="0" err="1" smtClean="0"/>
-              <a:t>tượng</a:t>
-            </a:r>
-            <a:r>
-              <a:rPr lang="en-US" dirty="0" smtClean="0"/>
-              <a:t> </a:t>
-            </a:r>
-            <a:r>
-              <a:rPr lang="en-US" dirty="0" err="1" smtClean="0"/>
-              <a:t>bị</a:t>
-            </a:r>
-            <a:r>
-              <a:rPr lang="en-US" dirty="0" smtClean="0"/>
-              <a:t> </a:t>
-            </a:r>
-            <a:r>
-              <a:rPr lang="en-US" dirty="0" err="1" smtClean="0"/>
-              <a:t>hủy</a:t>
-            </a:r>
-            <a:endParaRPr lang="en-US" dirty="0" smtClean="0"/>
-          </a:p>
-          <a:p>
-            <a:r>
-              <a:rPr lang="en-US" dirty="0" err="1" smtClean="0"/>
-              <a:t>Không</a:t>
-            </a:r>
-            <a:r>
-              <a:rPr lang="en-US" dirty="0" smtClean="0"/>
-              <a:t> </a:t>
-            </a:r>
-            <a:r>
-              <a:rPr lang="en-US" dirty="0" err="1" smtClean="0"/>
-              <a:t>khai</a:t>
-            </a:r>
-            <a:r>
-              <a:rPr lang="en-US" dirty="0" smtClean="0"/>
-              <a:t> </a:t>
-            </a:r>
-            <a:r>
-              <a:rPr lang="en-US" dirty="0" err="1" smtClean="0"/>
-              <a:t>báo</a:t>
-            </a:r>
-            <a:r>
-              <a:rPr lang="en-US" dirty="0" smtClean="0"/>
-              <a:t> </a:t>
-            </a:r>
-            <a:r>
-              <a:rPr lang="en-US" dirty="0" err="1" smtClean="0"/>
-              <a:t>giá</a:t>
-            </a:r>
-            <a:r>
-              <a:rPr lang="en-US" dirty="0" smtClean="0"/>
-              <a:t> </a:t>
-            </a:r>
-            <a:r>
-              <a:rPr lang="en-US" dirty="0" err="1" smtClean="0"/>
-              <a:t>trị</a:t>
-            </a:r>
-            <a:r>
-              <a:rPr lang="en-US" dirty="0" smtClean="0"/>
-              <a:t> </a:t>
-            </a:r>
-            <a:r>
-              <a:rPr lang="en-US" dirty="0" err="1" smtClean="0"/>
-              <a:t>biến</a:t>
-            </a:r>
-            <a:r>
-              <a:rPr lang="en-US" dirty="0" smtClean="0"/>
-              <a:t> </a:t>
-            </a:r>
-            <a:r>
-              <a:rPr lang="en-US" dirty="0" err="1" smtClean="0"/>
-              <a:t>được</a:t>
-            </a:r>
-            <a:r>
-              <a:rPr lang="en-US" dirty="0" smtClean="0"/>
-              <a:t> </a:t>
-            </a:r>
-            <a:r>
-              <a:rPr lang="en-US" dirty="0" err="1" smtClean="0"/>
-              <a:t>gán</a:t>
-            </a:r>
-            <a:r>
-              <a:rPr lang="en-US" dirty="0" smtClean="0"/>
-              <a:t> </a:t>
-            </a:r>
-            <a:r>
-              <a:rPr lang="en-US" dirty="0" err="1" smtClean="0"/>
-              <a:t>trị</a:t>
-            </a:r>
-            <a:r>
-              <a:rPr lang="en-US" dirty="0" smtClean="0"/>
-              <a:t> </a:t>
-            </a:r>
-            <a:r>
-              <a:rPr lang="en-US" dirty="0" err="1" smtClean="0"/>
-              <a:t>mặc</a:t>
-            </a:r>
-            <a:r>
-              <a:rPr lang="en-US" dirty="0" smtClean="0"/>
-              <a:t> </a:t>
-            </a:r>
-            <a:r>
-              <a:rPr lang="en-US" dirty="0" err="1" smtClean="0"/>
-              <a:t>định</a:t>
-            </a:r>
-            <a:endParaRPr lang="en-US" dirty="0" smtClean="0"/>
-          </a:p>
-          <a:p>
-            <a:r>
-              <a:rPr lang="en-US" dirty="0" err="1" smtClean="0"/>
-              <a:t>Biến</a:t>
-            </a:r>
-            <a:r>
-              <a:rPr lang="en-US" dirty="0" smtClean="0"/>
-              <a:t> </a:t>
-            </a:r>
-            <a:r>
-              <a:rPr lang="en-US" dirty="0" err="1" smtClean="0"/>
-              <a:t>được</a:t>
-            </a:r>
-            <a:r>
-              <a:rPr lang="en-US" dirty="0" smtClean="0"/>
-              <a:t> </a:t>
-            </a:r>
-            <a:r>
-              <a:rPr lang="en-US" dirty="0" err="1" smtClean="0"/>
-              <a:t>gọi</a:t>
-            </a:r>
-            <a:r>
-              <a:rPr lang="en-US" dirty="0" smtClean="0"/>
-              <a:t> </a:t>
-            </a:r>
-            <a:r>
-              <a:rPr lang="en-US" dirty="0" err="1" smtClean="0"/>
-              <a:t>trực</a:t>
-            </a:r>
-            <a:r>
-              <a:rPr lang="en-US" dirty="0" smtClean="0"/>
-              <a:t> </a:t>
-            </a:r>
-            <a:r>
-              <a:rPr lang="en-US" dirty="0" err="1" smtClean="0"/>
-              <a:t>tiếp</a:t>
-            </a:r>
-            <a:r>
-              <a:rPr lang="en-US" dirty="0" smtClean="0"/>
-              <a:t> </a:t>
-            </a:r>
-            <a:r>
-              <a:rPr lang="en-US" dirty="0" err="1" smtClean="0"/>
-              <a:t>bởi</a:t>
-            </a:r>
-            <a:r>
-              <a:rPr lang="en-US" dirty="0" smtClean="0"/>
-              <a:t> </a:t>
-            </a:r>
-            <a:r>
-              <a:rPr lang="en-US" dirty="0" err="1" smtClean="0"/>
-              <a:t>thực</a:t>
-            </a:r>
-            <a:r>
-              <a:rPr lang="en-US" dirty="0" smtClean="0"/>
-              <a:t> </a:t>
-            </a:r>
-            <a:r>
-              <a:rPr lang="en-US" dirty="0" err="1" smtClean="0"/>
-              <a:t>thể</a:t>
-            </a:r>
-            <a:endParaRPr lang="en-GB" dirty="0"/>
-          </a:p>
-        </p:txBody>
-      </p:sp>
-    </p:spTree>
-    <p:extLst>
-      <p:ext uri="{BB962C8B-B14F-4D97-AF65-F5344CB8AC3E}">
-        <p14:creationId xmlns:p14="http://schemas.microsoft.com/office/powerpoint/2010/main" val="407998041"/>
-      </p:ext>
-    </p:extLst>
-  </p:cSld>
-  <p:clrMapOvr>
-    <a:masterClrMapping/>
-  </p:clrMapOvr>
-</p:sld>
-</file>
-
-<file path=ppt/slides/slide8.xml><?xml version="1.0" encoding="utf-8"?>
-<p:sld xmlns:a="http://schemas.openxmlformats.org/drawingml/2006/main" xmlns:r="http://schemas.openxmlformats.org/officeDocument/2006/relationships" xmlns:p="http://schemas.openxmlformats.org/presentationml/2006/main">
-  <p:cSld>
-    <p:spTree>
-      <p:nvGrpSpPr>
-        <p:cNvPr id="1" name=""/>
-        <p:cNvGrpSpPr/>
-        <p:nvPr/>
-      </p:nvGrpSpPr>
-      <p:grpSpPr>
-        <a:xfrm>
-          <a:off x="0" y="0"/>
-          <a:ext cx="0" cy="0"/>
-          <a:chOff x="0" y="0"/>
-          <a:chExt cx="0" cy="0"/>
-        </a:xfrm>
-      </p:grpSpPr>
-      <p:sp>
-        <p:nvSpPr>
-          <p:cNvPr id="2" name="Title 1"/>
-          <p:cNvSpPr>
-            <a:spLocks noGrp="1"/>
-          </p:cNvSpPr>
-          <p:nvPr>
-            <p:ph type="title"/>
-          </p:nvPr>
-        </p:nvSpPr>
-        <p:spPr/>
-        <p:txBody>
           <a:bodyPr/>
           <a:lstStyle/>
           <a:p>
@@ -5877,7 +3390,7 @@
 </p:sld>
 </file>
 
-<file path=ppt/slides/slide9.xml><?xml version="1.0" encoding="utf-8"?>
+<file path=ppt/slides/slide11.xml><?xml version="1.0" encoding="utf-8"?>
 <p:sld xmlns:a="http://schemas.openxmlformats.org/drawingml/2006/main" xmlns:r="http://schemas.openxmlformats.org/officeDocument/2006/relationships" xmlns:p="http://schemas.openxmlformats.org/presentationml/2006/main">
   <p:cSld>
     <p:spTree>
@@ -6017,6 +3530,3532 @@
     <p:extLst>
       <p:ext uri="{BB962C8B-B14F-4D97-AF65-F5344CB8AC3E}">
         <p14:creationId xmlns:p14="http://schemas.microsoft.com/office/powerpoint/2010/main" val="2861503653"/>
+      </p:ext>
+    </p:extLst>
+  </p:cSld>
+  <p:clrMapOvr>
+    <a:masterClrMapping/>
+  </p:clrMapOvr>
+</p:sld>
+</file>
+
+<file path=ppt/slides/slide12.xml><?xml version="1.0" encoding="utf-8"?>
+<p:sld xmlns:a="http://schemas.openxmlformats.org/drawingml/2006/main" xmlns:r="http://schemas.openxmlformats.org/officeDocument/2006/relationships" xmlns:p="http://schemas.openxmlformats.org/presentationml/2006/main">
+  <p:cSld>
+    <p:spTree>
+      <p:nvGrpSpPr>
+        <p:cNvPr id="1" name=""/>
+        <p:cNvGrpSpPr/>
+        <p:nvPr/>
+      </p:nvGrpSpPr>
+      <p:grpSpPr>
+        <a:xfrm>
+          <a:off x="0" y="0"/>
+          <a:ext cx="0" cy="0"/>
+          <a:chOff x="0" y="0"/>
+          <a:chExt cx="0" cy="0"/>
+        </a:xfrm>
+      </p:grpSpPr>
+      <p:sp>
+        <p:nvSpPr>
+          <p:cNvPr id="2" name="Title 1"/>
+          <p:cNvSpPr>
+            <a:spLocks noGrp="1"/>
+          </p:cNvSpPr>
+          <p:nvPr>
+            <p:ph type="title"/>
+          </p:nvPr>
+        </p:nvSpPr>
+        <p:spPr/>
+        <p:txBody>
+          <a:bodyPr>
+            <a:normAutofit/>
+          </a:bodyPr>
+          <a:lstStyle/>
+          <a:p>
+            <a:r>
+              <a:rPr lang="en-GB" dirty="0" err="1"/>
+              <a:t>Biến</a:t>
+            </a:r>
+            <a:r>
+              <a:rPr lang="en-GB" dirty="0"/>
+              <a:t> </a:t>
+            </a:r>
+            <a:r>
+              <a:rPr lang="en-GB" dirty="0" smtClean="0"/>
+              <a:t>Local</a:t>
+            </a:r>
+            <a:endParaRPr lang="en-GB" dirty="0"/>
+          </a:p>
+        </p:txBody>
+      </p:sp>
+      <p:sp>
+        <p:nvSpPr>
+          <p:cNvPr id="3" name="Content Placeholder 2"/>
+          <p:cNvSpPr>
+            <a:spLocks noGrp="1"/>
+          </p:cNvSpPr>
+          <p:nvPr>
+            <p:ph idx="1"/>
+          </p:nvPr>
+        </p:nvSpPr>
+        <p:spPr/>
+        <p:txBody>
+          <a:bodyPr/>
+          <a:lstStyle/>
+          <a:p>
+            <a:r>
+              <a:rPr lang="en-US" dirty="0" err="1" smtClean="0"/>
+              <a:t>Biến</a:t>
+            </a:r>
+            <a:r>
+              <a:rPr lang="en-US" dirty="0" smtClean="0"/>
+              <a:t> </a:t>
+            </a:r>
+            <a:r>
+              <a:rPr lang="en-US" dirty="0" err="1" smtClean="0"/>
+              <a:t>trong</a:t>
+            </a:r>
+            <a:r>
+              <a:rPr lang="en-US" dirty="0" smtClean="0"/>
+              <a:t> Constructor, </a:t>
+            </a:r>
+            <a:r>
+              <a:rPr lang="en-US" dirty="0" err="1" smtClean="0"/>
+              <a:t>khối</a:t>
+            </a:r>
+            <a:r>
+              <a:rPr lang="en-US" dirty="0" smtClean="0"/>
+              <a:t>, </a:t>
+            </a:r>
+            <a:r>
+              <a:rPr lang="en-US" dirty="0" err="1" smtClean="0"/>
+              <a:t>phương</a:t>
+            </a:r>
+            <a:r>
+              <a:rPr lang="en-US" dirty="0" smtClean="0"/>
+              <a:t> </a:t>
+            </a:r>
+            <a:r>
+              <a:rPr lang="en-US" dirty="0" err="1" smtClean="0"/>
+              <a:t>thức</a:t>
+            </a:r>
+            <a:endParaRPr lang="en-US" dirty="0" smtClean="0"/>
+          </a:p>
+          <a:p>
+            <a:r>
+              <a:rPr lang="en-US" dirty="0" err="1" smtClean="0"/>
+              <a:t>Biến</a:t>
+            </a:r>
+            <a:r>
+              <a:rPr lang="en-US" dirty="0" smtClean="0"/>
+              <a:t> </a:t>
+            </a:r>
+            <a:r>
+              <a:rPr lang="en-US" dirty="0" err="1" smtClean="0"/>
+              <a:t>hủy</a:t>
+            </a:r>
+            <a:r>
+              <a:rPr lang="en-US" dirty="0" smtClean="0"/>
+              <a:t> </a:t>
+            </a:r>
+            <a:r>
+              <a:rPr lang="en-US" dirty="0" err="1" smtClean="0"/>
+              <a:t>khi</a:t>
+            </a:r>
+            <a:r>
+              <a:rPr lang="en-US" dirty="0" smtClean="0"/>
+              <a:t> </a:t>
+            </a:r>
+            <a:r>
+              <a:rPr lang="en-US" dirty="0" err="1" smtClean="0"/>
+              <a:t>khối</a:t>
+            </a:r>
+            <a:r>
+              <a:rPr lang="en-US" dirty="0" smtClean="0"/>
+              <a:t> </a:t>
+            </a:r>
+            <a:r>
+              <a:rPr lang="en-US" dirty="0" err="1" smtClean="0"/>
+              <a:t>kết</a:t>
+            </a:r>
+            <a:r>
+              <a:rPr lang="en-US" dirty="0" smtClean="0"/>
+              <a:t> </a:t>
+            </a:r>
+            <a:r>
+              <a:rPr lang="en-US" dirty="0" err="1" smtClean="0"/>
+              <a:t>thúc</a:t>
+            </a:r>
+            <a:endParaRPr lang="en-US" dirty="0" smtClean="0"/>
+          </a:p>
+          <a:p>
+            <a:r>
+              <a:rPr lang="en-US" dirty="0" err="1" smtClean="0"/>
+              <a:t>Có</a:t>
+            </a:r>
+            <a:r>
+              <a:rPr lang="en-US" dirty="0" smtClean="0"/>
+              <a:t> </a:t>
+            </a:r>
+            <a:r>
+              <a:rPr lang="en-US" dirty="0" err="1" smtClean="0"/>
+              <a:t>thể</a:t>
+            </a:r>
+            <a:r>
+              <a:rPr lang="en-US" dirty="0" smtClean="0"/>
+              <a:t> </a:t>
+            </a:r>
+            <a:r>
+              <a:rPr lang="en-US" dirty="0" err="1" smtClean="0"/>
+              <a:t>không</a:t>
+            </a:r>
+            <a:r>
+              <a:rPr lang="en-US" dirty="0" smtClean="0"/>
+              <a:t> </a:t>
+            </a:r>
+            <a:r>
+              <a:rPr lang="en-US" dirty="0" err="1" smtClean="0"/>
+              <a:t>có</a:t>
+            </a:r>
+            <a:r>
+              <a:rPr lang="en-US" dirty="0" smtClean="0"/>
+              <a:t> </a:t>
+            </a:r>
+            <a:r>
+              <a:rPr lang="en-US" dirty="0" err="1" smtClean="0"/>
+              <a:t>hoặc</a:t>
+            </a:r>
+            <a:r>
+              <a:rPr lang="en-US" dirty="0" smtClean="0"/>
+              <a:t> </a:t>
+            </a:r>
+            <a:r>
+              <a:rPr lang="en-US" dirty="0" err="1" smtClean="0"/>
+              <a:t>có</a:t>
+            </a:r>
+            <a:r>
+              <a:rPr lang="en-US" dirty="0" smtClean="0"/>
+              <a:t> access modifier</a:t>
+            </a:r>
+          </a:p>
+          <a:p>
+            <a:r>
+              <a:rPr lang="en-US" dirty="0" err="1" smtClean="0"/>
+              <a:t>Biến</a:t>
+            </a:r>
+            <a:r>
+              <a:rPr lang="en-US" dirty="0" smtClean="0"/>
+              <a:t> </a:t>
+            </a:r>
+            <a:r>
+              <a:rPr lang="en-US" dirty="0" err="1" smtClean="0"/>
+              <a:t>thực</a:t>
+            </a:r>
+            <a:r>
+              <a:rPr lang="en-US" dirty="0" smtClean="0"/>
+              <a:t> </a:t>
+            </a:r>
+            <a:r>
+              <a:rPr lang="en-US" dirty="0" err="1" smtClean="0"/>
+              <a:t>thi</a:t>
+            </a:r>
+            <a:r>
+              <a:rPr lang="en-US" dirty="0" smtClean="0"/>
+              <a:t> </a:t>
+            </a:r>
+            <a:r>
+              <a:rPr lang="en-US" dirty="0" err="1" smtClean="0"/>
+              <a:t>nội</a:t>
+            </a:r>
+            <a:r>
+              <a:rPr lang="en-US" dirty="0" smtClean="0"/>
+              <a:t> </a:t>
+            </a:r>
+            <a:r>
+              <a:rPr lang="en-US" dirty="0" err="1" smtClean="0"/>
+              <a:t>bộ</a:t>
+            </a:r>
+            <a:endParaRPr lang="en-US" dirty="0" smtClean="0"/>
+          </a:p>
+          <a:p>
+            <a:r>
+              <a:rPr lang="en-US" dirty="0" err="1" smtClean="0"/>
+              <a:t>Không</a:t>
+            </a:r>
+            <a:r>
+              <a:rPr lang="en-US" dirty="0" smtClean="0"/>
+              <a:t> </a:t>
+            </a:r>
+            <a:r>
+              <a:rPr lang="en-US" dirty="0" err="1" smtClean="0"/>
+              <a:t>có</a:t>
+            </a:r>
+            <a:r>
+              <a:rPr lang="en-US" dirty="0" smtClean="0"/>
+              <a:t> </a:t>
+            </a:r>
+            <a:r>
+              <a:rPr lang="en-US" dirty="0" err="1" smtClean="0"/>
+              <a:t>giá</a:t>
+            </a:r>
+            <a:r>
+              <a:rPr lang="en-US" dirty="0" smtClean="0"/>
+              <a:t> </a:t>
+            </a:r>
+            <a:r>
+              <a:rPr lang="en-US" dirty="0" err="1" smtClean="0"/>
+              <a:t>trị</a:t>
+            </a:r>
+            <a:r>
+              <a:rPr lang="en-US" dirty="0" smtClean="0"/>
+              <a:t> </a:t>
+            </a:r>
+            <a:r>
+              <a:rPr lang="en-US" dirty="0" err="1" smtClean="0"/>
+              <a:t>mặc</a:t>
+            </a:r>
+            <a:r>
+              <a:rPr lang="en-US" dirty="0" smtClean="0"/>
+              <a:t> </a:t>
+            </a:r>
+            <a:r>
+              <a:rPr lang="en-US" dirty="0" err="1" smtClean="0"/>
+              <a:t>định</a:t>
+            </a:r>
+            <a:endParaRPr lang="en-GB" dirty="0"/>
+          </a:p>
+        </p:txBody>
+      </p:sp>
+    </p:spTree>
+    <p:extLst>
+      <p:ext uri="{BB962C8B-B14F-4D97-AF65-F5344CB8AC3E}">
+        <p14:creationId xmlns:p14="http://schemas.microsoft.com/office/powerpoint/2010/main" val="1315229012"/>
+      </p:ext>
+    </p:extLst>
+  </p:cSld>
+  <p:clrMapOvr>
+    <a:masterClrMapping/>
+  </p:clrMapOvr>
+</p:sld>
+</file>
+
+<file path=ppt/slides/slide13.xml><?xml version="1.0" encoding="utf-8"?>
+<p:sld xmlns:a="http://schemas.openxmlformats.org/drawingml/2006/main" xmlns:r="http://schemas.openxmlformats.org/officeDocument/2006/relationships" xmlns:p="http://schemas.openxmlformats.org/presentationml/2006/main">
+  <p:cSld>
+    <p:spTree>
+      <p:nvGrpSpPr>
+        <p:cNvPr id="1" name=""/>
+        <p:cNvGrpSpPr/>
+        <p:nvPr/>
+      </p:nvGrpSpPr>
+      <p:grpSpPr>
+        <a:xfrm>
+          <a:off x="0" y="0"/>
+          <a:ext cx="0" cy="0"/>
+          <a:chOff x="0" y="0"/>
+          <a:chExt cx="0" cy="0"/>
+        </a:xfrm>
+      </p:grpSpPr>
+      <p:sp>
+        <p:nvSpPr>
+          <p:cNvPr id="2" name="Title 1"/>
+          <p:cNvSpPr>
+            <a:spLocks noGrp="1"/>
+          </p:cNvSpPr>
+          <p:nvPr>
+            <p:ph type="title"/>
+          </p:nvPr>
+        </p:nvSpPr>
+        <p:spPr/>
+        <p:txBody>
+          <a:bodyPr/>
+          <a:lstStyle/>
+          <a:p>
+            <a:r>
+              <a:rPr lang="en-US" dirty="0" err="1" smtClean="0"/>
+              <a:t>Eg</a:t>
+            </a:r>
+            <a:r>
+              <a:rPr lang="en-US" dirty="0" smtClean="0"/>
+              <a:t>: Local Variable</a:t>
+            </a:r>
+            <a:endParaRPr lang="en-GB" dirty="0"/>
+          </a:p>
+        </p:txBody>
+      </p:sp>
+      <p:sp>
+        <p:nvSpPr>
+          <p:cNvPr id="3" name="Content Placeholder 2"/>
+          <p:cNvSpPr>
+            <a:spLocks noGrp="1"/>
+          </p:cNvSpPr>
+          <p:nvPr>
+            <p:ph idx="1"/>
+          </p:nvPr>
+        </p:nvSpPr>
+        <p:spPr/>
+        <p:txBody>
+          <a:bodyPr/>
+          <a:lstStyle/>
+          <a:p>
+            <a:endParaRPr lang="en-GB" dirty="0"/>
+          </a:p>
+        </p:txBody>
+      </p:sp>
+      <p:pic>
+        <p:nvPicPr>
+          <p:cNvPr id="1026" name="Picture 2"/>
+          <p:cNvPicPr>
+            <a:picLocks noChangeAspect="1" noChangeArrowheads="1"/>
+          </p:cNvPicPr>
+          <p:nvPr/>
+        </p:nvPicPr>
+        <p:blipFill>
+          <a:blip r:embed="rId2">
+            <a:extLst>
+              <a:ext uri="{28A0092B-C50C-407E-A947-70E740481C1C}">
+                <a14:useLocalDpi xmlns:a14="http://schemas.microsoft.com/office/drawing/2010/main" val="0"/>
+              </a:ext>
+            </a:extLst>
+          </a:blip>
+          <a:srcRect/>
+          <a:stretch>
+            <a:fillRect/>
+          </a:stretch>
+        </p:blipFill>
+        <p:spPr bwMode="auto">
+          <a:xfrm>
+            <a:off x="585788" y="1614488"/>
+            <a:ext cx="7972425" cy="3629025"/>
+          </a:xfrm>
+          <a:prstGeom prst="rect">
+            <a:avLst/>
+          </a:prstGeom>
+          <a:noFill/>
+          <a:ln>
+            <a:noFill/>
+          </a:ln>
+          <a:effectLst/>
+          <a:extLst>
+            <a:ext uri="{909E8E84-426E-40DD-AFC4-6F175D3DCCD1}">
+              <a14:hiddenFill xmlns:a14="http://schemas.microsoft.com/office/drawing/2010/main">
+                <a:solidFill>
+                  <a:schemeClr val="accent1"/>
+                </a:solidFill>
+              </a14:hiddenFill>
+            </a:ext>
+            <a:ext uri="{91240B29-F687-4F45-9708-019B960494DF}">
+              <a14:hiddenLine xmlns:a14="http://schemas.microsoft.com/office/drawing/2010/main" w="9525">
+                <a:solidFill>
+                  <a:schemeClr val="tx1"/>
+                </a:solidFill>
+                <a:miter lim="800000"/>
+                <a:headEnd/>
+                <a:tailEnd/>
+              </a14:hiddenLine>
+            </a:ext>
+            <a:ext uri="{AF507438-7753-43E0-B8FC-AC1667EBCBE1}">
+              <a14:hiddenEffects xmlns:a14="http://schemas.microsoft.com/office/drawing/2010/main">
+                <a:effectLst>
+                  <a:outerShdw dist="35921" dir="2700000" algn="ctr" rotWithShape="0">
+                    <a:schemeClr val="bg2"/>
+                  </a:outerShdw>
+                </a:effectLst>
+              </a14:hiddenEffects>
+            </a:ext>
+          </a:extLst>
+        </p:spPr>
+      </p:pic>
+    </p:spTree>
+    <p:extLst>
+      <p:ext uri="{BB962C8B-B14F-4D97-AF65-F5344CB8AC3E}">
+        <p14:creationId xmlns:p14="http://schemas.microsoft.com/office/powerpoint/2010/main" val="2537402977"/>
+      </p:ext>
+    </p:extLst>
+  </p:cSld>
+  <p:clrMapOvr>
+    <a:masterClrMapping/>
+  </p:clrMapOvr>
+</p:sld>
+</file>
+
+<file path=ppt/slides/slide14.xml><?xml version="1.0" encoding="utf-8"?>
+<p:sld xmlns:a="http://schemas.openxmlformats.org/drawingml/2006/main" xmlns:r="http://schemas.openxmlformats.org/officeDocument/2006/relationships" xmlns:p="http://schemas.openxmlformats.org/presentationml/2006/main">
+  <p:cSld>
+    <p:spTree>
+      <p:nvGrpSpPr>
+        <p:cNvPr id="1" name=""/>
+        <p:cNvGrpSpPr/>
+        <p:nvPr/>
+      </p:nvGrpSpPr>
+      <p:grpSpPr>
+        <a:xfrm>
+          <a:off x="0" y="0"/>
+          <a:ext cx="0" cy="0"/>
+          <a:chOff x="0" y="0"/>
+          <a:chExt cx="0" cy="0"/>
+        </a:xfrm>
+      </p:grpSpPr>
+      <p:sp>
+        <p:nvSpPr>
+          <p:cNvPr id="2" name="Title 1"/>
+          <p:cNvSpPr>
+            <a:spLocks noGrp="1"/>
+          </p:cNvSpPr>
+          <p:nvPr>
+            <p:ph type="title"/>
+          </p:nvPr>
+        </p:nvSpPr>
+        <p:spPr/>
+        <p:txBody>
+          <a:bodyPr/>
+          <a:lstStyle/>
+          <a:p>
+            <a:r>
+              <a:rPr lang="en-GB" smtClean="0"/>
+              <a:t>Parameters</a:t>
+            </a:r>
+            <a:endParaRPr lang="en-GB" dirty="0"/>
+          </a:p>
+        </p:txBody>
+      </p:sp>
+      <p:sp>
+        <p:nvSpPr>
+          <p:cNvPr id="12" name="Content Placeholder 11"/>
+          <p:cNvSpPr>
+            <a:spLocks noGrp="1"/>
+          </p:cNvSpPr>
+          <p:nvPr>
+            <p:ph idx="1"/>
+          </p:nvPr>
+        </p:nvSpPr>
+        <p:spPr>
+          <a:xfrm>
+            <a:off x="457200" y="1600201"/>
+            <a:ext cx="8229600" cy="1371600"/>
+          </a:xfrm>
+        </p:spPr>
+        <p:txBody>
+          <a:bodyPr/>
+          <a:lstStyle/>
+          <a:p>
+            <a:r>
+              <a:rPr lang="en-US" dirty="0" err="1" smtClean="0"/>
+              <a:t>Là</a:t>
+            </a:r>
+            <a:r>
+              <a:rPr lang="en-US" dirty="0" smtClean="0"/>
+              <a:t> </a:t>
+            </a:r>
+            <a:r>
+              <a:rPr lang="en-US" dirty="0" err="1" smtClean="0"/>
+              <a:t>tham</a:t>
+            </a:r>
+            <a:r>
+              <a:rPr lang="en-US" dirty="0" smtClean="0"/>
+              <a:t> </a:t>
+            </a:r>
+            <a:r>
+              <a:rPr lang="en-US" dirty="0" err="1" smtClean="0"/>
+              <a:t>số</a:t>
+            </a:r>
+            <a:r>
+              <a:rPr lang="en-US" dirty="0" smtClean="0"/>
+              <a:t> </a:t>
+            </a:r>
+            <a:r>
+              <a:rPr lang="en-US" dirty="0" err="1" smtClean="0"/>
+              <a:t>trong</a:t>
+            </a:r>
+            <a:r>
+              <a:rPr lang="en-US" dirty="0" smtClean="0"/>
+              <a:t> </a:t>
+            </a:r>
+            <a:r>
+              <a:rPr lang="en-US" dirty="0" err="1" smtClean="0"/>
+              <a:t>một</a:t>
+            </a:r>
+            <a:r>
+              <a:rPr lang="en-US" dirty="0" smtClean="0"/>
+              <a:t> </a:t>
+            </a:r>
+            <a:r>
+              <a:rPr lang="en-US" dirty="0" err="1" smtClean="0"/>
+              <a:t>phương</a:t>
+            </a:r>
+            <a:r>
+              <a:rPr lang="en-US" dirty="0" smtClean="0"/>
+              <a:t> </a:t>
+            </a:r>
+            <a:r>
+              <a:rPr lang="en-US" dirty="0" err="1" smtClean="0"/>
+              <a:t>thức</a:t>
+            </a:r>
+            <a:endParaRPr lang="en-US" dirty="0" smtClean="0"/>
+          </a:p>
+          <a:p>
+            <a:r>
+              <a:rPr lang="en-US" dirty="0" err="1" smtClean="0"/>
+              <a:t>Chỉ</a:t>
+            </a:r>
+            <a:r>
+              <a:rPr lang="en-US" dirty="0" smtClean="0"/>
+              <a:t> </a:t>
+            </a:r>
+            <a:r>
+              <a:rPr lang="en-US" dirty="0" err="1" smtClean="0"/>
+              <a:t>có</a:t>
+            </a:r>
+            <a:r>
+              <a:rPr lang="en-US" dirty="0" smtClean="0"/>
+              <a:t> </a:t>
+            </a:r>
+            <a:r>
+              <a:rPr lang="en-US" dirty="0" err="1" smtClean="0"/>
+              <a:t>giá</a:t>
+            </a:r>
+            <a:r>
+              <a:rPr lang="en-US" dirty="0" smtClean="0"/>
+              <a:t> </a:t>
+            </a:r>
+            <a:r>
+              <a:rPr lang="en-US" dirty="0" err="1" smtClean="0"/>
+              <a:t>trị</a:t>
+            </a:r>
+            <a:r>
+              <a:rPr lang="en-US" dirty="0" smtClean="0"/>
+              <a:t> </a:t>
+            </a:r>
+            <a:r>
+              <a:rPr lang="en-US" dirty="0" err="1" smtClean="0"/>
+              <a:t>trong</a:t>
+            </a:r>
+            <a:r>
+              <a:rPr lang="en-US" dirty="0" smtClean="0"/>
+              <a:t> </a:t>
+            </a:r>
+            <a:r>
+              <a:rPr lang="en-US" dirty="0" err="1" smtClean="0"/>
+              <a:t>phương</a:t>
+            </a:r>
+            <a:r>
+              <a:rPr lang="en-US" dirty="0" smtClean="0"/>
+              <a:t> </a:t>
+            </a:r>
+            <a:r>
+              <a:rPr lang="en-US" dirty="0" err="1" smtClean="0"/>
+              <a:t>thức</a:t>
+            </a:r>
+            <a:r>
+              <a:rPr lang="en-US" dirty="0" smtClean="0"/>
+              <a:t> </a:t>
+            </a:r>
+            <a:r>
+              <a:rPr lang="en-US" dirty="0" err="1" smtClean="0"/>
+              <a:t>đó</a:t>
+            </a:r>
+            <a:r>
+              <a:rPr lang="en-US" dirty="0" smtClean="0"/>
+              <a:t> </a:t>
+            </a:r>
+            <a:r>
+              <a:rPr lang="en-US" dirty="0" err="1" smtClean="0"/>
+              <a:t>khi</a:t>
+            </a:r>
+            <a:r>
+              <a:rPr lang="en-US" dirty="0" smtClean="0"/>
+              <a:t> </a:t>
+            </a:r>
+            <a:r>
+              <a:rPr lang="en-US" dirty="0" err="1" smtClean="0"/>
+              <a:t>gọi</a:t>
+            </a:r>
+            <a:r>
+              <a:rPr lang="en-US" dirty="0" smtClean="0"/>
+              <a:t> </a:t>
+            </a:r>
+            <a:r>
+              <a:rPr lang="en-US" dirty="0" err="1" smtClean="0"/>
+              <a:t>tới</a:t>
+            </a:r>
+            <a:endParaRPr lang="en-US" dirty="0" smtClean="0"/>
+          </a:p>
+          <a:p>
+            <a:endParaRPr lang="en-GB" dirty="0"/>
+          </a:p>
+        </p:txBody>
+      </p:sp>
+      <p:pic>
+        <p:nvPicPr>
+          <p:cNvPr id="13" name="Picture 2"/>
+          <p:cNvPicPr>
+            <a:picLocks noChangeAspect="1" noChangeArrowheads="1"/>
+          </p:cNvPicPr>
+          <p:nvPr/>
+        </p:nvPicPr>
+        <p:blipFill>
+          <a:blip r:embed="rId2">
+            <a:extLst>
+              <a:ext uri="{28A0092B-C50C-407E-A947-70E740481C1C}">
+                <a14:useLocalDpi xmlns:a14="http://schemas.microsoft.com/office/drawing/2010/main" val="0"/>
+              </a:ext>
+            </a:extLst>
+          </a:blip>
+          <a:srcRect/>
+          <a:stretch>
+            <a:fillRect/>
+          </a:stretch>
+        </p:blipFill>
+        <p:spPr bwMode="auto">
+          <a:xfrm>
+            <a:off x="1109661" y="3429000"/>
+            <a:ext cx="6924675" cy="1714500"/>
+          </a:xfrm>
+          <a:prstGeom prst="rect">
+            <a:avLst/>
+          </a:prstGeom>
+          <a:ln/>
+        </p:spPr>
+        <p:style>
+          <a:lnRef idx="2">
+            <a:schemeClr val="accent3"/>
+          </a:lnRef>
+          <a:fillRef idx="1">
+            <a:schemeClr val="lt1"/>
+          </a:fillRef>
+          <a:effectRef idx="0">
+            <a:schemeClr val="accent3"/>
+          </a:effectRef>
+          <a:fontRef idx="minor">
+            <a:schemeClr val="dk1"/>
+          </a:fontRef>
+        </p:style>
+      </p:pic>
+      <p:sp>
+        <p:nvSpPr>
+          <p:cNvPr id="14" name="TextBox 13"/>
+          <p:cNvSpPr txBox="1"/>
+          <p:nvPr/>
+        </p:nvSpPr>
+        <p:spPr>
+          <a:xfrm>
+            <a:off x="2514600" y="5715000"/>
+            <a:ext cx="3831113" cy="369332"/>
+          </a:xfrm>
+          <a:prstGeom prst="rect">
+            <a:avLst/>
+          </a:prstGeom>
+          <a:noFill/>
+        </p:spPr>
+        <p:txBody>
+          <a:bodyPr wrap="none" rtlCol="0">
+            <a:spAutoFit/>
+          </a:bodyPr>
+          <a:lstStyle/>
+          <a:p>
+            <a:r>
+              <a:rPr lang="en-US" dirty="0" smtClean="0"/>
+              <a:t>“</a:t>
+            </a:r>
+            <a:r>
+              <a:rPr lang="en-US" dirty="0" err="1" smtClean="0"/>
+              <a:t>args</a:t>
+            </a:r>
+            <a:r>
+              <a:rPr lang="en-US" dirty="0" smtClean="0"/>
+              <a:t>” </a:t>
+            </a:r>
+            <a:r>
+              <a:rPr lang="en-US" dirty="0" err="1" smtClean="0"/>
+              <a:t>là</a:t>
+            </a:r>
+            <a:r>
+              <a:rPr lang="en-US" dirty="0" smtClean="0"/>
+              <a:t> </a:t>
+            </a:r>
+            <a:r>
+              <a:rPr lang="en-US" dirty="0" err="1" smtClean="0"/>
+              <a:t>tham</a:t>
+            </a:r>
+            <a:r>
+              <a:rPr lang="en-US" dirty="0" smtClean="0"/>
+              <a:t> </a:t>
+            </a:r>
+            <a:r>
+              <a:rPr lang="en-US" dirty="0" err="1" smtClean="0"/>
+              <a:t>số</a:t>
+            </a:r>
+            <a:r>
+              <a:rPr lang="en-US" dirty="0" smtClean="0"/>
+              <a:t> </a:t>
+            </a:r>
+            <a:r>
+              <a:rPr lang="en-US" dirty="0" err="1" smtClean="0"/>
+              <a:t>truyền</a:t>
+            </a:r>
+            <a:r>
+              <a:rPr lang="en-US" dirty="0" smtClean="0"/>
+              <a:t> </a:t>
+            </a:r>
+            <a:r>
+              <a:rPr lang="en-US" dirty="0" err="1" smtClean="0"/>
+              <a:t>của</a:t>
+            </a:r>
+            <a:r>
+              <a:rPr lang="en-US" dirty="0" smtClean="0"/>
+              <a:t> </a:t>
+            </a:r>
+            <a:r>
+              <a:rPr lang="en-US" dirty="0" err="1" smtClean="0"/>
+              <a:t>hàm</a:t>
+            </a:r>
+            <a:r>
+              <a:rPr lang="en-US" dirty="0" smtClean="0"/>
+              <a:t> main</a:t>
+            </a:r>
+            <a:endParaRPr lang="en-GB" dirty="0"/>
+          </a:p>
+        </p:txBody>
+      </p:sp>
+    </p:spTree>
+    <p:extLst>
+      <p:ext uri="{BB962C8B-B14F-4D97-AF65-F5344CB8AC3E}">
+        <p14:creationId xmlns:p14="http://schemas.microsoft.com/office/powerpoint/2010/main" val="4160700224"/>
+      </p:ext>
+    </p:extLst>
+  </p:cSld>
+  <p:clrMapOvr>
+    <a:masterClrMapping/>
+  </p:clrMapOvr>
+</p:sld>
+</file>
+
+<file path=ppt/slides/slide15.xml><?xml version="1.0" encoding="utf-8"?>
+<p:sld xmlns:a="http://schemas.openxmlformats.org/drawingml/2006/main" xmlns:r="http://schemas.openxmlformats.org/officeDocument/2006/relationships" xmlns:p="http://schemas.openxmlformats.org/presentationml/2006/main">
+  <p:cSld>
+    <p:spTree>
+      <p:nvGrpSpPr>
+        <p:cNvPr id="1" name=""/>
+        <p:cNvGrpSpPr/>
+        <p:nvPr/>
+      </p:nvGrpSpPr>
+      <p:grpSpPr>
+        <a:xfrm>
+          <a:off x="0" y="0"/>
+          <a:ext cx="0" cy="0"/>
+          <a:chOff x="0" y="0"/>
+          <a:chExt cx="0" cy="0"/>
+        </a:xfrm>
+      </p:grpSpPr>
+      <p:sp>
+        <p:nvSpPr>
+          <p:cNvPr id="2" name="Title 1"/>
+          <p:cNvSpPr>
+            <a:spLocks noGrp="1"/>
+          </p:cNvSpPr>
+          <p:nvPr>
+            <p:ph type="title"/>
+          </p:nvPr>
+        </p:nvSpPr>
+        <p:spPr/>
+        <p:txBody>
+          <a:bodyPr/>
+          <a:lstStyle/>
+          <a:p>
+            <a:r>
+              <a:rPr lang="en-US" dirty="0" err="1" smtClean="0"/>
+              <a:t>Cách</a:t>
+            </a:r>
+            <a:r>
+              <a:rPr lang="en-US" dirty="0" smtClean="0"/>
+              <a:t> </a:t>
+            </a:r>
+            <a:r>
+              <a:rPr lang="en-US" dirty="0" err="1" smtClean="0"/>
+              <a:t>đặt</a:t>
+            </a:r>
+            <a:r>
+              <a:rPr lang="en-US" dirty="0" smtClean="0"/>
+              <a:t> </a:t>
+            </a:r>
+            <a:r>
+              <a:rPr lang="en-US" dirty="0" err="1" smtClean="0"/>
+              <a:t>tên</a:t>
+            </a:r>
+            <a:endParaRPr lang="en-GB" dirty="0"/>
+          </a:p>
+        </p:txBody>
+      </p:sp>
+      <p:sp>
+        <p:nvSpPr>
+          <p:cNvPr id="3" name="Content Placeholder 2"/>
+          <p:cNvSpPr>
+            <a:spLocks noGrp="1"/>
+          </p:cNvSpPr>
+          <p:nvPr>
+            <p:ph idx="1"/>
+          </p:nvPr>
+        </p:nvSpPr>
+        <p:spPr/>
+        <p:txBody>
+          <a:bodyPr/>
+          <a:lstStyle/>
+          <a:p>
+            <a:r>
+              <a:rPr lang="en-US" dirty="0" err="1" smtClean="0"/>
+              <a:t>Khá</a:t>
+            </a:r>
+            <a:r>
+              <a:rPr lang="en-US" dirty="0" smtClean="0"/>
+              <a:t> </a:t>
+            </a:r>
+            <a:r>
+              <a:rPr lang="en-US" dirty="0" err="1" smtClean="0"/>
+              <a:t>giống</a:t>
+            </a:r>
+            <a:r>
+              <a:rPr lang="en-US" dirty="0" smtClean="0"/>
+              <a:t> Java Script</a:t>
+            </a:r>
+          </a:p>
+          <a:p>
+            <a:pPr lvl="1"/>
+            <a:r>
+              <a:rPr lang="en-US" dirty="0" smtClean="0"/>
+              <a:t>$ </a:t>
+            </a:r>
+            <a:r>
+              <a:rPr lang="en-US" dirty="0" err="1" smtClean="0"/>
+              <a:t>và</a:t>
+            </a:r>
+            <a:r>
+              <a:rPr lang="en-US" dirty="0" smtClean="0"/>
+              <a:t> _ </a:t>
+            </a:r>
+            <a:r>
+              <a:rPr lang="en-US" dirty="0" err="1" smtClean="0"/>
+              <a:t>có</a:t>
+            </a:r>
+            <a:r>
+              <a:rPr lang="en-US" dirty="0" smtClean="0"/>
+              <a:t> </a:t>
+            </a:r>
+            <a:r>
+              <a:rPr lang="en-US" dirty="0" err="1" smtClean="0"/>
+              <a:t>thể</a:t>
+            </a:r>
+            <a:r>
+              <a:rPr lang="en-US" dirty="0" smtClean="0"/>
+              <a:t> </a:t>
+            </a:r>
+            <a:r>
+              <a:rPr lang="en-US" dirty="0" err="1" smtClean="0"/>
+              <a:t>sử</a:t>
+            </a:r>
+            <a:r>
+              <a:rPr lang="en-US" dirty="0" smtClean="0"/>
+              <a:t> </a:t>
+            </a:r>
+            <a:r>
+              <a:rPr lang="en-US" dirty="0" err="1" smtClean="0"/>
+              <a:t>dụng</a:t>
+            </a:r>
+            <a:r>
+              <a:rPr lang="en-US" dirty="0" smtClean="0"/>
+              <a:t> </a:t>
+            </a:r>
+          </a:p>
+          <a:p>
+            <a:pPr lvl="1"/>
+            <a:r>
+              <a:rPr lang="en-US" dirty="0" err="1" smtClean="0"/>
+              <a:t>Đầu</a:t>
+            </a:r>
+            <a:r>
+              <a:rPr lang="en-US" dirty="0" smtClean="0"/>
+              <a:t> </a:t>
+            </a:r>
+            <a:r>
+              <a:rPr lang="en-US" dirty="0" err="1" smtClean="0"/>
+              <a:t>tiên</a:t>
+            </a:r>
+            <a:r>
+              <a:rPr lang="en-US" dirty="0" smtClean="0"/>
+              <a:t> </a:t>
+            </a:r>
+            <a:r>
+              <a:rPr lang="en-US" dirty="0" err="1" smtClean="0"/>
+              <a:t>không</a:t>
+            </a:r>
+            <a:r>
+              <a:rPr lang="en-US" dirty="0" smtClean="0"/>
+              <a:t> </a:t>
+            </a:r>
+            <a:r>
+              <a:rPr lang="en-US" dirty="0" err="1" smtClean="0"/>
+              <a:t>được</a:t>
+            </a:r>
+            <a:r>
+              <a:rPr lang="en-US" dirty="0" smtClean="0"/>
+              <a:t> </a:t>
+            </a:r>
+            <a:r>
+              <a:rPr lang="en-US" dirty="0" err="1" smtClean="0"/>
+              <a:t>là</a:t>
+            </a:r>
+            <a:r>
+              <a:rPr lang="en-US" dirty="0" smtClean="0"/>
+              <a:t> </a:t>
+            </a:r>
+            <a:r>
+              <a:rPr lang="en-US" dirty="0" err="1" smtClean="0"/>
+              <a:t>số</a:t>
+            </a:r>
+            <a:endParaRPr lang="en-US" dirty="0" smtClean="0"/>
+          </a:p>
+          <a:p>
+            <a:pPr lvl="1"/>
+            <a:r>
+              <a:rPr lang="en-US" dirty="0" err="1" smtClean="0"/>
+              <a:t>Không</a:t>
+            </a:r>
+            <a:r>
+              <a:rPr lang="en-US" dirty="0" smtClean="0"/>
+              <a:t> </a:t>
+            </a:r>
+            <a:r>
+              <a:rPr lang="en-US" dirty="0" err="1" smtClean="0"/>
+              <a:t>được</a:t>
+            </a:r>
+            <a:r>
+              <a:rPr lang="en-US" dirty="0" smtClean="0"/>
+              <a:t> </a:t>
+            </a:r>
+            <a:r>
+              <a:rPr lang="en-US" dirty="0" err="1" smtClean="0"/>
+              <a:t>trùng</a:t>
+            </a:r>
+            <a:r>
+              <a:rPr lang="en-US" dirty="0" smtClean="0"/>
+              <a:t> </a:t>
+            </a:r>
+            <a:r>
+              <a:rPr lang="en-US" dirty="0" err="1" smtClean="0"/>
+              <a:t>từ</a:t>
+            </a:r>
+            <a:r>
+              <a:rPr lang="en-US" dirty="0" smtClean="0"/>
+              <a:t> </a:t>
+            </a:r>
+            <a:r>
+              <a:rPr lang="en-US" dirty="0" err="1" smtClean="0"/>
+              <a:t>khóa</a:t>
+            </a:r>
+            <a:r>
+              <a:rPr lang="en-US" dirty="0" smtClean="0"/>
+              <a:t> Java</a:t>
+            </a:r>
+          </a:p>
+          <a:p>
+            <a:pPr lvl="1"/>
+            <a:endParaRPr lang="en-GB" dirty="0"/>
+          </a:p>
+        </p:txBody>
+      </p:sp>
+    </p:spTree>
+    <p:extLst>
+      <p:ext uri="{BB962C8B-B14F-4D97-AF65-F5344CB8AC3E}">
+        <p14:creationId xmlns:p14="http://schemas.microsoft.com/office/powerpoint/2010/main" val="3991801188"/>
+      </p:ext>
+    </p:extLst>
+  </p:cSld>
+  <p:clrMapOvr>
+    <a:masterClrMapping/>
+  </p:clrMapOvr>
+</p:sld>
+</file>
+
+<file path=ppt/slides/slide16.xml><?xml version="1.0" encoding="utf-8"?>
+<p:sld xmlns:a="http://schemas.openxmlformats.org/drawingml/2006/main" xmlns:r="http://schemas.openxmlformats.org/officeDocument/2006/relationships" xmlns:p="http://schemas.openxmlformats.org/presentationml/2006/main">
+  <p:cSld>
+    <p:spTree>
+      <p:nvGrpSpPr>
+        <p:cNvPr id="1" name=""/>
+        <p:cNvGrpSpPr/>
+        <p:nvPr/>
+      </p:nvGrpSpPr>
+      <p:grpSpPr>
+        <a:xfrm>
+          <a:off x="0" y="0"/>
+          <a:ext cx="0" cy="0"/>
+          <a:chOff x="0" y="0"/>
+          <a:chExt cx="0" cy="0"/>
+        </a:xfrm>
+      </p:grpSpPr>
+      <p:sp>
+        <p:nvSpPr>
+          <p:cNvPr id="2" name="Title 1"/>
+          <p:cNvSpPr>
+            <a:spLocks noGrp="1"/>
+          </p:cNvSpPr>
+          <p:nvPr>
+            <p:ph type="title"/>
+          </p:nvPr>
+        </p:nvSpPr>
+        <p:spPr/>
+        <p:txBody>
+          <a:bodyPr/>
+          <a:lstStyle/>
+          <a:p>
+            <a:r>
+              <a:rPr lang="en-US" dirty="0" err="1" smtClean="0"/>
+              <a:t>Tóm</a:t>
+            </a:r>
+            <a:r>
+              <a:rPr lang="en-US" dirty="0" smtClean="0"/>
+              <a:t> </a:t>
+            </a:r>
+            <a:r>
+              <a:rPr lang="en-US" dirty="0" err="1" smtClean="0"/>
+              <a:t>tắt</a:t>
+            </a:r>
+            <a:r>
+              <a:rPr lang="en-US" dirty="0" smtClean="0"/>
+              <a:t> </a:t>
+            </a:r>
+            <a:endParaRPr lang="en-GB" dirty="0"/>
+          </a:p>
+        </p:txBody>
+      </p:sp>
+      <p:sp>
+        <p:nvSpPr>
+          <p:cNvPr id="3" name="Content Placeholder 2"/>
+          <p:cNvSpPr>
+            <a:spLocks noGrp="1"/>
+          </p:cNvSpPr>
+          <p:nvPr>
+            <p:ph idx="1"/>
+          </p:nvPr>
+        </p:nvSpPr>
+        <p:spPr/>
+        <p:txBody>
+          <a:bodyPr/>
+          <a:lstStyle/>
+          <a:p>
+            <a:r>
+              <a:rPr lang="en-US" dirty="0" err="1" smtClean="0"/>
+              <a:t>Khái</a:t>
+            </a:r>
+            <a:r>
+              <a:rPr lang="en-US" dirty="0" smtClean="0"/>
+              <a:t> </a:t>
+            </a:r>
+            <a:r>
+              <a:rPr lang="en-US" dirty="0" err="1" smtClean="0"/>
+              <a:t>niệm</a:t>
+            </a:r>
+            <a:r>
+              <a:rPr lang="en-US" dirty="0" smtClean="0"/>
+              <a:t> </a:t>
+            </a:r>
+            <a:r>
+              <a:rPr lang="en-US" dirty="0" err="1" smtClean="0"/>
+              <a:t>biến</a:t>
+            </a:r>
+            <a:r>
+              <a:rPr lang="en-US" dirty="0" smtClean="0"/>
+              <a:t> </a:t>
+            </a:r>
+            <a:r>
+              <a:rPr lang="en-US" dirty="0" err="1" smtClean="0"/>
+              <a:t>trong</a:t>
+            </a:r>
+            <a:r>
+              <a:rPr lang="en-US" dirty="0" smtClean="0"/>
+              <a:t> </a:t>
+            </a:r>
+            <a:r>
+              <a:rPr lang="en-US" dirty="0" smtClean="0"/>
+              <a:t>java</a:t>
+            </a:r>
+          </a:p>
+          <a:p>
+            <a:r>
+              <a:rPr lang="en-US" dirty="0" err="1" smtClean="0"/>
+              <a:t>Biết</a:t>
+            </a:r>
+            <a:r>
+              <a:rPr lang="en-US" dirty="0" smtClean="0"/>
+              <a:t> </a:t>
+            </a:r>
+            <a:r>
+              <a:rPr lang="en-US" dirty="0" err="1" smtClean="0"/>
+              <a:t>cách</a:t>
+            </a:r>
+            <a:r>
+              <a:rPr lang="en-US" dirty="0" smtClean="0"/>
+              <a:t> </a:t>
+            </a:r>
+            <a:r>
+              <a:rPr lang="en-US" dirty="0" err="1" smtClean="0"/>
+              <a:t>khai</a:t>
+            </a:r>
+            <a:r>
+              <a:rPr lang="en-US" dirty="0" smtClean="0"/>
+              <a:t> </a:t>
+            </a:r>
+            <a:r>
+              <a:rPr lang="en-US" dirty="0" err="1" smtClean="0"/>
+              <a:t>báo</a:t>
+            </a:r>
+            <a:endParaRPr lang="en-US" dirty="0" smtClean="0"/>
+          </a:p>
+          <a:p>
+            <a:r>
+              <a:rPr lang="en-US" dirty="0" err="1" smtClean="0"/>
+              <a:t>Biết</a:t>
+            </a:r>
+            <a:r>
+              <a:rPr lang="en-US" dirty="0" smtClean="0"/>
+              <a:t> </a:t>
+            </a:r>
+            <a:r>
+              <a:rPr lang="en-US" dirty="0" err="1" smtClean="0"/>
+              <a:t>được</a:t>
+            </a:r>
+            <a:r>
+              <a:rPr lang="en-US" dirty="0" smtClean="0"/>
+              <a:t> 4 </a:t>
+            </a:r>
+            <a:r>
+              <a:rPr lang="en-US" dirty="0" err="1" smtClean="0"/>
+              <a:t>loại</a:t>
+            </a:r>
+            <a:r>
+              <a:rPr lang="en-US" dirty="0" smtClean="0"/>
+              <a:t> </a:t>
+            </a:r>
+            <a:r>
+              <a:rPr lang="en-US" dirty="0" err="1" smtClean="0"/>
+              <a:t>biến</a:t>
+            </a:r>
+            <a:r>
+              <a:rPr lang="en-US" dirty="0" smtClean="0"/>
+              <a:t> </a:t>
+            </a:r>
+            <a:r>
+              <a:rPr lang="en-US" dirty="0" err="1" smtClean="0"/>
+              <a:t>trong</a:t>
+            </a:r>
+            <a:r>
+              <a:rPr lang="en-US" dirty="0" smtClean="0"/>
+              <a:t> java</a:t>
+            </a:r>
+            <a:endParaRPr lang="en-GB" dirty="0"/>
+          </a:p>
+        </p:txBody>
+      </p:sp>
+    </p:spTree>
+    <p:extLst>
+      <p:ext uri="{BB962C8B-B14F-4D97-AF65-F5344CB8AC3E}">
+        <p14:creationId xmlns:p14="http://schemas.microsoft.com/office/powerpoint/2010/main" val="1034343296"/>
+      </p:ext>
+    </p:extLst>
+  </p:cSld>
+  <p:clrMapOvr>
+    <a:masterClrMapping/>
+  </p:clrMapOvr>
+</p:sld>
+</file>
+
+<file path=ppt/slides/slide17.xml><?xml version="1.0" encoding="utf-8"?>
+<p:sld xmlns:a="http://schemas.openxmlformats.org/drawingml/2006/main" xmlns:r="http://schemas.openxmlformats.org/officeDocument/2006/relationships" xmlns:p="http://schemas.openxmlformats.org/presentationml/2006/main">
+  <p:cSld>
+    <p:spTree>
+      <p:nvGrpSpPr>
+        <p:cNvPr id="1" name=""/>
+        <p:cNvGrpSpPr/>
+        <p:nvPr/>
+      </p:nvGrpSpPr>
+      <p:grpSpPr>
+        <a:xfrm>
+          <a:off x="0" y="0"/>
+          <a:ext cx="0" cy="0"/>
+          <a:chOff x="0" y="0"/>
+          <a:chExt cx="0" cy="0"/>
+        </a:xfrm>
+      </p:grpSpPr>
+      <p:sp>
+        <p:nvSpPr>
+          <p:cNvPr id="2" name="Title 1"/>
+          <p:cNvSpPr>
+            <a:spLocks noGrp="1"/>
+          </p:cNvSpPr>
+          <p:nvPr>
+            <p:ph type="title"/>
+          </p:nvPr>
+        </p:nvSpPr>
+        <p:spPr>
+          <a:xfrm>
+            <a:off x="533400" y="3124200"/>
+            <a:ext cx="8229600" cy="1143000"/>
+          </a:xfrm>
+        </p:spPr>
+        <p:txBody>
+          <a:bodyPr/>
+          <a:lstStyle/>
+          <a:p>
+            <a:r>
+              <a:rPr lang="en-US" dirty="0" smtClean="0"/>
+              <a:t>Thank you</a:t>
+            </a:r>
+            <a:endParaRPr lang="en-GB" dirty="0"/>
+          </a:p>
+        </p:txBody>
+      </p:sp>
+    </p:spTree>
+    <p:extLst>
+      <p:ext uri="{BB962C8B-B14F-4D97-AF65-F5344CB8AC3E}">
+        <p14:creationId xmlns:p14="http://schemas.microsoft.com/office/powerpoint/2010/main" val="2628990039"/>
+      </p:ext>
+    </p:extLst>
+  </p:cSld>
+  <p:clrMapOvr>
+    <a:masterClrMapping/>
+  </p:clrMapOvr>
+</p:sld>
+</file>
+
+<file path=ppt/slides/slide2.xml><?xml version="1.0" encoding="utf-8"?>
+<p:sld xmlns:a="http://schemas.openxmlformats.org/drawingml/2006/main" xmlns:r="http://schemas.openxmlformats.org/officeDocument/2006/relationships" xmlns:p="http://schemas.openxmlformats.org/presentationml/2006/main">
+  <p:cSld>
+    <p:spTree>
+      <p:nvGrpSpPr>
+        <p:cNvPr id="1" name=""/>
+        <p:cNvGrpSpPr/>
+        <p:nvPr/>
+      </p:nvGrpSpPr>
+      <p:grpSpPr>
+        <a:xfrm>
+          <a:off x="0" y="0"/>
+          <a:ext cx="0" cy="0"/>
+          <a:chOff x="0" y="0"/>
+          <a:chExt cx="0" cy="0"/>
+        </a:xfrm>
+      </p:grpSpPr>
+      <p:sp>
+        <p:nvSpPr>
+          <p:cNvPr id="2" name="Title 1"/>
+          <p:cNvSpPr>
+            <a:spLocks noGrp="1"/>
+          </p:cNvSpPr>
+          <p:nvPr>
+            <p:ph type="title"/>
+          </p:nvPr>
+        </p:nvSpPr>
+        <p:spPr/>
+        <p:txBody>
+          <a:bodyPr/>
+          <a:lstStyle/>
+          <a:p>
+            <a:r>
+              <a:rPr lang="en-US" dirty="0" err="1" smtClean="0"/>
+              <a:t>Mục</a:t>
+            </a:r>
+            <a:r>
+              <a:rPr lang="en-US" dirty="0" smtClean="0"/>
+              <a:t> </a:t>
+            </a:r>
+            <a:r>
+              <a:rPr lang="en-US" dirty="0" err="1" smtClean="0"/>
+              <a:t>tiêu</a:t>
+            </a:r>
+            <a:r>
+              <a:rPr lang="en-US" dirty="0" smtClean="0"/>
+              <a:t> </a:t>
+            </a:r>
+            <a:endParaRPr lang="en-GB" dirty="0"/>
+          </a:p>
+        </p:txBody>
+      </p:sp>
+      <p:sp>
+        <p:nvSpPr>
+          <p:cNvPr id="3" name="Content Placeholder 2"/>
+          <p:cNvSpPr>
+            <a:spLocks noGrp="1"/>
+          </p:cNvSpPr>
+          <p:nvPr>
+            <p:ph idx="1"/>
+          </p:nvPr>
+        </p:nvSpPr>
+        <p:spPr/>
+        <p:txBody>
+          <a:bodyPr/>
+          <a:lstStyle/>
+          <a:p>
+            <a:r>
+              <a:rPr lang="en-US" dirty="0" err="1" smtClean="0"/>
+              <a:t>Sử</a:t>
+            </a:r>
+            <a:r>
+              <a:rPr lang="en-US" dirty="0" smtClean="0"/>
+              <a:t> </a:t>
+            </a:r>
+            <a:r>
+              <a:rPr lang="en-US" dirty="0" err="1" smtClean="0"/>
+              <a:t>dụng</a:t>
+            </a:r>
+            <a:r>
+              <a:rPr lang="en-US" dirty="0" smtClean="0"/>
+              <a:t> </a:t>
+            </a:r>
+            <a:r>
+              <a:rPr lang="en-US" dirty="0" err="1" smtClean="0"/>
+              <a:t>thành</a:t>
+            </a:r>
+            <a:r>
+              <a:rPr lang="en-US" dirty="0" smtClean="0"/>
+              <a:t> </a:t>
+            </a:r>
+            <a:r>
+              <a:rPr lang="en-US" dirty="0" err="1" smtClean="0"/>
+              <a:t>thạo</a:t>
+            </a:r>
+            <a:r>
+              <a:rPr lang="en-US" dirty="0" smtClean="0"/>
+              <a:t> </a:t>
+            </a:r>
+          </a:p>
+          <a:p>
+            <a:pPr lvl="1"/>
+            <a:r>
+              <a:rPr lang="en-US" dirty="0" err="1" smtClean="0"/>
+              <a:t>Biến</a:t>
+            </a:r>
+            <a:endParaRPr lang="en-US" dirty="0" smtClean="0"/>
+          </a:p>
+          <a:p>
+            <a:pPr lvl="1"/>
+            <a:r>
+              <a:rPr lang="en-US" dirty="0" err="1" smtClean="0"/>
+              <a:t>Cách</a:t>
+            </a:r>
+            <a:r>
+              <a:rPr lang="en-US" dirty="0" smtClean="0"/>
+              <a:t> </a:t>
+            </a:r>
+            <a:r>
+              <a:rPr lang="en-US" dirty="0" err="1" smtClean="0"/>
+              <a:t>khai</a:t>
+            </a:r>
+            <a:r>
+              <a:rPr lang="en-US" dirty="0" smtClean="0"/>
+              <a:t> </a:t>
+            </a:r>
+            <a:r>
+              <a:rPr lang="en-US" dirty="0" err="1" smtClean="0"/>
+              <a:t>báo</a:t>
+            </a:r>
+            <a:endParaRPr lang="en-US" dirty="0" smtClean="0"/>
+          </a:p>
+          <a:p>
+            <a:pPr lvl="1"/>
+            <a:r>
+              <a:rPr lang="en-US" dirty="0" err="1" smtClean="0"/>
+              <a:t>Các</a:t>
+            </a:r>
+            <a:r>
+              <a:rPr lang="en-US" dirty="0" smtClean="0"/>
+              <a:t> </a:t>
+            </a:r>
+            <a:r>
+              <a:rPr lang="en-US" dirty="0" err="1" smtClean="0"/>
+              <a:t>loại</a:t>
+            </a:r>
+            <a:r>
+              <a:rPr lang="en-US" dirty="0" smtClean="0"/>
+              <a:t> </a:t>
+            </a:r>
+            <a:r>
+              <a:rPr lang="en-US" dirty="0" err="1" smtClean="0"/>
+              <a:t>biến</a:t>
+            </a:r>
+            <a:r>
+              <a:rPr lang="en-US" dirty="0" smtClean="0"/>
+              <a:t> </a:t>
+            </a:r>
+            <a:r>
+              <a:rPr lang="en-US" dirty="0" err="1" smtClean="0"/>
+              <a:t>trong</a:t>
+            </a:r>
+            <a:r>
+              <a:rPr lang="en-US" dirty="0" smtClean="0"/>
+              <a:t> Java</a:t>
+            </a:r>
+          </a:p>
+          <a:p>
+            <a:r>
+              <a:rPr lang="en-US" dirty="0" err="1" smtClean="0"/>
+              <a:t>Áp</a:t>
+            </a:r>
+            <a:r>
+              <a:rPr lang="en-US" dirty="0" smtClean="0"/>
+              <a:t> </a:t>
+            </a:r>
+            <a:r>
+              <a:rPr lang="en-US" dirty="0" err="1" smtClean="0"/>
+              <a:t>dụng</a:t>
+            </a:r>
+            <a:r>
+              <a:rPr lang="en-US" dirty="0" smtClean="0"/>
+              <a:t> </a:t>
+            </a:r>
+            <a:r>
+              <a:rPr lang="en-US" dirty="0" err="1" smtClean="0"/>
+              <a:t>vào</a:t>
+            </a:r>
+            <a:r>
+              <a:rPr lang="en-US" dirty="0" smtClean="0"/>
+              <a:t> </a:t>
+            </a:r>
+            <a:r>
+              <a:rPr lang="en-US" dirty="0" err="1" smtClean="0"/>
+              <a:t>bài</a:t>
+            </a:r>
+            <a:r>
+              <a:rPr lang="en-US" dirty="0" smtClean="0"/>
+              <a:t> </a:t>
+            </a:r>
+            <a:r>
+              <a:rPr lang="en-US" dirty="0" err="1" smtClean="0"/>
+              <a:t>toán</a:t>
+            </a:r>
+            <a:endParaRPr lang="en-US" dirty="0"/>
+          </a:p>
+          <a:p>
+            <a:pPr lvl="1"/>
+            <a:r>
+              <a:rPr lang="en-US" dirty="0" err="1" smtClean="0"/>
+              <a:t>Phương</a:t>
+            </a:r>
+            <a:r>
+              <a:rPr lang="en-US" dirty="0" smtClean="0"/>
+              <a:t> </a:t>
+            </a:r>
+            <a:r>
+              <a:rPr lang="en-US" dirty="0" err="1" smtClean="0"/>
+              <a:t>trình</a:t>
+            </a:r>
+            <a:r>
+              <a:rPr lang="en-US" dirty="0" smtClean="0"/>
+              <a:t> </a:t>
+            </a:r>
+            <a:r>
+              <a:rPr lang="en-US" dirty="0" err="1" smtClean="0"/>
+              <a:t>bậc</a:t>
+            </a:r>
+            <a:r>
+              <a:rPr lang="en-US" dirty="0" smtClean="0"/>
+              <a:t> 2</a:t>
+            </a:r>
+            <a:endParaRPr lang="en-GB" dirty="0"/>
+          </a:p>
+        </p:txBody>
+      </p:sp>
+    </p:spTree>
+    <p:extLst>
+      <p:ext uri="{BB962C8B-B14F-4D97-AF65-F5344CB8AC3E}">
+        <p14:creationId xmlns:p14="http://schemas.microsoft.com/office/powerpoint/2010/main" val="662708449"/>
+      </p:ext>
+    </p:extLst>
+  </p:cSld>
+  <p:clrMapOvr>
+    <a:masterClrMapping/>
+  </p:clrMapOvr>
+</p:sld>
+</file>
+
+<file path=ppt/slides/slide3.xml><?xml version="1.0" encoding="utf-8"?>
+<p:sld xmlns:a="http://schemas.openxmlformats.org/drawingml/2006/main" xmlns:r="http://schemas.openxmlformats.org/officeDocument/2006/relationships" xmlns:p="http://schemas.openxmlformats.org/presentationml/2006/main">
+  <p:cSld>
+    <p:spTree>
+      <p:nvGrpSpPr>
+        <p:cNvPr id="1" name=""/>
+        <p:cNvGrpSpPr/>
+        <p:nvPr/>
+      </p:nvGrpSpPr>
+      <p:grpSpPr>
+        <a:xfrm>
+          <a:off x="0" y="0"/>
+          <a:ext cx="0" cy="0"/>
+          <a:chOff x="0" y="0"/>
+          <a:chExt cx="0" cy="0"/>
+        </a:xfrm>
+      </p:grpSpPr>
+      <p:sp>
+        <p:nvSpPr>
+          <p:cNvPr id="2" name="Title 1"/>
+          <p:cNvSpPr>
+            <a:spLocks noGrp="1"/>
+          </p:cNvSpPr>
+          <p:nvPr>
+            <p:ph type="title"/>
+          </p:nvPr>
+        </p:nvSpPr>
+        <p:spPr/>
+        <p:txBody>
+          <a:bodyPr/>
+          <a:lstStyle/>
+          <a:p>
+            <a:r>
+              <a:rPr lang="en-GB" dirty="0" smtClean="0"/>
+              <a:t>Variable</a:t>
+            </a:r>
+            <a:r>
+              <a:rPr lang="en-GB" i="1" dirty="0" smtClean="0"/>
+              <a:t> - </a:t>
+            </a:r>
+            <a:r>
+              <a:rPr lang="en-US" dirty="0" err="1" smtClean="0"/>
+              <a:t>Biến</a:t>
+            </a:r>
+            <a:r>
+              <a:rPr lang="en-US" dirty="0" smtClean="0"/>
+              <a:t> </a:t>
+            </a:r>
+            <a:r>
+              <a:rPr lang="en-US" dirty="0" err="1" smtClean="0"/>
+              <a:t>là</a:t>
+            </a:r>
+            <a:r>
+              <a:rPr lang="en-US" dirty="0" smtClean="0"/>
+              <a:t> </a:t>
+            </a:r>
+            <a:r>
+              <a:rPr lang="en-US" dirty="0" err="1" smtClean="0"/>
+              <a:t>gì</a:t>
+            </a:r>
+            <a:r>
+              <a:rPr lang="en-US" dirty="0" smtClean="0"/>
+              <a:t>? (1)</a:t>
+            </a:r>
+            <a:endParaRPr lang="en-GB" dirty="0"/>
+          </a:p>
+        </p:txBody>
+      </p:sp>
+      <p:sp>
+        <p:nvSpPr>
+          <p:cNvPr id="3" name="Content Placeholder 2"/>
+          <p:cNvSpPr>
+            <a:spLocks noGrp="1"/>
+          </p:cNvSpPr>
+          <p:nvPr>
+            <p:ph idx="1"/>
+          </p:nvPr>
+        </p:nvSpPr>
+        <p:spPr>
+          <a:xfrm>
+            <a:off x="457200" y="1600201"/>
+            <a:ext cx="8229600" cy="685800"/>
+          </a:xfrm>
+        </p:spPr>
+        <p:txBody>
+          <a:bodyPr>
+            <a:normAutofit/>
+          </a:bodyPr>
+          <a:lstStyle/>
+          <a:p>
+            <a:r>
+              <a:rPr lang="en-US" dirty="0" err="1" smtClean="0"/>
+              <a:t>Một</a:t>
+            </a:r>
+            <a:r>
+              <a:rPr lang="en-US" dirty="0" smtClean="0"/>
+              <a:t> </a:t>
+            </a:r>
+            <a:r>
+              <a:rPr lang="en-US" dirty="0" err="1" smtClean="0"/>
+              <a:t>đối</a:t>
+            </a:r>
+            <a:r>
+              <a:rPr lang="en-US" dirty="0" smtClean="0"/>
+              <a:t> </a:t>
+            </a:r>
+            <a:r>
+              <a:rPr lang="en-US" dirty="0" err="1" smtClean="0"/>
+              <a:t>tượng</a:t>
+            </a:r>
+            <a:r>
+              <a:rPr lang="en-US" dirty="0" smtClean="0"/>
+              <a:t> </a:t>
+            </a:r>
+            <a:r>
+              <a:rPr lang="en-US" dirty="0" err="1" smtClean="0"/>
+              <a:t>có</a:t>
+            </a:r>
+            <a:r>
+              <a:rPr lang="en-US" dirty="0" smtClean="0"/>
+              <a:t> </a:t>
+            </a:r>
+            <a:r>
+              <a:rPr lang="en-US" dirty="0" err="1" smtClean="0"/>
+              <a:t>hành</a:t>
+            </a:r>
+            <a:r>
+              <a:rPr lang="en-US" dirty="0" smtClean="0"/>
+              <a:t> vi </a:t>
+            </a:r>
+            <a:r>
+              <a:rPr lang="en-US" dirty="0" err="1" smtClean="0"/>
+              <a:t>và</a:t>
+            </a:r>
+            <a:r>
+              <a:rPr lang="en-US" dirty="0" smtClean="0"/>
+              <a:t> </a:t>
+            </a:r>
+            <a:r>
+              <a:rPr lang="en-US" dirty="0" err="1" smtClean="0"/>
+              <a:t>trạng</a:t>
+            </a:r>
+            <a:r>
+              <a:rPr lang="en-US" dirty="0" smtClean="0"/>
+              <a:t> </a:t>
+            </a:r>
+            <a:r>
+              <a:rPr lang="en-US" dirty="0" err="1" smtClean="0"/>
+              <a:t>thái</a:t>
+            </a:r>
+            <a:endParaRPr lang="en-US" dirty="0" smtClean="0"/>
+          </a:p>
+        </p:txBody>
+      </p:sp>
+      <p:pic>
+        <p:nvPicPr>
+          <p:cNvPr id="1026" name="Picture 2"/>
+          <p:cNvPicPr>
+            <a:picLocks noChangeAspect="1" noChangeArrowheads="1"/>
+          </p:cNvPicPr>
+          <p:nvPr/>
+        </p:nvPicPr>
+        <p:blipFill>
+          <a:blip r:embed="rId2">
+            <a:extLst>
+              <a:ext uri="{28A0092B-C50C-407E-A947-70E740481C1C}">
+                <a14:useLocalDpi xmlns:a14="http://schemas.microsoft.com/office/drawing/2010/main" val="0"/>
+              </a:ext>
+            </a:extLst>
+          </a:blip>
+          <a:srcRect/>
+          <a:stretch>
+            <a:fillRect/>
+          </a:stretch>
+        </p:blipFill>
+        <p:spPr bwMode="auto">
+          <a:xfrm>
+            <a:off x="1628633" y="2819400"/>
+            <a:ext cx="5462962" cy="2371725"/>
+          </a:xfrm>
+          <a:prstGeom prst="rect">
+            <a:avLst/>
+          </a:prstGeom>
+          <a:noFill/>
+          <a:ln>
+            <a:noFill/>
+          </a:ln>
+          <a:effectLst/>
+          <a:extLst>
+            <a:ext uri="{909E8E84-426E-40DD-AFC4-6F175D3DCCD1}">
+              <a14:hiddenFill xmlns:a14="http://schemas.microsoft.com/office/drawing/2010/main">
+                <a:solidFill>
+                  <a:schemeClr val="accent1"/>
+                </a:solidFill>
+              </a14:hiddenFill>
+            </a:ext>
+            <a:ext uri="{91240B29-F687-4F45-9708-019B960494DF}">
+              <a14:hiddenLine xmlns:a14="http://schemas.microsoft.com/office/drawing/2010/main" w="9525">
+                <a:solidFill>
+                  <a:schemeClr val="tx1"/>
+                </a:solidFill>
+                <a:miter lim="800000"/>
+                <a:headEnd/>
+                <a:tailEnd/>
+              </a14:hiddenLine>
+            </a:ext>
+            <a:ext uri="{AF507438-7753-43E0-B8FC-AC1667EBCBE1}">
+              <a14:hiddenEffects xmlns:a14="http://schemas.microsoft.com/office/drawing/2010/main">
+                <a:effectLst>
+                  <a:outerShdw dist="35921" dir="2700000" algn="ctr" rotWithShape="0">
+                    <a:schemeClr val="bg2"/>
+                  </a:outerShdw>
+                </a:effectLst>
+              </a14:hiddenEffects>
+            </a:ext>
+          </a:extLst>
+        </p:spPr>
+      </p:pic>
+      <p:sp>
+        <p:nvSpPr>
+          <p:cNvPr id="4" name="TextBox 3"/>
+          <p:cNvSpPr txBox="1"/>
+          <p:nvPr/>
+        </p:nvSpPr>
+        <p:spPr>
+          <a:xfrm>
+            <a:off x="1905000" y="5562600"/>
+            <a:ext cx="5791200" cy="461665"/>
+          </a:xfrm>
+          <a:prstGeom prst="rect">
+            <a:avLst/>
+          </a:prstGeom>
+          <a:noFill/>
+        </p:spPr>
+        <p:txBody>
+          <a:bodyPr wrap="square" rtlCol="0">
+            <a:spAutoFit/>
+          </a:bodyPr>
+          <a:lstStyle/>
+          <a:p>
+            <a:r>
+              <a:rPr lang="en-US" sz="2400" dirty="0" err="1" smtClean="0"/>
+              <a:t>Trạng</a:t>
+            </a:r>
+            <a:r>
+              <a:rPr lang="en-US" sz="2400" dirty="0" smtClean="0"/>
+              <a:t> </a:t>
+            </a:r>
+            <a:r>
+              <a:rPr lang="en-US" sz="2400" dirty="0" err="1" smtClean="0"/>
+              <a:t>thái</a:t>
+            </a:r>
+            <a:r>
+              <a:rPr lang="en-US" sz="2400" dirty="0" smtClean="0"/>
+              <a:t> </a:t>
+            </a:r>
+            <a:r>
+              <a:rPr lang="en-US" sz="2400" dirty="0" err="1" smtClean="0"/>
+              <a:t>luôn</a:t>
+            </a:r>
+            <a:r>
+              <a:rPr lang="en-US" sz="2400" dirty="0" smtClean="0"/>
+              <a:t> </a:t>
+            </a:r>
+            <a:r>
+              <a:rPr lang="en-US" sz="2400" dirty="0" err="1" smtClean="0"/>
+              <a:t>có</a:t>
+            </a:r>
+            <a:r>
+              <a:rPr lang="en-US" sz="2400" dirty="0" smtClean="0"/>
+              <a:t> </a:t>
+            </a:r>
+            <a:r>
+              <a:rPr lang="en-US" sz="2400" dirty="0" err="1" smtClean="0"/>
+              <a:t>thể</a:t>
+            </a:r>
+            <a:r>
+              <a:rPr lang="en-US" sz="2400" dirty="0" smtClean="0"/>
+              <a:t> </a:t>
+            </a:r>
+            <a:r>
+              <a:rPr lang="en-US" sz="2400" dirty="0" err="1" smtClean="0"/>
+              <a:t>thay</a:t>
+            </a:r>
+            <a:r>
+              <a:rPr lang="en-US" sz="2400" dirty="0" smtClean="0"/>
+              <a:t> </a:t>
+            </a:r>
+            <a:r>
+              <a:rPr lang="en-US" sz="2400" dirty="0" err="1" smtClean="0"/>
+              <a:t>đổi</a:t>
+            </a:r>
+            <a:endParaRPr lang="en-GB" sz="2400" dirty="0"/>
+          </a:p>
+        </p:txBody>
+      </p:sp>
+    </p:spTree>
+    <p:extLst>
+      <p:ext uri="{BB962C8B-B14F-4D97-AF65-F5344CB8AC3E}">
+        <p14:creationId xmlns:p14="http://schemas.microsoft.com/office/powerpoint/2010/main" val="1792065264"/>
+      </p:ext>
+    </p:extLst>
+  </p:cSld>
+  <p:clrMapOvr>
+    <a:masterClrMapping/>
+  </p:clrMapOvr>
+</p:sld>
+</file>
+
+<file path=ppt/slides/slide4.xml><?xml version="1.0" encoding="utf-8"?>
+<p:sld xmlns:a="http://schemas.openxmlformats.org/drawingml/2006/main" xmlns:r="http://schemas.openxmlformats.org/officeDocument/2006/relationships" xmlns:p="http://schemas.openxmlformats.org/presentationml/2006/main">
+  <p:cSld>
+    <p:spTree>
+      <p:nvGrpSpPr>
+        <p:cNvPr id="1" name=""/>
+        <p:cNvGrpSpPr/>
+        <p:nvPr/>
+      </p:nvGrpSpPr>
+      <p:grpSpPr>
+        <a:xfrm>
+          <a:off x="0" y="0"/>
+          <a:ext cx="0" cy="0"/>
+          <a:chOff x="0" y="0"/>
+          <a:chExt cx="0" cy="0"/>
+        </a:xfrm>
+      </p:grpSpPr>
+      <p:sp>
+        <p:nvSpPr>
+          <p:cNvPr id="2" name="Title 1"/>
+          <p:cNvSpPr>
+            <a:spLocks noGrp="1"/>
+          </p:cNvSpPr>
+          <p:nvPr>
+            <p:ph type="title"/>
+          </p:nvPr>
+        </p:nvSpPr>
+        <p:spPr/>
+        <p:txBody>
+          <a:bodyPr/>
+          <a:lstStyle/>
+          <a:p>
+            <a:r>
+              <a:rPr lang="en-GB" dirty="0"/>
+              <a:t>Variable</a:t>
+            </a:r>
+            <a:r>
+              <a:rPr lang="en-GB" i="1" dirty="0"/>
+              <a:t> - </a:t>
+            </a:r>
+            <a:r>
+              <a:rPr lang="en-US" dirty="0" err="1"/>
+              <a:t>Biến</a:t>
+            </a:r>
+            <a:r>
+              <a:rPr lang="en-US" dirty="0"/>
+              <a:t> </a:t>
+            </a:r>
+            <a:r>
+              <a:rPr lang="en-US" dirty="0" err="1"/>
+              <a:t>là</a:t>
+            </a:r>
+            <a:r>
+              <a:rPr lang="en-US" dirty="0"/>
+              <a:t> </a:t>
+            </a:r>
+            <a:r>
+              <a:rPr lang="en-US" dirty="0" err="1"/>
+              <a:t>gì</a:t>
+            </a:r>
+            <a:r>
+              <a:rPr lang="en-US" dirty="0"/>
+              <a:t>? </a:t>
+            </a:r>
+            <a:r>
+              <a:rPr lang="en-US" dirty="0" smtClean="0"/>
+              <a:t>(2)</a:t>
+            </a:r>
+            <a:endParaRPr lang="en-GB" dirty="0"/>
+          </a:p>
+        </p:txBody>
+      </p:sp>
+      <p:sp>
+        <p:nvSpPr>
+          <p:cNvPr id="3" name="Content Placeholder 2"/>
+          <p:cNvSpPr>
+            <a:spLocks noGrp="1"/>
+          </p:cNvSpPr>
+          <p:nvPr>
+            <p:ph idx="1"/>
+          </p:nvPr>
+        </p:nvSpPr>
+        <p:spPr>
+          <a:xfrm>
+            <a:off x="457200" y="3124201"/>
+            <a:ext cx="8229600" cy="1295400"/>
+          </a:xfrm>
+        </p:spPr>
+        <p:txBody>
+          <a:bodyPr/>
+          <a:lstStyle/>
+          <a:p>
+            <a:pPr marL="0" indent="0">
+              <a:buNone/>
+            </a:pPr>
+            <a:r>
+              <a:rPr lang="en-US" dirty="0" err="1" smtClean="0"/>
+              <a:t>Biến</a:t>
+            </a:r>
+            <a:r>
+              <a:rPr lang="en-US" dirty="0" smtClean="0"/>
+              <a:t> </a:t>
+            </a:r>
+            <a:r>
+              <a:rPr lang="en-US" dirty="0" err="1" smtClean="0"/>
+              <a:t>là</a:t>
+            </a:r>
+            <a:r>
+              <a:rPr lang="en-US" dirty="0" smtClean="0"/>
+              <a:t> </a:t>
+            </a:r>
+            <a:r>
+              <a:rPr lang="en-US" dirty="0" err="1" smtClean="0"/>
+              <a:t>những</a:t>
+            </a:r>
+            <a:r>
+              <a:rPr lang="en-US" dirty="0" smtClean="0"/>
+              <a:t> </a:t>
+            </a:r>
+            <a:r>
+              <a:rPr lang="en-US" dirty="0" err="1" smtClean="0"/>
+              <a:t>giá</a:t>
+            </a:r>
+            <a:r>
+              <a:rPr lang="en-US" dirty="0" smtClean="0"/>
+              <a:t> </a:t>
+            </a:r>
+            <a:r>
+              <a:rPr lang="en-US" dirty="0" err="1" smtClean="0"/>
+              <a:t>trị</a:t>
+            </a:r>
+            <a:r>
+              <a:rPr lang="en-US" dirty="0" smtClean="0"/>
+              <a:t> </a:t>
+            </a:r>
+            <a:r>
+              <a:rPr lang="en-US" dirty="0" err="1" smtClean="0"/>
+              <a:t>luôn</a:t>
+            </a:r>
+            <a:r>
+              <a:rPr lang="en-US" dirty="0" smtClean="0"/>
+              <a:t> </a:t>
+            </a:r>
+            <a:r>
+              <a:rPr lang="en-US" dirty="0" err="1" smtClean="0"/>
+              <a:t>thay</a:t>
+            </a:r>
+            <a:r>
+              <a:rPr lang="en-US" dirty="0" smtClean="0"/>
+              <a:t> </a:t>
+            </a:r>
+            <a:r>
+              <a:rPr lang="en-US" dirty="0" err="1" smtClean="0"/>
+              <a:t>đổi</a:t>
+            </a:r>
+            <a:r>
+              <a:rPr lang="en-US" dirty="0" smtClean="0"/>
+              <a:t> </a:t>
+            </a:r>
+            <a:r>
+              <a:rPr lang="en-US" dirty="0" err="1" smtClean="0"/>
+              <a:t>thể</a:t>
+            </a:r>
+            <a:r>
+              <a:rPr lang="en-US" dirty="0" smtClean="0"/>
+              <a:t> </a:t>
+            </a:r>
+            <a:r>
+              <a:rPr lang="en-US" dirty="0" err="1" smtClean="0"/>
+              <a:t>hiện</a:t>
+            </a:r>
+            <a:r>
+              <a:rPr lang="en-US" dirty="0" smtClean="0"/>
+              <a:t> </a:t>
+            </a:r>
+            <a:r>
+              <a:rPr lang="en-US" dirty="0" err="1" smtClean="0"/>
+              <a:t>trạng</a:t>
+            </a:r>
+            <a:r>
+              <a:rPr lang="en-US" dirty="0" smtClean="0"/>
+              <a:t> </a:t>
+            </a:r>
+            <a:r>
+              <a:rPr lang="en-US" dirty="0" err="1" smtClean="0"/>
+              <a:t>thái</a:t>
+            </a:r>
+            <a:r>
+              <a:rPr lang="en-US" dirty="0" smtClean="0"/>
+              <a:t> </a:t>
+            </a:r>
+            <a:r>
+              <a:rPr lang="en-US" dirty="0" err="1" smtClean="0"/>
+              <a:t>của</a:t>
+            </a:r>
+            <a:r>
+              <a:rPr lang="en-US" dirty="0" smtClean="0"/>
+              <a:t> </a:t>
+            </a:r>
+            <a:r>
+              <a:rPr lang="en-US" dirty="0" err="1" smtClean="0"/>
+              <a:t>một</a:t>
+            </a:r>
+            <a:r>
+              <a:rPr lang="en-US" dirty="0" smtClean="0"/>
+              <a:t> </a:t>
+            </a:r>
+            <a:r>
+              <a:rPr lang="en-US" dirty="0" err="1" smtClean="0"/>
+              <a:t>đối</a:t>
+            </a:r>
+            <a:r>
+              <a:rPr lang="en-US" dirty="0" smtClean="0"/>
+              <a:t> </a:t>
+            </a:r>
+            <a:r>
+              <a:rPr lang="en-US" dirty="0" err="1" smtClean="0"/>
+              <a:t>tượng</a:t>
+            </a:r>
+            <a:endParaRPr lang="en-US" dirty="0" smtClean="0"/>
+          </a:p>
+        </p:txBody>
+      </p:sp>
+    </p:spTree>
+    <p:extLst>
+      <p:ext uri="{BB962C8B-B14F-4D97-AF65-F5344CB8AC3E}">
+        <p14:creationId xmlns:p14="http://schemas.microsoft.com/office/powerpoint/2010/main" val="873123817"/>
+      </p:ext>
+    </p:extLst>
+  </p:cSld>
+  <p:clrMapOvr>
+    <a:masterClrMapping/>
+  </p:clrMapOvr>
+</p:sld>
+</file>
+
+<file path=ppt/slides/slide5.xml><?xml version="1.0" encoding="utf-8"?>
+<p:sld xmlns:a="http://schemas.openxmlformats.org/drawingml/2006/main" xmlns:r="http://schemas.openxmlformats.org/officeDocument/2006/relationships" xmlns:p="http://schemas.openxmlformats.org/presentationml/2006/main">
+  <p:cSld>
+    <p:spTree>
+      <p:nvGrpSpPr>
+        <p:cNvPr id="1" name=""/>
+        <p:cNvGrpSpPr/>
+        <p:nvPr/>
+      </p:nvGrpSpPr>
+      <p:grpSpPr>
+        <a:xfrm>
+          <a:off x="0" y="0"/>
+          <a:ext cx="0" cy="0"/>
+          <a:chOff x="0" y="0"/>
+          <a:chExt cx="0" cy="0"/>
+        </a:xfrm>
+      </p:grpSpPr>
+      <p:sp>
+        <p:nvSpPr>
+          <p:cNvPr id="2" name="Title 1"/>
+          <p:cNvSpPr>
+            <a:spLocks noGrp="1"/>
+          </p:cNvSpPr>
+          <p:nvPr>
+            <p:ph type="title"/>
+          </p:nvPr>
+        </p:nvSpPr>
+        <p:spPr/>
+        <p:txBody>
+          <a:bodyPr/>
+          <a:lstStyle/>
+          <a:p>
+            <a:r>
+              <a:rPr lang="en-US" dirty="0" err="1" smtClean="0"/>
+              <a:t>Khai</a:t>
+            </a:r>
+            <a:r>
+              <a:rPr lang="en-US" dirty="0" smtClean="0"/>
+              <a:t> </a:t>
+            </a:r>
+            <a:r>
+              <a:rPr lang="en-US" dirty="0" err="1" smtClean="0"/>
+              <a:t>báo</a:t>
+            </a:r>
+            <a:r>
+              <a:rPr lang="en-US" dirty="0" smtClean="0"/>
+              <a:t> </a:t>
+            </a:r>
+            <a:r>
+              <a:rPr lang="en-US" dirty="0" err="1" smtClean="0"/>
+              <a:t>biến</a:t>
+            </a:r>
+            <a:r>
+              <a:rPr lang="en-US" dirty="0" smtClean="0"/>
+              <a:t> (1)</a:t>
+            </a:r>
+            <a:endParaRPr lang="en-GB" dirty="0"/>
+          </a:p>
+        </p:txBody>
+      </p:sp>
+      <p:sp>
+        <p:nvSpPr>
+          <p:cNvPr id="3" name="Content Placeholder 2"/>
+          <p:cNvSpPr>
+            <a:spLocks noGrp="1"/>
+          </p:cNvSpPr>
+          <p:nvPr>
+            <p:ph idx="1"/>
+          </p:nvPr>
+        </p:nvSpPr>
+        <p:spPr>
+          <a:xfrm>
+            <a:off x="457200" y="1600201"/>
+            <a:ext cx="8229600" cy="2514600"/>
+          </a:xfrm>
+        </p:spPr>
+        <p:txBody>
+          <a:bodyPr/>
+          <a:lstStyle/>
+          <a:p>
+            <a:r>
+              <a:rPr lang="en-US" dirty="0" err="1" smtClean="0"/>
+              <a:t>Khai</a:t>
+            </a:r>
+            <a:r>
+              <a:rPr lang="en-US" dirty="0" smtClean="0"/>
+              <a:t> </a:t>
+            </a:r>
+            <a:r>
+              <a:rPr lang="en-US" dirty="0" err="1" smtClean="0"/>
+              <a:t>báo</a:t>
+            </a:r>
+            <a:r>
+              <a:rPr lang="en-US" dirty="0" smtClean="0"/>
+              <a:t> </a:t>
+            </a:r>
+            <a:r>
+              <a:rPr lang="en-US" dirty="0" err="1" smtClean="0"/>
+              <a:t>bất</a:t>
+            </a:r>
+            <a:r>
+              <a:rPr lang="en-US" dirty="0" smtClean="0"/>
+              <a:t> </a:t>
+            </a:r>
+            <a:r>
+              <a:rPr lang="en-US" dirty="0" err="1" smtClean="0"/>
+              <a:t>kì</a:t>
+            </a:r>
+            <a:r>
+              <a:rPr lang="en-US" dirty="0" smtClean="0"/>
+              <a:t> </a:t>
+            </a:r>
+            <a:r>
+              <a:rPr lang="en-US" dirty="0" err="1" smtClean="0"/>
+              <a:t>nơi</a:t>
+            </a:r>
+            <a:r>
+              <a:rPr lang="en-US" dirty="0" smtClean="0"/>
+              <a:t> </a:t>
+            </a:r>
+            <a:r>
+              <a:rPr lang="en-US" dirty="0" err="1" smtClean="0"/>
+              <a:t>nào</a:t>
+            </a:r>
+            <a:endParaRPr lang="en-US" dirty="0" smtClean="0"/>
+          </a:p>
+          <a:p>
+            <a:pPr lvl="1"/>
+            <a:r>
+              <a:rPr lang="en-US" dirty="0" err="1" smtClean="0"/>
+              <a:t>Trong</a:t>
+            </a:r>
+            <a:r>
+              <a:rPr lang="en-US" dirty="0" smtClean="0"/>
+              <a:t> constructor</a:t>
+            </a:r>
+          </a:p>
+          <a:p>
+            <a:pPr lvl="1"/>
+            <a:r>
+              <a:rPr lang="en-US" dirty="0" err="1" smtClean="0"/>
+              <a:t>Trong</a:t>
+            </a:r>
+            <a:r>
+              <a:rPr lang="en-US" dirty="0" smtClean="0"/>
+              <a:t> Class, Interface</a:t>
+            </a:r>
+          </a:p>
+          <a:p>
+            <a:pPr lvl="1"/>
+            <a:r>
+              <a:rPr lang="en-US" dirty="0" err="1" smtClean="0"/>
+              <a:t>Trong</a:t>
+            </a:r>
+            <a:r>
+              <a:rPr lang="en-US" dirty="0" smtClean="0"/>
+              <a:t> method</a:t>
+            </a:r>
+          </a:p>
+          <a:p>
+            <a:endParaRPr lang="en-GB" dirty="0"/>
+          </a:p>
+        </p:txBody>
+      </p:sp>
+      <p:pic>
+        <p:nvPicPr>
+          <p:cNvPr id="1026" name="Picture 2"/>
+          <p:cNvPicPr>
+            <a:picLocks noChangeAspect="1" noChangeArrowheads="1"/>
+          </p:cNvPicPr>
+          <p:nvPr/>
+        </p:nvPicPr>
+        <p:blipFill>
+          <a:blip r:embed="rId2">
+            <a:extLst>
+              <a:ext uri="{28A0092B-C50C-407E-A947-70E740481C1C}">
+                <a14:useLocalDpi xmlns:a14="http://schemas.microsoft.com/office/drawing/2010/main" val="0"/>
+              </a:ext>
+            </a:extLst>
+          </a:blip>
+          <a:srcRect/>
+          <a:stretch>
+            <a:fillRect/>
+          </a:stretch>
+        </p:blipFill>
+        <p:spPr bwMode="auto">
+          <a:xfrm>
+            <a:off x="2133599" y="4267200"/>
+            <a:ext cx="4600575" cy="1495425"/>
+          </a:xfrm>
+          <a:prstGeom prst="rect">
+            <a:avLst/>
+          </a:prstGeom>
+          <a:noFill/>
+          <a:ln>
+            <a:noFill/>
+          </a:ln>
+          <a:effectLst/>
+          <a:extLst>
+            <a:ext uri="{909E8E84-426E-40DD-AFC4-6F175D3DCCD1}">
+              <a14:hiddenFill xmlns:a14="http://schemas.microsoft.com/office/drawing/2010/main">
+                <a:solidFill>
+                  <a:schemeClr val="accent1"/>
+                </a:solidFill>
+              </a14:hiddenFill>
+            </a:ext>
+            <a:ext uri="{91240B29-F687-4F45-9708-019B960494DF}">
+              <a14:hiddenLine xmlns:a14="http://schemas.microsoft.com/office/drawing/2010/main" w="9525">
+                <a:solidFill>
+                  <a:schemeClr val="tx1"/>
+                </a:solidFill>
+                <a:miter lim="800000"/>
+                <a:headEnd/>
+                <a:tailEnd/>
+              </a14:hiddenLine>
+            </a:ext>
+            <a:ext uri="{AF507438-7753-43E0-B8FC-AC1667EBCBE1}">
+              <a14:hiddenEffects xmlns:a14="http://schemas.microsoft.com/office/drawing/2010/main">
+                <a:effectLst>
+                  <a:outerShdw dist="35921" dir="2700000" algn="ctr" rotWithShape="0">
+                    <a:schemeClr val="bg2"/>
+                  </a:outerShdw>
+                </a:effectLst>
+              </a14:hiddenEffects>
+            </a:ext>
+          </a:extLst>
+        </p:spPr>
+      </p:pic>
+    </p:spTree>
+    <p:extLst>
+      <p:ext uri="{BB962C8B-B14F-4D97-AF65-F5344CB8AC3E}">
+        <p14:creationId xmlns:p14="http://schemas.microsoft.com/office/powerpoint/2010/main" val="3881179717"/>
+      </p:ext>
+    </p:extLst>
+  </p:cSld>
+  <p:clrMapOvr>
+    <a:masterClrMapping/>
+  </p:clrMapOvr>
+</p:sld>
+</file>
+
+<file path=ppt/slides/slide6.xml><?xml version="1.0" encoding="utf-8"?>
+<p:sld xmlns:a="http://schemas.openxmlformats.org/drawingml/2006/main" xmlns:r="http://schemas.openxmlformats.org/officeDocument/2006/relationships" xmlns:p="http://schemas.openxmlformats.org/presentationml/2006/main">
+  <p:cSld>
+    <p:spTree>
+      <p:nvGrpSpPr>
+        <p:cNvPr id="1" name=""/>
+        <p:cNvGrpSpPr/>
+        <p:nvPr/>
+      </p:nvGrpSpPr>
+      <p:grpSpPr>
+        <a:xfrm>
+          <a:off x="0" y="0"/>
+          <a:ext cx="0" cy="0"/>
+          <a:chOff x="0" y="0"/>
+          <a:chExt cx="0" cy="0"/>
+        </a:xfrm>
+      </p:grpSpPr>
+      <p:sp>
+        <p:nvSpPr>
+          <p:cNvPr id="2" name="Title 1"/>
+          <p:cNvSpPr>
+            <a:spLocks noGrp="1"/>
+          </p:cNvSpPr>
+          <p:nvPr>
+            <p:ph type="title"/>
+          </p:nvPr>
+        </p:nvSpPr>
+        <p:spPr/>
+        <p:txBody>
+          <a:bodyPr/>
+          <a:lstStyle/>
+          <a:p>
+            <a:r>
+              <a:rPr lang="en-US" dirty="0" err="1"/>
+              <a:t>Khai</a:t>
+            </a:r>
+            <a:r>
+              <a:rPr lang="en-US" dirty="0"/>
+              <a:t> </a:t>
+            </a:r>
+            <a:r>
+              <a:rPr lang="en-US" dirty="0" err="1"/>
+              <a:t>báo</a:t>
+            </a:r>
+            <a:r>
+              <a:rPr lang="en-US" dirty="0"/>
+              <a:t> </a:t>
+            </a:r>
+            <a:r>
+              <a:rPr lang="en-US" dirty="0" err="1"/>
+              <a:t>biến</a:t>
+            </a:r>
+            <a:r>
+              <a:rPr lang="en-US" dirty="0"/>
+              <a:t> </a:t>
+            </a:r>
+            <a:r>
+              <a:rPr lang="en-US" dirty="0" smtClean="0"/>
+              <a:t>(2)</a:t>
+            </a:r>
+            <a:endParaRPr lang="en-GB" dirty="0"/>
+          </a:p>
+        </p:txBody>
+      </p:sp>
+      <p:pic>
+        <p:nvPicPr>
+          <p:cNvPr id="5" name="Picture 2"/>
+          <p:cNvPicPr>
+            <a:picLocks noGrp="1" noChangeAspect="1" noChangeArrowheads="1"/>
+          </p:cNvPicPr>
+          <p:nvPr>
+            <p:ph idx="1"/>
+          </p:nvPr>
+        </p:nvPicPr>
+        <p:blipFill>
+          <a:blip r:embed="rId2">
+            <a:extLst>
+              <a:ext uri="{28A0092B-C50C-407E-A947-70E740481C1C}">
+                <a14:useLocalDpi xmlns:a14="http://schemas.microsoft.com/office/drawing/2010/main" val="0"/>
+              </a:ext>
+            </a:extLst>
+          </a:blip>
+          <a:srcRect/>
+          <a:stretch>
+            <a:fillRect/>
+          </a:stretch>
+        </p:blipFill>
+        <p:spPr bwMode="auto">
+          <a:xfrm>
+            <a:off x="2286000" y="1524000"/>
+            <a:ext cx="4600575" cy="1495425"/>
+          </a:xfrm>
+          <a:prstGeom prst="rect">
+            <a:avLst/>
+          </a:prstGeom>
+          <a:ln/>
+        </p:spPr>
+        <p:style>
+          <a:lnRef idx="2">
+            <a:schemeClr val="accent3"/>
+          </a:lnRef>
+          <a:fillRef idx="1">
+            <a:schemeClr val="lt1"/>
+          </a:fillRef>
+          <a:effectRef idx="0">
+            <a:schemeClr val="accent3"/>
+          </a:effectRef>
+          <a:fontRef idx="minor">
+            <a:schemeClr val="dk1"/>
+          </a:fontRef>
+        </p:style>
+      </p:pic>
+      <p:cxnSp>
+        <p:nvCxnSpPr>
+          <p:cNvPr id="8" name="Straight Arrow Connector 7"/>
+          <p:cNvCxnSpPr/>
+          <p:nvPr/>
+        </p:nvCxnSpPr>
+        <p:spPr>
+          <a:xfrm flipH="1">
+            <a:off x="1600200" y="1981200"/>
+            <a:ext cx="990600" cy="2286000"/>
+          </a:xfrm>
+          <a:prstGeom prst="straightConnector1">
+            <a:avLst/>
+          </a:prstGeom>
+          <a:ln>
+            <a:tailEnd type="arrow"/>
+          </a:ln>
+        </p:spPr>
+        <p:style>
+          <a:lnRef idx="1">
+            <a:schemeClr val="accent1"/>
+          </a:lnRef>
+          <a:fillRef idx="0">
+            <a:schemeClr val="accent1"/>
+          </a:fillRef>
+          <a:effectRef idx="0">
+            <a:schemeClr val="accent1"/>
+          </a:effectRef>
+          <a:fontRef idx="minor">
+            <a:schemeClr val="tx1"/>
+          </a:fontRef>
+        </p:style>
+      </p:cxnSp>
+      <p:sp>
+        <p:nvSpPr>
+          <p:cNvPr id="9" name="Rectangle 8"/>
+          <p:cNvSpPr/>
+          <p:nvPr/>
+        </p:nvSpPr>
+        <p:spPr>
+          <a:xfrm>
+            <a:off x="914400" y="4267200"/>
+            <a:ext cx="1676400" cy="838200"/>
+          </a:xfrm>
+          <a:prstGeom prst="rect">
+            <a:avLst/>
+          </a:prstGeom>
+        </p:spPr>
+        <p:style>
+          <a:lnRef idx="2">
+            <a:schemeClr val="accent1">
+              <a:shade val="50000"/>
+            </a:schemeClr>
+          </a:lnRef>
+          <a:fillRef idx="1">
+            <a:schemeClr val="accent1"/>
+          </a:fillRef>
+          <a:effectRef idx="0">
+            <a:schemeClr val="accent1"/>
+          </a:effectRef>
+          <a:fontRef idx="minor">
+            <a:schemeClr val="lt1"/>
+          </a:fontRef>
+        </p:style>
+        <p:txBody>
+          <a:bodyPr rtlCol="0" anchor="ctr"/>
+          <a:lstStyle/>
+          <a:p>
+            <a:pPr algn="ctr"/>
+            <a:r>
+              <a:rPr lang="en-US" dirty="0" smtClean="0"/>
+              <a:t>Access Modifier</a:t>
+            </a:r>
+            <a:endParaRPr lang="en-GB" dirty="0"/>
+          </a:p>
+        </p:txBody>
+      </p:sp>
+      <p:cxnSp>
+        <p:nvCxnSpPr>
+          <p:cNvPr id="11" name="Straight Arrow Connector 10"/>
+          <p:cNvCxnSpPr/>
+          <p:nvPr/>
+        </p:nvCxnSpPr>
+        <p:spPr>
+          <a:xfrm>
+            <a:off x="4114800" y="1981200"/>
+            <a:ext cx="914400" cy="2705100"/>
+          </a:xfrm>
+          <a:prstGeom prst="straightConnector1">
+            <a:avLst/>
+          </a:prstGeom>
+          <a:ln>
+            <a:tailEnd type="arrow"/>
+          </a:ln>
+        </p:spPr>
+        <p:style>
+          <a:lnRef idx="1">
+            <a:schemeClr val="accent1"/>
+          </a:lnRef>
+          <a:fillRef idx="0">
+            <a:schemeClr val="accent1"/>
+          </a:fillRef>
+          <a:effectRef idx="0">
+            <a:schemeClr val="accent1"/>
+          </a:effectRef>
+          <a:fontRef idx="minor">
+            <a:schemeClr val="tx1"/>
+          </a:fontRef>
+        </p:style>
+      </p:cxnSp>
+      <p:sp>
+        <p:nvSpPr>
+          <p:cNvPr id="16" name="Rectangle 15"/>
+          <p:cNvSpPr/>
+          <p:nvPr/>
+        </p:nvSpPr>
+        <p:spPr>
+          <a:xfrm>
+            <a:off x="4152900" y="4686300"/>
+            <a:ext cx="2324100" cy="1257300"/>
+          </a:xfrm>
+          <a:prstGeom prst="rect">
+            <a:avLst/>
+          </a:prstGeom>
+        </p:spPr>
+        <p:style>
+          <a:lnRef idx="2">
+            <a:schemeClr val="accent1">
+              <a:shade val="50000"/>
+            </a:schemeClr>
+          </a:lnRef>
+          <a:fillRef idx="1">
+            <a:schemeClr val="accent1"/>
+          </a:fillRef>
+          <a:effectRef idx="0">
+            <a:schemeClr val="accent1"/>
+          </a:effectRef>
+          <a:fontRef idx="minor">
+            <a:schemeClr val="lt1"/>
+          </a:fontRef>
+        </p:style>
+        <p:txBody>
+          <a:bodyPr rtlCol="0" anchor="ctr"/>
+          <a:lstStyle/>
+          <a:p>
+            <a:pPr algn="ctr"/>
+            <a:r>
+              <a:rPr lang="en-US" dirty="0" err="1" smtClean="0"/>
+              <a:t>Kiểu</a:t>
+            </a:r>
+            <a:r>
+              <a:rPr lang="en-US" dirty="0" smtClean="0"/>
+              <a:t> </a:t>
+            </a:r>
+            <a:r>
+              <a:rPr lang="en-US" dirty="0" err="1" smtClean="0"/>
+              <a:t>dữ</a:t>
+            </a:r>
+            <a:r>
+              <a:rPr lang="en-US" dirty="0" smtClean="0"/>
+              <a:t> </a:t>
+            </a:r>
+            <a:r>
+              <a:rPr lang="en-US" dirty="0" err="1" smtClean="0"/>
+              <a:t>liệu</a:t>
+            </a:r>
+            <a:endParaRPr lang="en-GB" dirty="0"/>
+          </a:p>
+        </p:txBody>
+      </p:sp>
+      <p:sp>
+        <p:nvSpPr>
+          <p:cNvPr id="17" name="Rectangle 16"/>
+          <p:cNvSpPr/>
+          <p:nvPr/>
+        </p:nvSpPr>
+        <p:spPr>
+          <a:xfrm>
+            <a:off x="6858000" y="3486150"/>
+            <a:ext cx="1600200" cy="1085850"/>
+          </a:xfrm>
+          <a:prstGeom prst="rect">
+            <a:avLst/>
+          </a:prstGeom>
+        </p:spPr>
+        <p:style>
+          <a:lnRef idx="2">
+            <a:schemeClr val="accent1">
+              <a:shade val="50000"/>
+            </a:schemeClr>
+          </a:lnRef>
+          <a:fillRef idx="1">
+            <a:schemeClr val="accent1"/>
+          </a:fillRef>
+          <a:effectRef idx="0">
+            <a:schemeClr val="accent1"/>
+          </a:effectRef>
+          <a:fontRef idx="minor">
+            <a:schemeClr val="lt1"/>
+          </a:fontRef>
+        </p:style>
+        <p:txBody>
+          <a:bodyPr rtlCol="0" anchor="ctr"/>
+          <a:lstStyle/>
+          <a:p>
+            <a:pPr algn="ctr"/>
+            <a:r>
+              <a:rPr lang="en-US" dirty="0" err="1" smtClean="0"/>
+              <a:t>Tên</a:t>
+            </a:r>
+            <a:r>
+              <a:rPr lang="en-US" dirty="0" smtClean="0"/>
+              <a:t> </a:t>
+            </a:r>
+            <a:r>
+              <a:rPr lang="en-US" dirty="0" err="1" smtClean="0"/>
+              <a:t>biến</a:t>
+            </a:r>
+            <a:endParaRPr lang="en-GB" dirty="0"/>
+          </a:p>
+        </p:txBody>
+      </p:sp>
+      <p:cxnSp>
+        <p:nvCxnSpPr>
+          <p:cNvPr id="19" name="Straight Arrow Connector 18"/>
+          <p:cNvCxnSpPr/>
+          <p:nvPr/>
+        </p:nvCxnSpPr>
+        <p:spPr>
+          <a:xfrm>
+            <a:off x="5486400" y="1981200"/>
+            <a:ext cx="1447800" cy="1504950"/>
+          </a:xfrm>
+          <a:prstGeom prst="straightConnector1">
+            <a:avLst/>
+          </a:prstGeom>
+          <a:ln>
+            <a:tailEnd type="arrow"/>
+          </a:ln>
+        </p:spPr>
+        <p:style>
+          <a:lnRef idx="1">
+            <a:schemeClr val="accent1"/>
+          </a:lnRef>
+          <a:fillRef idx="0">
+            <a:schemeClr val="accent1"/>
+          </a:fillRef>
+          <a:effectRef idx="0">
+            <a:schemeClr val="accent1"/>
+          </a:effectRef>
+          <a:fontRef idx="minor">
+            <a:schemeClr val="tx1"/>
+          </a:fontRef>
+        </p:style>
+      </p:cxnSp>
+      <p:cxnSp>
+        <p:nvCxnSpPr>
+          <p:cNvPr id="21" name="Straight Arrow Connector 20"/>
+          <p:cNvCxnSpPr/>
+          <p:nvPr/>
+        </p:nvCxnSpPr>
+        <p:spPr>
+          <a:xfrm>
+            <a:off x="4572000" y="2286000"/>
+            <a:ext cx="2286000" cy="1200150"/>
+          </a:xfrm>
+          <a:prstGeom prst="straightConnector1">
+            <a:avLst/>
+          </a:prstGeom>
+          <a:ln>
+            <a:tailEnd type="arrow"/>
+          </a:ln>
+        </p:spPr>
+        <p:style>
+          <a:lnRef idx="1">
+            <a:schemeClr val="accent1"/>
+          </a:lnRef>
+          <a:fillRef idx="0">
+            <a:schemeClr val="accent1"/>
+          </a:fillRef>
+          <a:effectRef idx="0">
+            <a:schemeClr val="accent1"/>
+          </a:effectRef>
+          <a:fontRef idx="minor">
+            <a:schemeClr val="tx1"/>
+          </a:fontRef>
+        </p:style>
+      </p:cxnSp>
+      <p:sp>
+        <p:nvSpPr>
+          <p:cNvPr id="22" name="TextBox 21"/>
+          <p:cNvSpPr txBox="1"/>
+          <p:nvPr/>
+        </p:nvSpPr>
+        <p:spPr>
+          <a:xfrm>
+            <a:off x="1600200" y="6172200"/>
+            <a:ext cx="5017720" cy="461665"/>
+          </a:xfrm>
+          <a:prstGeom prst="rect">
+            <a:avLst/>
+          </a:prstGeom>
+        </p:spPr>
+        <p:style>
+          <a:lnRef idx="2">
+            <a:schemeClr val="accent3"/>
+          </a:lnRef>
+          <a:fillRef idx="1">
+            <a:schemeClr val="lt1"/>
+          </a:fillRef>
+          <a:effectRef idx="0">
+            <a:schemeClr val="accent3"/>
+          </a:effectRef>
+          <a:fontRef idx="minor">
+            <a:schemeClr val="dk1"/>
+          </a:fontRef>
+        </p:style>
+        <p:txBody>
+          <a:bodyPr wrap="none" rtlCol="0">
+            <a:spAutoFit/>
+          </a:bodyPr>
+          <a:lstStyle/>
+          <a:p>
+            <a:r>
+              <a:rPr lang="en-US" sz="2400" dirty="0" err="1" smtClean="0"/>
+              <a:t>Có</a:t>
+            </a:r>
+            <a:r>
+              <a:rPr lang="en-US" sz="2400" dirty="0" smtClean="0"/>
+              <a:t> </a:t>
+            </a:r>
+            <a:r>
+              <a:rPr lang="en-US" sz="2400" dirty="0" err="1" smtClean="0"/>
+              <a:t>thể</a:t>
+            </a:r>
+            <a:r>
+              <a:rPr lang="en-US" sz="2400" dirty="0" smtClean="0"/>
+              <a:t> </a:t>
+            </a:r>
+            <a:r>
+              <a:rPr lang="en-US" sz="2400" dirty="0" err="1" smtClean="0"/>
+              <a:t>không</a:t>
+            </a:r>
+            <a:r>
+              <a:rPr lang="en-US" sz="2400" dirty="0" smtClean="0"/>
+              <a:t> </a:t>
+            </a:r>
+            <a:r>
+              <a:rPr lang="en-US" sz="2400" dirty="0" err="1" smtClean="0"/>
+              <a:t>khai</a:t>
+            </a:r>
+            <a:r>
+              <a:rPr lang="en-US" sz="2400" dirty="0" smtClean="0"/>
+              <a:t> </a:t>
+            </a:r>
+            <a:r>
+              <a:rPr lang="en-US" sz="2400" dirty="0" err="1" smtClean="0"/>
+              <a:t>báo</a:t>
+            </a:r>
+            <a:r>
+              <a:rPr lang="en-US" sz="2400" dirty="0" smtClean="0"/>
+              <a:t> Access Modifier</a:t>
+            </a:r>
+            <a:endParaRPr lang="en-GB" sz="2400" dirty="0"/>
+          </a:p>
+        </p:txBody>
+      </p:sp>
+    </p:spTree>
+    <p:extLst>
+      <p:ext uri="{BB962C8B-B14F-4D97-AF65-F5344CB8AC3E}">
+        <p14:creationId xmlns:p14="http://schemas.microsoft.com/office/powerpoint/2010/main" val="2760222460"/>
+      </p:ext>
+    </p:extLst>
+  </p:cSld>
+  <p:clrMapOvr>
+    <a:masterClrMapping/>
+  </p:clrMapOvr>
+</p:sld>
+</file>
+
+<file path=ppt/slides/slide7.xml><?xml version="1.0" encoding="utf-8"?>
+<p:sld xmlns:a="http://schemas.openxmlformats.org/drawingml/2006/main" xmlns:r="http://schemas.openxmlformats.org/officeDocument/2006/relationships" xmlns:p="http://schemas.openxmlformats.org/presentationml/2006/main">
+  <p:cSld>
+    <p:spTree>
+      <p:nvGrpSpPr>
+        <p:cNvPr id="1" name=""/>
+        <p:cNvGrpSpPr/>
+        <p:nvPr/>
+      </p:nvGrpSpPr>
+      <p:grpSpPr>
+        <a:xfrm>
+          <a:off x="0" y="0"/>
+          <a:ext cx="0" cy="0"/>
+          <a:chOff x="0" y="0"/>
+          <a:chExt cx="0" cy="0"/>
+        </a:xfrm>
+      </p:grpSpPr>
+      <p:sp>
+        <p:nvSpPr>
+          <p:cNvPr id="5" name="Title 4"/>
+          <p:cNvSpPr>
+            <a:spLocks noGrp="1"/>
+          </p:cNvSpPr>
+          <p:nvPr>
+            <p:ph type="title"/>
+          </p:nvPr>
+        </p:nvSpPr>
+        <p:spPr/>
+        <p:txBody>
+          <a:bodyPr/>
+          <a:lstStyle/>
+          <a:p>
+            <a:r>
+              <a:rPr lang="vi-VN" dirty="0" smtClean="0">
+                <a:latin typeface="Calibri (Headings)"/>
+                <a:cs typeface="Calibri" pitchFamily="34" charset="0"/>
+              </a:rPr>
+              <a:t>Các loại biến trong Java</a:t>
+            </a:r>
+            <a:endParaRPr lang="en-GB" dirty="0">
+              <a:latin typeface="Calibri (Headings)"/>
+              <a:cs typeface="Calibri" pitchFamily="34" charset="0"/>
+            </a:endParaRPr>
+          </a:p>
+        </p:txBody>
+      </p:sp>
+      <p:sp>
+        <p:nvSpPr>
+          <p:cNvPr id="3" name="Content Placeholder 2"/>
+          <p:cNvSpPr>
+            <a:spLocks noGrp="1"/>
+          </p:cNvSpPr>
+          <p:nvPr>
+            <p:ph idx="1"/>
+          </p:nvPr>
+        </p:nvSpPr>
+        <p:spPr/>
+        <p:txBody>
+          <a:bodyPr/>
+          <a:lstStyle/>
+          <a:p>
+            <a:r>
+              <a:rPr lang="en-US" dirty="0"/>
+              <a:t>Instance Variables (Non-Static Fields</a:t>
+            </a:r>
+            <a:r>
+              <a:rPr lang="en-US" dirty="0" smtClean="0"/>
+              <a:t>)</a:t>
+            </a:r>
+          </a:p>
+          <a:p>
+            <a:r>
+              <a:rPr lang="en-US" dirty="0" smtClean="0"/>
+              <a:t>Class </a:t>
+            </a:r>
+            <a:r>
+              <a:rPr lang="en-US" dirty="0"/>
+              <a:t>Variables (Static Fields</a:t>
+            </a:r>
+            <a:r>
+              <a:rPr lang="en-US" dirty="0" smtClean="0"/>
+              <a:t>)</a:t>
+            </a:r>
+            <a:endParaRPr lang="en-US" dirty="0"/>
+          </a:p>
+          <a:p>
+            <a:r>
+              <a:rPr lang="en-US" dirty="0"/>
+              <a:t>Local </a:t>
+            </a:r>
+            <a:r>
+              <a:rPr lang="en-US" dirty="0" smtClean="0"/>
+              <a:t>Variables</a:t>
+            </a:r>
+            <a:endParaRPr lang="en-US" dirty="0"/>
+          </a:p>
+          <a:p>
+            <a:r>
+              <a:rPr lang="en-US" dirty="0" smtClean="0"/>
+              <a:t>Parameters</a:t>
+            </a:r>
+            <a:endParaRPr lang="en-GB" dirty="0"/>
+          </a:p>
+        </p:txBody>
+      </p:sp>
+    </p:spTree>
+    <p:extLst>
+      <p:ext uri="{BB962C8B-B14F-4D97-AF65-F5344CB8AC3E}">
+        <p14:creationId xmlns:p14="http://schemas.microsoft.com/office/powerpoint/2010/main" val="95617909"/>
+      </p:ext>
+    </p:extLst>
+  </p:cSld>
+  <p:clrMapOvr>
+    <a:masterClrMapping/>
+  </p:clrMapOvr>
+</p:sld>
+</file>
+
+<file path=ppt/slides/slide8.xml><?xml version="1.0" encoding="utf-8"?>
+<p:sld xmlns:a="http://schemas.openxmlformats.org/drawingml/2006/main" xmlns:r="http://schemas.openxmlformats.org/officeDocument/2006/relationships" xmlns:p="http://schemas.openxmlformats.org/presentationml/2006/main">
+  <p:cSld>
+    <p:spTree>
+      <p:nvGrpSpPr>
+        <p:cNvPr id="1" name=""/>
+        <p:cNvGrpSpPr/>
+        <p:nvPr/>
+      </p:nvGrpSpPr>
+      <p:grpSpPr>
+        <a:xfrm>
+          <a:off x="0" y="0"/>
+          <a:ext cx="0" cy="0"/>
+          <a:chOff x="0" y="0"/>
+          <a:chExt cx="0" cy="0"/>
+        </a:xfrm>
+      </p:grpSpPr>
+      <p:sp>
+        <p:nvSpPr>
+          <p:cNvPr id="2" name="Title 1"/>
+          <p:cNvSpPr>
+            <a:spLocks noGrp="1"/>
+          </p:cNvSpPr>
+          <p:nvPr>
+            <p:ph type="title"/>
+          </p:nvPr>
+        </p:nvSpPr>
+        <p:spPr/>
+        <p:txBody>
+          <a:bodyPr/>
+          <a:lstStyle/>
+          <a:p>
+            <a:r>
+              <a:rPr lang="en-US" dirty="0" err="1" smtClean="0"/>
+              <a:t>Từ</a:t>
+            </a:r>
+            <a:r>
+              <a:rPr lang="en-US" dirty="0" smtClean="0"/>
+              <a:t> </a:t>
+            </a:r>
+            <a:r>
+              <a:rPr lang="en-US" dirty="0" err="1" smtClean="0"/>
+              <a:t>khóa</a:t>
+            </a:r>
+            <a:r>
+              <a:rPr lang="en-US" dirty="0" smtClean="0"/>
+              <a:t> </a:t>
+            </a:r>
+            <a:r>
+              <a:rPr lang="en-US" dirty="0" err="1" smtClean="0"/>
+              <a:t>chú</a:t>
+            </a:r>
+            <a:r>
+              <a:rPr lang="en-US" dirty="0" smtClean="0"/>
+              <a:t> ý</a:t>
+            </a:r>
+            <a:endParaRPr lang="en-GB" dirty="0"/>
+          </a:p>
+        </p:txBody>
+      </p:sp>
+      <p:sp>
+        <p:nvSpPr>
+          <p:cNvPr id="3" name="Content Placeholder 2"/>
+          <p:cNvSpPr>
+            <a:spLocks noGrp="1"/>
+          </p:cNvSpPr>
+          <p:nvPr>
+            <p:ph idx="1"/>
+          </p:nvPr>
+        </p:nvSpPr>
+        <p:spPr/>
+        <p:txBody>
+          <a:bodyPr/>
+          <a:lstStyle/>
+          <a:p>
+            <a:r>
+              <a:rPr lang="en-GB" b="1" dirty="0" smtClean="0"/>
+              <a:t>Instance – </a:t>
+            </a:r>
+            <a:r>
+              <a:rPr lang="en-GB" dirty="0" err="1" smtClean="0"/>
+              <a:t>Thể</a:t>
+            </a:r>
+            <a:r>
+              <a:rPr lang="en-GB" dirty="0" smtClean="0"/>
+              <a:t> </a:t>
+            </a:r>
+            <a:r>
+              <a:rPr lang="en-GB" dirty="0" err="1" smtClean="0"/>
+              <a:t>hiện</a:t>
+            </a:r>
+            <a:endParaRPr lang="en-GB" dirty="0" smtClean="0"/>
+          </a:p>
+          <a:p>
+            <a:pPr marL="400050" lvl="1" indent="0">
+              <a:buNone/>
+            </a:pPr>
+            <a:r>
+              <a:rPr lang="en-US" dirty="0" smtClean="0"/>
+              <a:t>Car </a:t>
+            </a:r>
+            <a:r>
+              <a:rPr lang="en-US" dirty="0" err="1" smtClean="0"/>
+              <a:t>car</a:t>
+            </a:r>
+            <a:r>
+              <a:rPr lang="en-US" dirty="0" smtClean="0"/>
+              <a:t> = new Car();</a:t>
+            </a:r>
+          </a:p>
+          <a:p>
+            <a:r>
+              <a:rPr lang="en-US" dirty="0" err="1" smtClean="0"/>
+              <a:t>Khi</a:t>
+            </a:r>
+            <a:r>
+              <a:rPr lang="en-US" dirty="0" smtClean="0"/>
+              <a:t> </a:t>
+            </a:r>
+            <a:r>
+              <a:rPr lang="en-US" dirty="0" err="1" smtClean="0"/>
+              <a:t>khởi</a:t>
+            </a:r>
+            <a:r>
+              <a:rPr lang="en-US" dirty="0" smtClean="0"/>
+              <a:t> </a:t>
+            </a:r>
+            <a:r>
+              <a:rPr lang="en-US" dirty="0" err="1" smtClean="0"/>
+              <a:t>tạo</a:t>
+            </a:r>
+            <a:r>
+              <a:rPr lang="en-US" dirty="0" smtClean="0"/>
+              <a:t> car </a:t>
+            </a:r>
+            <a:r>
+              <a:rPr lang="en-US" dirty="0" err="1" smtClean="0"/>
+              <a:t>là</a:t>
+            </a:r>
+            <a:r>
+              <a:rPr lang="en-US" dirty="0" smtClean="0"/>
+              <a:t> </a:t>
+            </a:r>
+            <a:r>
+              <a:rPr lang="en-US" dirty="0" err="1" smtClean="0"/>
+              <a:t>một</a:t>
+            </a:r>
+            <a:r>
+              <a:rPr lang="en-US" dirty="0" smtClean="0"/>
+              <a:t> </a:t>
+            </a:r>
+            <a:r>
+              <a:rPr lang="en-US" dirty="0" err="1" smtClean="0"/>
+              <a:t>thể</a:t>
+            </a:r>
+            <a:r>
+              <a:rPr lang="en-US" dirty="0" smtClean="0"/>
+              <a:t> </a:t>
+            </a:r>
+            <a:r>
+              <a:rPr lang="en-US" dirty="0" err="1" smtClean="0"/>
+              <a:t>hiện</a:t>
+            </a:r>
+            <a:r>
+              <a:rPr lang="en-US" dirty="0" smtClean="0"/>
+              <a:t> </a:t>
+            </a:r>
+            <a:r>
+              <a:rPr lang="en-US" dirty="0" err="1" smtClean="0"/>
+              <a:t>của</a:t>
+            </a:r>
+            <a:r>
+              <a:rPr lang="en-US" dirty="0" smtClean="0"/>
+              <a:t> Class Car</a:t>
+            </a:r>
+            <a:endParaRPr lang="en-GB" dirty="0" smtClean="0"/>
+          </a:p>
+          <a:p>
+            <a:pPr marL="0" indent="0">
+              <a:buNone/>
+            </a:pPr>
+            <a:r>
+              <a:rPr lang="en-US" dirty="0"/>
+              <a:t>	</a:t>
+            </a:r>
+            <a:endParaRPr lang="en-GB" dirty="0"/>
+          </a:p>
+        </p:txBody>
+      </p:sp>
+    </p:spTree>
+    <p:extLst>
+      <p:ext uri="{BB962C8B-B14F-4D97-AF65-F5344CB8AC3E}">
+        <p14:creationId xmlns:p14="http://schemas.microsoft.com/office/powerpoint/2010/main" val="3308696388"/>
+      </p:ext>
+    </p:extLst>
+  </p:cSld>
+  <p:clrMapOvr>
+    <a:masterClrMapping/>
+  </p:clrMapOvr>
+</p:sld>
+</file>
+
+<file path=ppt/slides/slide9.xml><?xml version="1.0" encoding="utf-8"?>
+<p:sld xmlns:a="http://schemas.openxmlformats.org/drawingml/2006/main" xmlns:r="http://schemas.openxmlformats.org/officeDocument/2006/relationships" xmlns:p="http://schemas.openxmlformats.org/presentationml/2006/main">
+  <p:cSld>
+    <p:spTree>
+      <p:nvGrpSpPr>
+        <p:cNvPr id="1" name=""/>
+        <p:cNvGrpSpPr/>
+        <p:nvPr/>
+      </p:nvGrpSpPr>
+      <p:grpSpPr>
+        <a:xfrm>
+          <a:off x="0" y="0"/>
+          <a:ext cx="0" cy="0"/>
+          <a:chOff x="0" y="0"/>
+          <a:chExt cx="0" cy="0"/>
+        </a:xfrm>
+      </p:grpSpPr>
+      <p:sp>
+        <p:nvSpPr>
+          <p:cNvPr id="2" name="Title 1"/>
+          <p:cNvSpPr>
+            <a:spLocks noGrp="1"/>
+          </p:cNvSpPr>
+          <p:nvPr>
+            <p:ph type="title"/>
+          </p:nvPr>
+        </p:nvSpPr>
+        <p:spPr/>
+        <p:txBody>
+          <a:bodyPr/>
+          <a:lstStyle/>
+          <a:p>
+            <a:r>
+              <a:rPr lang="en-US" dirty="0" err="1" smtClean="0"/>
+              <a:t>Biến</a:t>
+            </a:r>
+            <a:r>
+              <a:rPr lang="en-US" dirty="0" smtClean="0"/>
+              <a:t> Instance</a:t>
+            </a:r>
+            <a:endParaRPr lang="en-GB" dirty="0"/>
+          </a:p>
+        </p:txBody>
+      </p:sp>
+      <p:sp>
+        <p:nvSpPr>
+          <p:cNvPr id="3" name="Content Placeholder 2"/>
+          <p:cNvSpPr>
+            <a:spLocks noGrp="1"/>
+          </p:cNvSpPr>
+          <p:nvPr>
+            <p:ph idx="1"/>
+          </p:nvPr>
+        </p:nvSpPr>
+        <p:spPr/>
+        <p:txBody>
+          <a:bodyPr/>
+          <a:lstStyle/>
+          <a:p>
+            <a:r>
+              <a:rPr lang="en-US" dirty="0" err="1" smtClean="0"/>
+              <a:t>Biến</a:t>
+            </a:r>
+            <a:r>
+              <a:rPr lang="en-US" dirty="0" smtClean="0"/>
+              <a:t> </a:t>
+            </a:r>
+            <a:r>
+              <a:rPr lang="en-US" dirty="0" err="1" smtClean="0"/>
+              <a:t>khai</a:t>
+            </a:r>
+            <a:r>
+              <a:rPr lang="en-US" dirty="0" smtClean="0"/>
+              <a:t> </a:t>
+            </a:r>
+            <a:r>
+              <a:rPr lang="en-US" dirty="0" err="1" smtClean="0"/>
+              <a:t>báo</a:t>
+            </a:r>
+            <a:r>
+              <a:rPr lang="en-US" dirty="0" smtClean="0"/>
+              <a:t> </a:t>
+            </a:r>
+            <a:r>
+              <a:rPr lang="en-US" dirty="0" err="1" smtClean="0"/>
+              <a:t>bên</a:t>
+            </a:r>
+            <a:r>
+              <a:rPr lang="en-US" dirty="0" smtClean="0"/>
+              <a:t> </a:t>
+            </a:r>
+            <a:r>
+              <a:rPr lang="en-US" dirty="0" err="1" smtClean="0"/>
+              <a:t>ngoài</a:t>
+            </a:r>
+            <a:r>
+              <a:rPr lang="en-US" dirty="0" smtClean="0"/>
+              <a:t> Constructor, method, </a:t>
+            </a:r>
+            <a:r>
+              <a:rPr lang="en-US" dirty="0" err="1" smtClean="0"/>
+              <a:t>khối</a:t>
+            </a:r>
+            <a:endParaRPr lang="en-US" dirty="0" smtClean="0"/>
+          </a:p>
+          <a:p>
+            <a:r>
+              <a:rPr lang="en-US" dirty="0" err="1" smtClean="0"/>
+              <a:t>Gía</a:t>
+            </a:r>
+            <a:r>
+              <a:rPr lang="en-US" dirty="0" smtClean="0"/>
+              <a:t> </a:t>
+            </a:r>
+            <a:r>
+              <a:rPr lang="en-US" dirty="0" err="1" smtClean="0"/>
+              <a:t>trị</a:t>
+            </a:r>
+            <a:r>
+              <a:rPr lang="en-US" dirty="0" smtClean="0"/>
+              <a:t> </a:t>
+            </a:r>
+            <a:r>
+              <a:rPr lang="en-US" dirty="0" err="1" smtClean="0"/>
+              <a:t>biến</a:t>
+            </a:r>
+            <a:r>
+              <a:rPr lang="en-US" dirty="0" smtClean="0"/>
+              <a:t> </a:t>
+            </a:r>
+            <a:r>
+              <a:rPr lang="en-US" dirty="0" err="1" smtClean="0"/>
+              <a:t>được</a:t>
+            </a:r>
+            <a:r>
+              <a:rPr lang="en-US" dirty="0" smtClean="0"/>
+              <a:t> </a:t>
+            </a:r>
+            <a:r>
+              <a:rPr lang="en-US" dirty="0" err="1" smtClean="0"/>
+              <a:t>tạo</a:t>
+            </a:r>
+            <a:r>
+              <a:rPr lang="en-US" dirty="0" smtClean="0"/>
+              <a:t> </a:t>
+            </a:r>
+            <a:r>
+              <a:rPr lang="en-US" dirty="0" err="1" smtClean="0"/>
+              <a:t>khi</a:t>
+            </a:r>
+            <a:r>
+              <a:rPr lang="en-US" dirty="0" smtClean="0"/>
+              <a:t> </a:t>
+            </a:r>
+            <a:r>
+              <a:rPr lang="en-US" dirty="0" err="1" smtClean="0"/>
+              <a:t>khởi</a:t>
+            </a:r>
+            <a:r>
+              <a:rPr lang="en-US" dirty="0" smtClean="0"/>
+              <a:t> </a:t>
+            </a:r>
+            <a:r>
+              <a:rPr lang="en-US" dirty="0" err="1" smtClean="0"/>
+              <a:t>tạo</a:t>
+            </a:r>
+            <a:r>
+              <a:rPr lang="en-US" dirty="0" smtClean="0"/>
+              <a:t> new Constructor</a:t>
+            </a:r>
+          </a:p>
+          <a:p>
+            <a:r>
+              <a:rPr lang="en-US" dirty="0" err="1" smtClean="0"/>
+              <a:t>Bị</a:t>
+            </a:r>
+            <a:r>
+              <a:rPr lang="en-US" dirty="0" smtClean="0"/>
+              <a:t> </a:t>
+            </a:r>
+            <a:r>
+              <a:rPr lang="en-US" dirty="0" err="1" smtClean="0"/>
+              <a:t>hủy</a:t>
+            </a:r>
+            <a:r>
+              <a:rPr lang="en-US" dirty="0" smtClean="0"/>
+              <a:t> </a:t>
+            </a:r>
+            <a:r>
+              <a:rPr lang="en-US" dirty="0" err="1" smtClean="0"/>
+              <a:t>khi</a:t>
+            </a:r>
+            <a:r>
+              <a:rPr lang="en-US" dirty="0" smtClean="0"/>
+              <a:t> </a:t>
+            </a:r>
+            <a:r>
+              <a:rPr lang="en-US" dirty="0" err="1" smtClean="0"/>
+              <a:t>đối</a:t>
+            </a:r>
+            <a:r>
+              <a:rPr lang="en-US" dirty="0" smtClean="0"/>
+              <a:t> </a:t>
+            </a:r>
+            <a:r>
+              <a:rPr lang="en-US" dirty="0" err="1" smtClean="0"/>
+              <a:t>tượng</a:t>
+            </a:r>
+            <a:r>
+              <a:rPr lang="en-US" dirty="0" smtClean="0"/>
+              <a:t> </a:t>
+            </a:r>
+            <a:r>
+              <a:rPr lang="en-US" dirty="0" err="1" smtClean="0"/>
+              <a:t>bị</a:t>
+            </a:r>
+            <a:r>
+              <a:rPr lang="en-US" dirty="0" smtClean="0"/>
+              <a:t> </a:t>
+            </a:r>
+            <a:r>
+              <a:rPr lang="en-US" dirty="0" err="1" smtClean="0"/>
+              <a:t>hủy</a:t>
+            </a:r>
+            <a:endParaRPr lang="en-US" dirty="0" smtClean="0"/>
+          </a:p>
+          <a:p>
+            <a:r>
+              <a:rPr lang="en-US" dirty="0" err="1" smtClean="0"/>
+              <a:t>Không</a:t>
+            </a:r>
+            <a:r>
+              <a:rPr lang="en-US" dirty="0" smtClean="0"/>
+              <a:t> </a:t>
+            </a:r>
+            <a:r>
+              <a:rPr lang="en-US" dirty="0" err="1" smtClean="0"/>
+              <a:t>khai</a:t>
+            </a:r>
+            <a:r>
+              <a:rPr lang="en-US" dirty="0" smtClean="0"/>
+              <a:t> </a:t>
+            </a:r>
+            <a:r>
+              <a:rPr lang="en-US" dirty="0" err="1" smtClean="0"/>
+              <a:t>báo</a:t>
+            </a:r>
+            <a:r>
+              <a:rPr lang="en-US" dirty="0" smtClean="0"/>
+              <a:t> </a:t>
+            </a:r>
+            <a:r>
+              <a:rPr lang="en-US" dirty="0" err="1" smtClean="0"/>
+              <a:t>giá</a:t>
+            </a:r>
+            <a:r>
+              <a:rPr lang="en-US" dirty="0" smtClean="0"/>
+              <a:t> </a:t>
+            </a:r>
+            <a:r>
+              <a:rPr lang="en-US" dirty="0" err="1" smtClean="0"/>
+              <a:t>trị</a:t>
+            </a:r>
+            <a:r>
+              <a:rPr lang="en-US" dirty="0" smtClean="0"/>
+              <a:t> </a:t>
+            </a:r>
+            <a:r>
+              <a:rPr lang="en-US" dirty="0" err="1" smtClean="0"/>
+              <a:t>biến</a:t>
+            </a:r>
+            <a:r>
+              <a:rPr lang="en-US" dirty="0" smtClean="0"/>
+              <a:t> </a:t>
+            </a:r>
+            <a:r>
+              <a:rPr lang="en-US" dirty="0" err="1" smtClean="0"/>
+              <a:t>được</a:t>
+            </a:r>
+            <a:r>
+              <a:rPr lang="en-US" dirty="0" smtClean="0"/>
+              <a:t> </a:t>
+            </a:r>
+            <a:r>
+              <a:rPr lang="en-US" dirty="0" err="1" smtClean="0"/>
+              <a:t>gán</a:t>
+            </a:r>
+            <a:r>
+              <a:rPr lang="en-US" dirty="0" smtClean="0"/>
+              <a:t> </a:t>
+            </a:r>
+            <a:r>
+              <a:rPr lang="en-US" dirty="0" err="1" smtClean="0"/>
+              <a:t>trị</a:t>
+            </a:r>
+            <a:r>
+              <a:rPr lang="en-US" dirty="0" smtClean="0"/>
+              <a:t> </a:t>
+            </a:r>
+            <a:r>
+              <a:rPr lang="en-US" dirty="0" err="1" smtClean="0"/>
+              <a:t>mặc</a:t>
+            </a:r>
+            <a:r>
+              <a:rPr lang="en-US" dirty="0" smtClean="0"/>
+              <a:t> </a:t>
+            </a:r>
+            <a:r>
+              <a:rPr lang="en-US" dirty="0" err="1" smtClean="0"/>
+              <a:t>định</a:t>
+            </a:r>
+            <a:endParaRPr lang="en-US" dirty="0" smtClean="0"/>
+          </a:p>
+          <a:p>
+            <a:r>
+              <a:rPr lang="en-US" dirty="0" err="1" smtClean="0"/>
+              <a:t>Biến</a:t>
+            </a:r>
+            <a:r>
+              <a:rPr lang="en-US" dirty="0" smtClean="0"/>
+              <a:t> </a:t>
+            </a:r>
+            <a:r>
+              <a:rPr lang="en-US" dirty="0" err="1" smtClean="0"/>
+              <a:t>được</a:t>
+            </a:r>
+            <a:r>
+              <a:rPr lang="en-US" dirty="0" smtClean="0"/>
+              <a:t> </a:t>
+            </a:r>
+            <a:r>
+              <a:rPr lang="en-US" dirty="0" err="1" smtClean="0"/>
+              <a:t>gọi</a:t>
+            </a:r>
+            <a:r>
+              <a:rPr lang="en-US" dirty="0" smtClean="0"/>
+              <a:t> </a:t>
+            </a:r>
+            <a:r>
+              <a:rPr lang="en-US" dirty="0" err="1" smtClean="0"/>
+              <a:t>trực</a:t>
+            </a:r>
+            <a:r>
+              <a:rPr lang="en-US" dirty="0" smtClean="0"/>
+              <a:t> </a:t>
+            </a:r>
+            <a:r>
+              <a:rPr lang="en-US" dirty="0" err="1" smtClean="0"/>
+              <a:t>tiếp</a:t>
+            </a:r>
+            <a:r>
+              <a:rPr lang="en-US" dirty="0" smtClean="0"/>
+              <a:t> </a:t>
+            </a:r>
+            <a:r>
+              <a:rPr lang="en-US" dirty="0" err="1" smtClean="0"/>
+              <a:t>bởi</a:t>
+            </a:r>
+            <a:r>
+              <a:rPr lang="en-US" dirty="0" smtClean="0"/>
+              <a:t> </a:t>
+            </a:r>
+            <a:r>
+              <a:rPr lang="en-US" dirty="0" err="1" smtClean="0"/>
+              <a:t>thực</a:t>
+            </a:r>
+            <a:r>
+              <a:rPr lang="en-US" dirty="0" smtClean="0"/>
+              <a:t> </a:t>
+            </a:r>
+            <a:r>
+              <a:rPr lang="en-US" dirty="0" err="1" smtClean="0"/>
+              <a:t>thể</a:t>
+            </a:r>
+            <a:endParaRPr lang="en-GB" dirty="0"/>
+          </a:p>
+        </p:txBody>
+      </p:sp>
+    </p:spTree>
+    <p:extLst>
+      <p:ext uri="{BB962C8B-B14F-4D97-AF65-F5344CB8AC3E}">
+        <p14:creationId xmlns:p14="http://schemas.microsoft.com/office/powerpoint/2010/main" val="407998041"/>
       </p:ext>
     </p:extLst>
   </p:cSld>
